--- a/WorkingFolder/Project Report.pptx
+++ b/WorkingFolder/Project Report.pptx
@@ -6,7 +6,7 @@
     <p:sldMasterId id="2147483684" r:id="rId2"/>
   </p:sldMasterIdLst>
   <p:notesMasterIdLst>
-    <p:notesMasterId r:id="rId23"/>
+    <p:notesMasterId r:id="rId37"/>
   </p:notesMasterIdLst>
   <p:sldIdLst>
     <p:sldId id="285" r:id="rId3"/>
@@ -14,21 +14,35 @@
     <p:sldId id="287" r:id="rId5"/>
     <p:sldId id="286" r:id="rId6"/>
     <p:sldId id="263" r:id="rId7"/>
-    <p:sldId id="269" r:id="rId8"/>
-    <p:sldId id="267" r:id="rId9"/>
-    <p:sldId id="260" r:id="rId10"/>
-    <p:sldId id="266" r:id="rId11"/>
-    <p:sldId id="288" r:id="rId12"/>
-    <p:sldId id="283" r:id="rId13"/>
-    <p:sldId id="284" r:id="rId14"/>
-    <p:sldId id="262" r:id="rId15"/>
-    <p:sldId id="277" r:id="rId16"/>
-    <p:sldId id="278" r:id="rId17"/>
-    <p:sldId id="280" r:id="rId18"/>
-    <p:sldId id="282" r:id="rId19"/>
-    <p:sldId id="289" r:id="rId20"/>
-    <p:sldId id="290" r:id="rId21"/>
-    <p:sldId id="294" r:id="rId22"/>
+    <p:sldId id="282" r:id="rId8"/>
+    <p:sldId id="310" r:id="rId9"/>
+    <p:sldId id="300" r:id="rId10"/>
+    <p:sldId id="295" r:id="rId11"/>
+    <p:sldId id="296" r:id="rId12"/>
+    <p:sldId id="297" r:id="rId13"/>
+    <p:sldId id="298" r:id="rId14"/>
+    <p:sldId id="299" r:id="rId15"/>
+    <p:sldId id="301" r:id="rId16"/>
+    <p:sldId id="302" r:id="rId17"/>
+    <p:sldId id="303" r:id="rId18"/>
+    <p:sldId id="304" r:id="rId19"/>
+    <p:sldId id="305" r:id="rId20"/>
+    <p:sldId id="306" r:id="rId21"/>
+    <p:sldId id="307" r:id="rId22"/>
+    <p:sldId id="308" r:id="rId23"/>
+    <p:sldId id="311" r:id="rId24"/>
+    <p:sldId id="309" r:id="rId25"/>
+    <p:sldId id="266" r:id="rId26"/>
+    <p:sldId id="288" r:id="rId27"/>
+    <p:sldId id="283" r:id="rId28"/>
+    <p:sldId id="284" r:id="rId29"/>
+    <p:sldId id="262" r:id="rId30"/>
+    <p:sldId id="277" r:id="rId31"/>
+    <p:sldId id="278" r:id="rId32"/>
+    <p:sldId id="280" r:id="rId33"/>
+    <p:sldId id="289" r:id="rId34"/>
+    <p:sldId id="290" r:id="rId35"/>
+    <p:sldId id="294" r:id="rId36"/>
   </p:sldIdLst>
   <p:sldSz cx="6858000" cy="9906000" type="A4"/>
   <p:notesSz cx="6858000" cy="9144000"/>
@@ -217,7 +231,7 @@
           <a:p>
             <a:fld id="{7E91311A-6BC5-47A8-8451-34932F1F09EC}" type="datetimeFigureOut">
               <a:rPr lang="en-US" smtClean="0"/>
-              <a:t>4/7/2019</a:t>
+              <a:t>4/13/2019</a:t>
             </a:fld>
             <a:endParaRPr lang="en-US"/>
           </a:p>
@@ -705,95 +719,6 @@
 </p:notes>
 </file>
 
-<file path=ppt/notesSlides/notesSlide2.xml><?xml version="1.0" encoding="utf-8"?>
-<p:notes xmlns:a="http://schemas.openxmlformats.org/drawingml/2006/main" xmlns:r="http://schemas.openxmlformats.org/officeDocument/2006/relationships" xmlns:p="http://schemas.openxmlformats.org/presentationml/2006/main">
-  <p:cSld>
-    <p:spTree>
-      <p:nvGrpSpPr>
-        <p:cNvPr id="1" name=""/>
-        <p:cNvGrpSpPr/>
-        <p:nvPr/>
-      </p:nvGrpSpPr>
-      <p:grpSpPr>
-        <a:xfrm>
-          <a:off x="0" y="0"/>
-          <a:ext cx="0" cy="0"/>
-          <a:chOff x="0" y="0"/>
-          <a:chExt cx="0" cy="0"/>
-        </a:xfrm>
-      </p:grpSpPr>
-      <p:sp>
-        <p:nvSpPr>
-          <p:cNvPr id="2" name="Slide Image Placeholder 1"/>
-          <p:cNvSpPr>
-            <a:spLocks noGrp="1" noRot="1" noChangeAspect="1"/>
-          </p:cNvSpPr>
-          <p:nvPr>
-            <p:ph type="sldImg"/>
-          </p:nvPr>
-        </p:nvSpPr>
-        <p:spPr>
-          <a:xfrm>
-            <a:off x="2360613" y="1143000"/>
-            <a:ext cx="2136775" cy="3086100"/>
-          </a:xfrm>
-        </p:spPr>
-      </p:sp>
-      <p:sp>
-        <p:nvSpPr>
-          <p:cNvPr id="3" name="Notes Placeholder 2"/>
-          <p:cNvSpPr>
-            <a:spLocks noGrp="1"/>
-          </p:cNvSpPr>
-          <p:nvPr>
-            <p:ph type="body" idx="1"/>
-          </p:nvPr>
-        </p:nvSpPr>
-        <p:spPr/>
-        <p:txBody>
-          <a:bodyPr/>
-          <a:lstStyle/>
-          <a:p>
-            <a:endParaRPr lang="en-US" dirty="0"/>
-          </a:p>
-        </p:txBody>
-      </p:sp>
-      <p:sp>
-        <p:nvSpPr>
-          <p:cNvPr id="4" name="Slide Number Placeholder 3"/>
-          <p:cNvSpPr>
-            <a:spLocks noGrp="1"/>
-          </p:cNvSpPr>
-          <p:nvPr>
-            <p:ph type="sldNum" sz="quarter" idx="10"/>
-          </p:nvPr>
-        </p:nvSpPr>
-        <p:spPr/>
-        <p:txBody>
-          <a:bodyPr/>
-          <a:lstStyle/>
-          <a:p>
-            <a:fld id="{7CDA66C6-A9D5-4DE4-84AE-ADB7EC6FE697}" type="slidenum">
-              <a:rPr lang="en-US" smtClean="0"/>
-              <a:t>7</a:t>
-            </a:fld>
-            <a:endParaRPr lang="en-US"/>
-          </a:p>
-        </p:txBody>
-      </p:sp>
-    </p:spTree>
-    <p:extLst>
-      <p:ext uri="{BB962C8B-B14F-4D97-AF65-F5344CB8AC3E}">
-        <p14:creationId xmlns:p14="http://schemas.microsoft.com/office/powerpoint/2010/main" val="3762541838"/>
-      </p:ext>
-    </p:extLst>
-  </p:cSld>
-  <p:clrMapOvr>
-    <a:masterClrMapping/>
-  </p:clrMapOvr>
-</p:notes>
-</file>
-
 <file path=ppt/slideLayouts/slideLayout1.xml><?xml version="1.0" encoding="utf-8"?>
 <p:sldLayout xmlns:a="http://schemas.openxmlformats.org/drawingml/2006/main" xmlns:r="http://schemas.openxmlformats.org/officeDocument/2006/relationships" xmlns:p="http://schemas.openxmlformats.org/presentationml/2006/main" type="title" preserve="1">
   <p:cSld name="Title Slide">
@@ -925,7 +850,7 @@
           <a:p>
             <a:fld id="{16A90E82-4155-4BB6-AA63-4855E05D2E1B}" type="datetime1">
               <a:rPr lang="en-SG" smtClean="0"/>
-              <a:t>7/4/2019</a:t>
+              <a:t>13/4/2019</a:t>
             </a:fld>
             <a:endParaRPr lang="en-SG"/>
           </a:p>
@@ -1095,7 +1020,7 @@
           <a:p>
             <a:fld id="{95C65BCB-81B7-48F2-BAE2-B3B4793E6CD0}" type="datetime1">
               <a:rPr lang="en-SG" smtClean="0"/>
-              <a:t>7/4/2019</a:t>
+              <a:t>13/4/2019</a:t>
             </a:fld>
             <a:endParaRPr lang="en-SG"/>
           </a:p>
@@ -1275,7 +1200,7 @@
           <a:p>
             <a:fld id="{1229708F-D1D5-4E88-9D05-F8A83188D375}" type="datetime1">
               <a:rPr lang="en-SG" smtClean="0"/>
-              <a:t>7/4/2019</a:t>
+              <a:t>13/4/2019</a:t>
             </a:fld>
             <a:endParaRPr lang="en-SG"/>
           </a:p>
@@ -1467,7 +1392,7 @@
           <a:p>
             <a:fld id="{3DCA807C-E905-4A3C-975C-5AB9686CCD64}" type="datetime1">
               <a:rPr lang="en-SG" smtClean="0"/>
-              <a:t>7/4/2019</a:t>
+              <a:t>13/4/2019</a:t>
             </a:fld>
             <a:endParaRPr lang="en-US"/>
           </a:p>
@@ -1637,7 +1562,7 @@
           <a:p>
             <a:fld id="{EC6CEFD4-D85B-471D-82D9-F7D8FB1B5B5E}" type="datetime1">
               <a:rPr lang="en-SG" smtClean="0"/>
-              <a:t>7/4/2019</a:t>
+              <a:t>13/4/2019</a:t>
             </a:fld>
             <a:endParaRPr lang="en-US"/>
           </a:p>
@@ -1881,7 +1806,7 @@
           <a:p>
             <a:fld id="{397E656D-291B-4B55-B5FC-191F8522917E}" type="datetime1">
               <a:rPr lang="en-SG" smtClean="0"/>
-              <a:t>7/4/2019</a:t>
+              <a:t>13/4/2019</a:t>
             </a:fld>
             <a:endParaRPr lang="en-US"/>
           </a:p>
@@ -2113,7 +2038,7 @@
           <a:p>
             <a:fld id="{27FDA94C-4C7C-4B32-A45A-4E00AAD6606B}" type="datetime1">
               <a:rPr lang="en-SG" smtClean="0"/>
-              <a:t>7/4/2019</a:t>
+              <a:t>13/4/2019</a:t>
             </a:fld>
             <a:endParaRPr lang="en-US"/>
           </a:p>
@@ -2480,7 +2405,7 @@
           <a:p>
             <a:fld id="{2F5E3880-AE8D-4DB9-A198-DBC7E4451445}" type="datetime1">
               <a:rPr lang="en-SG" smtClean="0"/>
-              <a:t>7/4/2019</a:t>
+              <a:t>13/4/2019</a:t>
             </a:fld>
             <a:endParaRPr lang="en-US"/>
           </a:p>
@@ -2598,7 +2523,7 @@
           <a:p>
             <a:fld id="{33CA15A3-1890-4241-962A-010EB8120493}" type="datetime1">
               <a:rPr lang="en-SG" smtClean="0"/>
-              <a:t>7/4/2019</a:t>
+              <a:t>13/4/2019</a:t>
             </a:fld>
             <a:endParaRPr lang="en-US"/>
           </a:p>
@@ -2693,7 +2618,7 @@
           <a:p>
             <a:fld id="{EA3D8EEE-BAF0-4201-811E-DC9F1FFC1FFD}" type="datetime1">
               <a:rPr lang="en-SG" smtClean="0"/>
-              <a:t>7/4/2019</a:t>
+              <a:t>13/4/2019</a:t>
             </a:fld>
             <a:endParaRPr lang="en-US"/>
           </a:p>
@@ -2970,7 +2895,7 @@
           <a:p>
             <a:fld id="{29FA0013-F8F8-42D7-8934-D1C8E4075AAC}" type="datetime1">
               <a:rPr lang="en-SG" smtClean="0"/>
-              <a:t>7/4/2019</a:t>
+              <a:t>13/4/2019</a:t>
             </a:fld>
             <a:endParaRPr lang="en-US"/>
           </a:p>
@@ -3140,7 +3065,7 @@
           <a:p>
             <a:fld id="{94EE08FF-6AF4-4CD3-AF46-62F25A2B30CF}" type="datetime1">
               <a:rPr lang="en-SG" smtClean="0"/>
-              <a:t>7/4/2019</a:t>
+              <a:t>13/4/2019</a:t>
             </a:fld>
             <a:endParaRPr lang="en-SG"/>
           </a:p>
@@ -3397,7 +3322,7 @@
           <a:p>
             <a:fld id="{6CCE0A2C-4A0D-4F3C-B8FD-F4C6555188F6}" type="datetime1">
               <a:rPr lang="en-SG" smtClean="0"/>
-              <a:t>7/4/2019</a:t>
+              <a:t>13/4/2019</a:t>
             </a:fld>
             <a:endParaRPr lang="en-US"/>
           </a:p>
@@ -3567,7 +3492,7 @@
           <a:p>
             <a:fld id="{BF76704F-BB9C-4C11-8289-3D6D7611D107}" type="datetime1">
               <a:rPr lang="en-SG" smtClean="0"/>
-              <a:t>7/4/2019</a:t>
+              <a:t>13/4/2019</a:t>
             </a:fld>
             <a:endParaRPr lang="en-US"/>
           </a:p>
@@ -3747,7 +3672,7 @@
           <a:p>
             <a:fld id="{843E3C86-0164-460B-AE4C-FE3BBA1844B9}" type="datetime1">
               <a:rPr lang="en-SG" smtClean="0"/>
-              <a:t>7/4/2019</a:t>
+              <a:t>13/4/2019</a:t>
             </a:fld>
             <a:endParaRPr lang="en-US"/>
           </a:p>
@@ -3991,7 +3916,7 @@
           <a:p>
             <a:fld id="{E7199BBC-EA71-46FB-8648-860C326CE6F7}" type="datetime1">
               <a:rPr lang="en-SG" smtClean="0"/>
-              <a:t>7/4/2019</a:t>
+              <a:t>13/4/2019</a:t>
             </a:fld>
             <a:endParaRPr lang="en-SG"/>
           </a:p>
@@ -4223,7 +4148,7 @@
           <a:p>
             <a:fld id="{4FF8DD69-717B-4309-8DB8-F1ED01D9ED3A}" type="datetime1">
               <a:rPr lang="en-SG" smtClean="0"/>
-              <a:t>7/4/2019</a:t>
+              <a:t>13/4/2019</a:t>
             </a:fld>
             <a:endParaRPr lang="en-SG"/>
           </a:p>
@@ -4590,7 +4515,7 @@
           <a:p>
             <a:fld id="{DED15775-CFC2-445A-9BFB-88A81722BB8C}" type="datetime1">
               <a:rPr lang="en-SG" smtClean="0"/>
-              <a:t>7/4/2019</a:t>
+              <a:t>13/4/2019</a:t>
             </a:fld>
             <a:endParaRPr lang="en-SG"/>
           </a:p>
@@ -4708,7 +4633,7 @@
           <a:p>
             <a:fld id="{E3E64A8D-E42D-46CF-B604-C7BA6FE33FC9}" type="datetime1">
               <a:rPr lang="en-SG" smtClean="0"/>
-              <a:t>7/4/2019</a:t>
+              <a:t>13/4/2019</a:t>
             </a:fld>
             <a:endParaRPr lang="en-SG"/>
           </a:p>
@@ -4803,7 +4728,7 @@
           <a:p>
             <a:fld id="{88E0D6D3-7D4B-4EEC-BCBD-2EF07193A471}" type="datetime1">
               <a:rPr lang="en-SG" smtClean="0"/>
-              <a:t>7/4/2019</a:t>
+              <a:t>13/4/2019</a:t>
             </a:fld>
             <a:endParaRPr lang="en-SG"/>
           </a:p>
@@ -5080,7 +5005,7 @@
           <a:p>
             <a:fld id="{8908252A-71CC-4D3B-A394-EA7999E448AA}" type="datetime1">
               <a:rPr lang="en-SG" smtClean="0"/>
-              <a:t>7/4/2019</a:t>
+              <a:t>13/4/2019</a:t>
             </a:fld>
             <a:endParaRPr lang="en-SG"/>
           </a:p>
@@ -5337,7 +5262,7 @@
           <a:p>
             <a:fld id="{5DB3AC9C-2A83-4DF2-A448-66760BF730C8}" type="datetime1">
               <a:rPr lang="en-SG" smtClean="0"/>
-              <a:t>7/4/2019</a:t>
+              <a:t>13/4/2019</a:t>
             </a:fld>
             <a:endParaRPr lang="en-SG"/>
           </a:p>
@@ -5550,7 +5475,7 @@
           <a:p>
             <a:fld id="{19688869-1C91-443C-A34A-DC6657194F09}" type="datetime1">
               <a:rPr lang="en-SG" smtClean="0"/>
-              <a:t>7/4/2019</a:t>
+              <a:t>13/4/2019</a:t>
             </a:fld>
             <a:endParaRPr lang="en-SG"/>
           </a:p>
@@ -6091,7 +6016,7 @@
           <a:p>
             <a:fld id="{D5053728-182F-4468-9959-C01000FA1A54}" type="datetime1">
               <a:rPr lang="en-SG" smtClean="0"/>
-              <a:t>7/4/2019</a:t>
+              <a:t>13/4/2019</a:t>
             </a:fld>
             <a:endParaRPr lang="en-US"/>
           </a:p>
@@ -8103,6 +8028,41 @@
       </p:grpSpPr>
       <p:sp>
         <p:nvSpPr>
+          <p:cNvPr id="3" name="Content Placeholder 2">
+            <a:extLst>
+              <a:ext uri="{FF2B5EF4-FFF2-40B4-BE49-F238E27FC236}">
+                <a16:creationId xmlns:a16="http://schemas.microsoft.com/office/drawing/2014/main" id="{88270A78-43F7-48BF-BFC5-689869C250AD}"/>
+              </a:ext>
+            </a:extLst>
+          </p:cNvPr>
+          <p:cNvSpPr>
+            <a:spLocks noGrp="1"/>
+          </p:cNvSpPr>
+          <p:nvPr>
+            <p:ph idx="1"/>
+          </p:nvPr>
+        </p:nvSpPr>
+        <p:spPr>
+          <a:xfrm>
+            <a:off x="507257" y="1485900"/>
+            <a:ext cx="5950692" cy="2728686"/>
+          </a:xfrm>
+        </p:spPr>
+        <p:txBody>
+          <a:bodyPr>
+            <a:normAutofit/>
+          </a:bodyPr>
+          <a:lstStyle/>
+          <a:p>
+            <a:pPr marL="0" indent="0">
+              <a:buNone/>
+            </a:pPr>
+            <a:endParaRPr lang="en-US" sz="1600" dirty="0"/>
+          </a:p>
+        </p:txBody>
+      </p:sp>
+      <p:sp>
+        <p:nvSpPr>
           <p:cNvPr id="5" name="TextBox 4"/>
           <p:cNvSpPr txBox="1"/>
           <p:nvPr/>
@@ -8110,7 +8070,7 @@
         <p:spPr>
           <a:xfrm>
             <a:off x="349993" y="245361"/>
-            <a:ext cx="5785764" cy="584775"/>
+            <a:ext cx="5211908" cy="861774"/>
           </a:xfrm>
           <a:prstGeom prst="rect">
             <a:avLst/>
@@ -8132,18 +8092,33 @@
                   </a:schemeClr>
                 </a:solidFill>
               </a:rPr>
-              <a:t>Solution </a:t>
-            </a:r>
-            <a:r>
-              <a:rPr lang="en-US" sz="3200" dirty="0" smtClean="0">
-                <a:solidFill>
-                  <a:schemeClr val="tx2">
-                    <a:lumMod val="60000"/>
-                    <a:lumOff val="40000"/>
-                  </a:schemeClr>
+              <a:t>Project Implementation</a:t>
+            </a:r>
+            <a:endParaRPr lang="en-US" sz="3200" dirty="0" smtClean="0">
+              <a:solidFill>
+                <a:schemeClr val="tx2">
+                  <a:lumMod val="60000"/>
+                  <a:lumOff val="40000"/>
+                </a:schemeClr>
+              </a:solidFill>
+            </a:endParaRPr>
+          </a:p>
+          <a:p>
+            <a:r>
+              <a:rPr lang="en-US" dirty="0" smtClean="0">
+                <a:solidFill>
+                  <a:srgbClr val="FF0000"/>
                 </a:solidFill>
               </a:rPr>
-              <a:t>Design</a:t>
+              <a:t>	</a:t>
+            </a:r>
+            <a:r>
+              <a:rPr lang="en-US" dirty="0" smtClean="0">
+                <a:solidFill>
+                  <a:srgbClr val="FF0000"/>
+                </a:solidFill>
+              </a:rPr>
+              <a:t> 	KIE Workbench Setup</a:t>
             </a:r>
             <a:endParaRPr lang="en-US" sz="2400" b="1" dirty="0">
               <a:solidFill>
@@ -8176,10 +8151,68 @@
           </a:p>
         </p:txBody>
       </p:sp>
+      <p:pic>
+        <p:nvPicPr>
+          <p:cNvPr id="7" name="Picture 6">
+            <a:extLst>
+              <a:ext uri="{FF2B5EF4-FFF2-40B4-BE49-F238E27FC236}">
+                <a16:creationId xmlns:a16="http://schemas.microsoft.com/office/drawing/2014/main" id="{86D8337B-C90C-4950-9F8A-13ABEA707D0E}"/>
+              </a:ext>
+            </a:extLst>
+          </p:cNvPr>
+          <p:cNvPicPr>
+            <a:picLocks noChangeAspect="1"/>
+          </p:cNvPicPr>
+          <p:nvPr/>
+        </p:nvPicPr>
+        <p:blipFill rotWithShape="1">
+          <a:blip r:embed="rId2"/>
+          <a:srcRect l="3750" t="1917" r="1791" b="39297"/>
+          <a:stretch/>
+        </p:blipFill>
+        <p:spPr>
+          <a:xfrm>
+            <a:off x="568027" y="3199611"/>
+            <a:ext cx="5954501" cy="1737063"/>
+          </a:xfrm>
+          <a:prstGeom prst="rect">
+            <a:avLst/>
+          </a:prstGeom>
+        </p:spPr>
+      </p:pic>
+      <p:pic>
+        <p:nvPicPr>
+          <p:cNvPr id="10" name="Picture 9">
+            <a:extLst>
+              <a:ext uri="{FF2B5EF4-FFF2-40B4-BE49-F238E27FC236}">
+                <a16:creationId xmlns:a16="http://schemas.microsoft.com/office/drawing/2014/main" id="{CB471004-C30C-4EAD-9CC5-9D3C21E52718}"/>
+              </a:ext>
+            </a:extLst>
+          </p:cNvPr>
+          <p:cNvPicPr>
+            <a:picLocks noChangeAspect="1"/>
+          </p:cNvPicPr>
+          <p:nvPr/>
+        </p:nvPicPr>
+        <p:blipFill rotWithShape="1">
+          <a:blip r:embed="rId3"/>
+          <a:srcRect l="3548" t="1918" b="38215"/>
+          <a:stretch/>
+        </p:blipFill>
+        <p:spPr>
+          <a:xfrm>
+            <a:off x="568027" y="6326406"/>
+            <a:ext cx="6015271" cy="1750130"/>
+          </a:xfrm>
+          <a:prstGeom prst="rect">
+            <a:avLst/>
+          </a:prstGeom>
+        </p:spPr>
+      </p:pic>
     </p:spTree>
     <p:extLst>
       <p:ext uri="{BB962C8B-B14F-4D97-AF65-F5344CB8AC3E}">
-        <p14:creationId xmlns:p14="http://schemas.microsoft.com/office/powerpoint/2010/main" val="2334557783"/>
+        <p14:creationId xmlns:p14="http://schemas.microsoft.com/office/powerpoint/2010/main" val="43556911"/>
       </p:ext>
     </p:extLst>
   </p:cSld>
@@ -8208,6 +8241,41 @@
       </p:grpSpPr>
       <p:sp>
         <p:nvSpPr>
+          <p:cNvPr id="3" name="Content Placeholder 2">
+            <a:extLst>
+              <a:ext uri="{FF2B5EF4-FFF2-40B4-BE49-F238E27FC236}">
+                <a16:creationId xmlns:a16="http://schemas.microsoft.com/office/drawing/2014/main" id="{88270A78-43F7-48BF-BFC5-689869C250AD}"/>
+              </a:ext>
+            </a:extLst>
+          </p:cNvPr>
+          <p:cNvSpPr>
+            <a:spLocks noGrp="1"/>
+          </p:cNvSpPr>
+          <p:nvPr>
+            <p:ph idx="1"/>
+          </p:nvPr>
+        </p:nvSpPr>
+        <p:spPr>
+          <a:xfrm>
+            <a:off x="507257" y="1485900"/>
+            <a:ext cx="5950692" cy="2728686"/>
+          </a:xfrm>
+        </p:spPr>
+        <p:txBody>
+          <a:bodyPr>
+            <a:normAutofit/>
+          </a:bodyPr>
+          <a:lstStyle/>
+          <a:p>
+            <a:pPr marL="0" indent="0">
+              <a:buNone/>
+            </a:pPr>
+            <a:endParaRPr lang="en-US" sz="1600" dirty="0"/>
+          </a:p>
+        </p:txBody>
+      </p:sp>
+      <p:sp>
+        <p:nvSpPr>
           <p:cNvPr id="5" name="TextBox 4"/>
           <p:cNvSpPr txBox="1"/>
           <p:nvPr/>
@@ -8215,7 +8283,7 @@
         <p:spPr>
           <a:xfrm>
             <a:off x="349993" y="245361"/>
-            <a:ext cx="5570358" cy="861774"/>
+            <a:ext cx="5211908" cy="861774"/>
           </a:xfrm>
           <a:prstGeom prst="rect">
             <a:avLst/>
@@ -8239,6 +8307,14 @@
               </a:rPr>
               <a:t>Project Implementation</a:t>
             </a:r>
+            <a:endParaRPr lang="en-US" sz="3200" dirty="0" smtClean="0">
+              <a:solidFill>
+                <a:schemeClr val="tx2">
+                  <a:lumMod val="60000"/>
+                  <a:lumOff val="40000"/>
+                </a:schemeClr>
+              </a:solidFill>
+            </a:endParaRPr>
           </a:p>
           <a:p>
             <a:r>
@@ -8247,9 +8323,17 @@
                   <a:srgbClr val="FF0000"/>
                 </a:solidFill>
               </a:rPr>
-              <a:t>		Data Setup</a:t>
-            </a:r>
-            <a:endParaRPr lang="en-US" dirty="0">
+              <a:t>	</a:t>
+            </a:r>
+            <a:r>
+              <a:rPr lang="en-US" dirty="0" smtClean="0">
+                <a:solidFill>
+                  <a:srgbClr val="FF0000"/>
+                </a:solidFill>
+              </a:rPr>
+              <a:t> 	KIE Workbench Setup</a:t>
+            </a:r>
+            <a:endParaRPr lang="en-US" sz="2400" b="1" dirty="0">
               <a:solidFill>
                 <a:srgbClr val="FF0000"/>
               </a:solidFill>
@@ -8280,10 +8364,39 @@
           </a:p>
         </p:txBody>
       </p:sp>
+      <p:pic>
+        <p:nvPicPr>
+          <p:cNvPr id="8" name="Picture 7">
+            <a:extLst>
+              <a:ext uri="{FF2B5EF4-FFF2-40B4-BE49-F238E27FC236}">
+                <a16:creationId xmlns:a16="http://schemas.microsoft.com/office/drawing/2014/main" id="{B59D2BA8-50AF-4FF1-907C-3420350B0FD2}"/>
+              </a:ext>
+            </a:extLst>
+          </p:cNvPr>
+          <p:cNvPicPr>
+            <a:picLocks noChangeAspect="1"/>
+          </p:cNvPicPr>
+          <p:nvPr/>
+        </p:nvPicPr>
+        <p:blipFill rotWithShape="1">
+          <a:blip r:embed="rId2"/>
+          <a:srcRect l="3750" t="1916" b="41027"/>
+          <a:stretch/>
+        </p:blipFill>
+        <p:spPr>
+          <a:xfrm>
+            <a:off x="624155" y="2332132"/>
+            <a:ext cx="6015271" cy="1671473"/>
+          </a:xfrm>
+          <a:prstGeom prst="rect">
+            <a:avLst/>
+          </a:prstGeom>
+        </p:spPr>
+      </p:pic>
     </p:spTree>
     <p:extLst>
       <p:ext uri="{BB962C8B-B14F-4D97-AF65-F5344CB8AC3E}">
-        <p14:creationId xmlns:p14="http://schemas.microsoft.com/office/powerpoint/2010/main" val="3139747090"/>
+        <p14:creationId xmlns:p14="http://schemas.microsoft.com/office/powerpoint/2010/main" val="3070157545"/>
       </p:ext>
     </p:extLst>
   </p:cSld>
@@ -8312,7 +8425,7 @@
       </p:grpSpPr>
       <p:sp>
         <p:nvSpPr>
-          <p:cNvPr id="6" name="Content Placeholder 2">
+          <p:cNvPr id="3" name="Content Placeholder 2">
             <a:extLst>
               <a:ext uri="{FF2B5EF4-FFF2-40B4-BE49-F238E27FC236}">
                 <a16:creationId xmlns:a16="http://schemas.microsoft.com/office/drawing/2014/main" id="{88270A78-43F7-48BF-BFC5-689869C250AD}"/>
@@ -8328,8 +8441,8 @@
         </p:nvSpPr>
         <p:spPr>
           <a:xfrm>
-            <a:off x="416025" y="1524000"/>
-            <a:ext cx="5950692" cy="2067859"/>
+            <a:off x="507257" y="1485900"/>
+            <a:ext cx="5950692" cy="2728686"/>
           </a:xfrm>
         </p:spPr>
         <p:txBody>
@@ -8342,10 +8455,18 @@
               <a:buNone/>
             </a:pPr>
             <a:r>
-              <a:rPr lang="en-US" sz="1600" dirty="0" smtClean="0"/>
-              <a:t>TTT</a:t>
-            </a:r>
-            <a:endParaRPr lang="en-MY" sz="1600" dirty="0"/>
+              <a:rPr lang="en-US" sz="1200" dirty="0" smtClean="0"/>
+              <a:t>Nest we use the Tool Postman to test the </a:t>
+            </a:r>
+            <a:r>
+              <a:rPr lang="en-US" sz="1200" dirty="0" err="1" smtClean="0"/>
+              <a:t>OptaPlanner</a:t>
+            </a:r>
+            <a:r>
+              <a:rPr lang="en-US" sz="1200" dirty="0" smtClean="0"/>
+              <a:t> application.</a:t>
+            </a:r>
+            <a:endParaRPr lang="en-US" sz="1200" dirty="0"/>
           </a:p>
           <a:p>
             <a:pPr marL="0" indent="0">
@@ -8357,14 +8478,14 @@
       </p:sp>
       <p:sp>
         <p:nvSpPr>
-          <p:cNvPr id="8" name="TextBox 7"/>
+          <p:cNvPr id="5" name="TextBox 4"/>
           <p:cNvSpPr txBox="1"/>
           <p:nvPr/>
         </p:nvSpPr>
         <p:spPr>
           <a:xfrm>
             <a:off x="349993" y="245361"/>
-            <a:ext cx="5570358" cy="861774"/>
+            <a:ext cx="5211908" cy="861774"/>
           </a:xfrm>
           <a:prstGeom prst="rect">
             <a:avLst/>
@@ -8388,6 +8509,14 @@
               </a:rPr>
               <a:t>Project Implementation</a:t>
             </a:r>
+            <a:endParaRPr lang="en-US" sz="3200" dirty="0" smtClean="0">
+              <a:solidFill>
+                <a:schemeClr val="tx2">
+                  <a:lumMod val="60000"/>
+                  <a:lumOff val="40000"/>
+                </a:schemeClr>
+              </a:solidFill>
+            </a:endParaRPr>
           </a:p>
           <a:p>
             <a:r>
@@ -8396,9 +8525,17 @@
                   <a:srgbClr val="FF0000"/>
                 </a:solidFill>
               </a:rPr>
-              <a:t>		</a:t>
-            </a:r>
-            <a:endParaRPr lang="en-US" dirty="0">
+              <a:t>	</a:t>
+            </a:r>
+            <a:r>
+              <a:rPr lang="en-US" dirty="0" smtClean="0">
+                <a:solidFill>
+                  <a:srgbClr val="FF0000"/>
+                </a:solidFill>
+              </a:rPr>
+              <a:t> 	KIE Workbench Setup</a:t>
+            </a:r>
+            <a:endParaRPr lang="en-US" sz="2400" b="1" dirty="0">
               <a:solidFill>
                 <a:srgbClr val="FF0000"/>
               </a:solidFill>
@@ -8429,10 +8566,40 @@
           </a:p>
         </p:txBody>
       </p:sp>
+      <p:pic>
+        <p:nvPicPr>
+          <p:cNvPr id="6" name="Picture 5">
+            <a:extLst>
+              <a:ext uri="{FF2B5EF4-FFF2-40B4-BE49-F238E27FC236}">
+                <a16:creationId xmlns:a16="http://schemas.microsoft.com/office/drawing/2014/main" id="{23459AB6-4F30-4502-AA97-156305889192}"/>
+              </a:ext>
+            </a:extLst>
+          </p:cNvPr>
+          <p:cNvPicPr>
+            <a:picLocks noChangeAspect="1"/>
+          </p:cNvPicPr>
+          <p:nvPr/>
+        </p:nvPicPr>
+        <p:blipFill>
+          <a:blip r:embed="rId2"/>
+          <a:stretch>
+            <a:fillRect/>
+          </a:stretch>
+        </p:blipFill>
+        <p:spPr>
+          <a:xfrm>
+            <a:off x="806870" y="2376510"/>
+            <a:ext cx="5209575" cy="4433681"/>
+          </a:xfrm>
+          <a:prstGeom prst="rect">
+            <a:avLst/>
+          </a:prstGeom>
+        </p:spPr>
+      </p:pic>
     </p:spTree>
     <p:extLst>
       <p:ext uri="{BB962C8B-B14F-4D97-AF65-F5344CB8AC3E}">
-        <p14:creationId xmlns:p14="http://schemas.microsoft.com/office/powerpoint/2010/main" val="1026361357"/>
+        <p14:creationId xmlns:p14="http://schemas.microsoft.com/office/powerpoint/2010/main" val="4132431556"/>
       </p:ext>
     </p:extLst>
   </p:cSld>
@@ -8461,59 +8628,14 @@
       </p:grpSpPr>
       <p:sp>
         <p:nvSpPr>
-          <p:cNvPr id="4" name="Content Placeholder 2">
-            <a:extLst>
-              <a:ext uri="{FF2B5EF4-FFF2-40B4-BE49-F238E27FC236}">
-                <a16:creationId xmlns:a16="http://schemas.microsoft.com/office/drawing/2014/main" id="{88270A78-43F7-48BF-BFC5-689869C250AD}"/>
-              </a:ext>
-            </a:extLst>
-          </p:cNvPr>
-          <p:cNvSpPr>
-            <a:spLocks noGrp="1"/>
-          </p:cNvSpPr>
-          <p:nvPr>
-            <p:ph idx="1"/>
-          </p:nvPr>
-        </p:nvSpPr>
-        <p:spPr>
-          <a:xfrm>
-            <a:off x="546099" y="1524001"/>
-            <a:ext cx="6066677" cy="1917699"/>
-          </a:xfrm>
-        </p:spPr>
-        <p:txBody>
-          <a:bodyPr>
-            <a:normAutofit/>
-          </a:bodyPr>
-          <a:lstStyle/>
-          <a:p>
-            <a:pPr marL="0" indent="0">
-              <a:buNone/>
-            </a:pPr>
-            <a:r>
-              <a:rPr lang="en-US" sz="1600" dirty="0" smtClean="0"/>
-              <a:t>OOO</a:t>
-            </a:r>
-            <a:endParaRPr lang="en-US" sz="1600" dirty="0"/>
-          </a:p>
-          <a:p>
-            <a:pPr marL="0" indent="0">
-              <a:buNone/>
-            </a:pPr>
-            <a:endParaRPr lang="en-US" sz="1600" dirty="0"/>
-          </a:p>
-        </p:txBody>
-      </p:sp>
-      <p:sp>
-        <p:nvSpPr>
-          <p:cNvPr id="7" name="TextBox 6"/>
+          <p:cNvPr id="5" name="TextBox 4"/>
           <p:cNvSpPr txBox="1"/>
           <p:nvPr/>
         </p:nvSpPr>
         <p:spPr>
           <a:xfrm>
             <a:off x="349993" y="245361"/>
-            <a:ext cx="5570358" cy="861774"/>
+            <a:ext cx="5211908" cy="861774"/>
           </a:xfrm>
           <a:prstGeom prst="rect">
             <a:avLst/>
@@ -8537,6 +8659,14 @@
               </a:rPr>
               <a:t>Project Implementation</a:t>
             </a:r>
+            <a:endParaRPr lang="en-US" sz="3200" dirty="0" smtClean="0">
+              <a:solidFill>
+                <a:schemeClr val="tx2">
+                  <a:lumMod val="60000"/>
+                  <a:lumOff val="40000"/>
+                </a:schemeClr>
+              </a:solidFill>
+            </a:endParaRPr>
           </a:p>
           <a:p>
             <a:r>
@@ -8545,9 +8675,17 @@
                   <a:srgbClr val="FF0000"/>
                 </a:solidFill>
               </a:rPr>
-              <a:t>		</a:t>
-            </a:r>
-            <a:endParaRPr lang="en-US" dirty="0">
+              <a:t>	</a:t>
+            </a:r>
+            <a:r>
+              <a:rPr lang="en-US" dirty="0" smtClean="0">
+                <a:solidFill>
+                  <a:srgbClr val="FF0000"/>
+                </a:solidFill>
+              </a:rPr>
+              <a:t> 	KIE Workbench Setup</a:t>
+            </a:r>
+            <a:endParaRPr lang="en-US" sz="2400" b="1" dirty="0">
               <a:solidFill>
                 <a:srgbClr val="FF0000"/>
               </a:solidFill>
@@ -8578,10 +8716,308 @@
           </a:p>
         </p:txBody>
       </p:sp>
+      <p:sp>
+        <p:nvSpPr>
+          <p:cNvPr id="7" name="Content Placeholder 2">
+            <a:extLst>
+              <a:ext uri="{FF2B5EF4-FFF2-40B4-BE49-F238E27FC236}">
+                <a16:creationId xmlns:a16="http://schemas.microsoft.com/office/drawing/2014/main" id="{895B9401-7918-4618-AA49-1D668DFC1ABA}"/>
+              </a:ext>
+            </a:extLst>
+          </p:cNvPr>
+          <p:cNvSpPr txBox="1">
+            <a:spLocks/>
+          </p:cNvSpPr>
+          <p:nvPr/>
+        </p:nvSpPr>
+        <p:spPr>
+          <a:xfrm>
+            <a:off x="418811" y="1345594"/>
+            <a:ext cx="5876262" cy="1474382"/>
+          </a:xfrm>
+          <a:prstGeom prst="rect">
+            <a:avLst/>
+          </a:prstGeom>
+        </p:spPr>
+        <p:txBody>
+          <a:bodyPr vert="horz" lIns="91440" tIns="45720" rIns="91440" bIns="45720" rtlCol="0">
+            <a:normAutofit/>
+          </a:bodyPr>
+          <a:lstStyle>
+            <a:lvl1pPr marL="171450" indent="-171450" algn="l" defTabSz="685800" rtl="0" eaLnBrk="1" latinLnBrk="0" hangingPunct="1">
+              <a:lnSpc>
+                <a:spcPct val="90000"/>
+              </a:lnSpc>
+              <a:spcBef>
+                <a:spcPts val="750"/>
+              </a:spcBef>
+              <a:buFont typeface="Arial" panose="020B0604020202020204" pitchFamily="34" charset="0"/>
+              <a:buChar char="•"/>
+              <a:defRPr sz="2100" kern="1200">
+                <a:solidFill>
+                  <a:schemeClr val="tx1"/>
+                </a:solidFill>
+                <a:latin typeface="+mn-lt"/>
+                <a:ea typeface="+mn-ea"/>
+                <a:cs typeface="+mn-cs"/>
+              </a:defRPr>
+            </a:lvl1pPr>
+            <a:lvl2pPr marL="514350" indent="-171450" algn="l" defTabSz="685800" rtl="0" eaLnBrk="1" latinLnBrk="0" hangingPunct="1">
+              <a:lnSpc>
+                <a:spcPct val="90000"/>
+              </a:lnSpc>
+              <a:spcBef>
+                <a:spcPts val="375"/>
+              </a:spcBef>
+              <a:buFont typeface="Arial" panose="020B0604020202020204" pitchFamily="34" charset="0"/>
+              <a:buChar char="•"/>
+              <a:defRPr sz="1800" kern="1200">
+                <a:solidFill>
+                  <a:schemeClr val="tx1"/>
+                </a:solidFill>
+                <a:latin typeface="+mn-lt"/>
+                <a:ea typeface="+mn-ea"/>
+                <a:cs typeface="+mn-cs"/>
+              </a:defRPr>
+            </a:lvl2pPr>
+            <a:lvl3pPr marL="857250" indent="-171450" algn="l" defTabSz="685800" rtl="0" eaLnBrk="1" latinLnBrk="0" hangingPunct="1">
+              <a:lnSpc>
+                <a:spcPct val="90000"/>
+              </a:lnSpc>
+              <a:spcBef>
+                <a:spcPts val="375"/>
+              </a:spcBef>
+              <a:buFont typeface="Arial" panose="020B0604020202020204" pitchFamily="34" charset="0"/>
+              <a:buChar char="•"/>
+              <a:defRPr sz="1500" kern="1200">
+                <a:solidFill>
+                  <a:schemeClr val="tx1"/>
+                </a:solidFill>
+                <a:latin typeface="+mn-lt"/>
+                <a:ea typeface="+mn-ea"/>
+                <a:cs typeface="+mn-cs"/>
+              </a:defRPr>
+            </a:lvl3pPr>
+            <a:lvl4pPr marL="1200150" indent="-171450" algn="l" defTabSz="685800" rtl="0" eaLnBrk="1" latinLnBrk="0" hangingPunct="1">
+              <a:lnSpc>
+                <a:spcPct val="90000"/>
+              </a:lnSpc>
+              <a:spcBef>
+                <a:spcPts val="375"/>
+              </a:spcBef>
+              <a:buFont typeface="Arial" panose="020B0604020202020204" pitchFamily="34" charset="0"/>
+              <a:buChar char="•"/>
+              <a:defRPr sz="1350" kern="1200">
+                <a:solidFill>
+                  <a:schemeClr val="tx1"/>
+                </a:solidFill>
+                <a:latin typeface="+mn-lt"/>
+                <a:ea typeface="+mn-ea"/>
+                <a:cs typeface="+mn-cs"/>
+              </a:defRPr>
+            </a:lvl4pPr>
+            <a:lvl5pPr marL="1543050" indent="-171450" algn="l" defTabSz="685800" rtl="0" eaLnBrk="1" latinLnBrk="0" hangingPunct="1">
+              <a:lnSpc>
+                <a:spcPct val="90000"/>
+              </a:lnSpc>
+              <a:spcBef>
+                <a:spcPts val="375"/>
+              </a:spcBef>
+              <a:buFont typeface="Arial" panose="020B0604020202020204" pitchFamily="34" charset="0"/>
+              <a:buChar char="•"/>
+              <a:defRPr sz="1350" kern="1200">
+                <a:solidFill>
+                  <a:schemeClr val="tx1"/>
+                </a:solidFill>
+                <a:latin typeface="+mn-lt"/>
+                <a:ea typeface="+mn-ea"/>
+                <a:cs typeface="+mn-cs"/>
+              </a:defRPr>
+            </a:lvl5pPr>
+            <a:lvl6pPr marL="1885950" indent="-171450" algn="l" defTabSz="685800" rtl="0" eaLnBrk="1" latinLnBrk="0" hangingPunct="1">
+              <a:lnSpc>
+                <a:spcPct val="90000"/>
+              </a:lnSpc>
+              <a:spcBef>
+                <a:spcPts val="375"/>
+              </a:spcBef>
+              <a:buFont typeface="Arial" panose="020B0604020202020204" pitchFamily="34" charset="0"/>
+              <a:buChar char="•"/>
+              <a:defRPr sz="1350" kern="1200">
+                <a:solidFill>
+                  <a:schemeClr val="tx1"/>
+                </a:solidFill>
+                <a:latin typeface="+mn-lt"/>
+                <a:ea typeface="+mn-ea"/>
+                <a:cs typeface="+mn-cs"/>
+              </a:defRPr>
+            </a:lvl6pPr>
+            <a:lvl7pPr marL="2228850" indent="-171450" algn="l" defTabSz="685800" rtl="0" eaLnBrk="1" latinLnBrk="0" hangingPunct="1">
+              <a:lnSpc>
+                <a:spcPct val="90000"/>
+              </a:lnSpc>
+              <a:spcBef>
+                <a:spcPts val="375"/>
+              </a:spcBef>
+              <a:buFont typeface="Arial" panose="020B0604020202020204" pitchFamily="34" charset="0"/>
+              <a:buChar char="•"/>
+              <a:defRPr sz="1350" kern="1200">
+                <a:solidFill>
+                  <a:schemeClr val="tx1"/>
+                </a:solidFill>
+                <a:latin typeface="+mn-lt"/>
+                <a:ea typeface="+mn-ea"/>
+                <a:cs typeface="+mn-cs"/>
+              </a:defRPr>
+            </a:lvl7pPr>
+            <a:lvl8pPr marL="2571750" indent="-171450" algn="l" defTabSz="685800" rtl="0" eaLnBrk="1" latinLnBrk="0" hangingPunct="1">
+              <a:lnSpc>
+                <a:spcPct val="90000"/>
+              </a:lnSpc>
+              <a:spcBef>
+                <a:spcPts val="375"/>
+              </a:spcBef>
+              <a:buFont typeface="Arial" panose="020B0604020202020204" pitchFamily="34" charset="0"/>
+              <a:buChar char="•"/>
+              <a:defRPr sz="1350" kern="1200">
+                <a:solidFill>
+                  <a:schemeClr val="tx1"/>
+                </a:solidFill>
+                <a:latin typeface="+mn-lt"/>
+                <a:ea typeface="+mn-ea"/>
+                <a:cs typeface="+mn-cs"/>
+              </a:defRPr>
+            </a:lvl8pPr>
+            <a:lvl9pPr marL="2914650" indent="-171450" algn="l" defTabSz="685800" rtl="0" eaLnBrk="1" latinLnBrk="0" hangingPunct="1">
+              <a:lnSpc>
+                <a:spcPct val="90000"/>
+              </a:lnSpc>
+              <a:spcBef>
+                <a:spcPts val="375"/>
+              </a:spcBef>
+              <a:buFont typeface="Arial" panose="020B0604020202020204" pitchFamily="34" charset="0"/>
+              <a:buChar char="•"/>
+              <a:defRPr sz="1350" kern="1200">
+                <a:solidFill>
+                  <a:schemeClr val="tx1"/>
+                </a:solidFill>
+                <a:latin typeface="+mn-lt"/>
+                <a:ea typeface="+mn-ea"/>
+                <a:cs typeface="+mn-cs"/>
+              </a:defRPr>
+            </a:lvl9pPr>
+          </a:lstStyle>
+          <a:p>
+            <a:pPr marL="0" indent="0">
+              <a:buNone/>
+            </a:pPr>
+            <a:r>
+              <a:rPr lang="en-MY" sz="1200" dirty="0" smtClean="0"/>
+              <a:t>When using the construction heuristics, we choose to use First Fit Decreasing. This is to enable us to quickly construct the initial solution.</a:t>
+            </a:r>
+          </a:p>
+          <a:p>
+            <a:pPr marL="0" indent="0">
+              <a:buNone/>
+            </a:pPr>
+            <a:r>
+              <a:rPr lang="en-MY" sz="1200" dirty="0" smtClean="0"/>
+              <a:t>We started with a very simple search consisting of 3 patients and 3 practitioners, using First Fit Decreasing.</a:t>
+            </a:r>
+          </a:p>
+          <a:p>
+            <a:pPr marL="0" indent="0">
+              <a:buNone/>
+            </a:pPr>
+            <a:r>
+              <a:rPr lang="en-MY" sz="1200" dirty="0" smtClean="0"/>
+              <a:t>As the State Search Space got larger however, we realize that First Fit Decreasing does not work very well.</a:t>
+            </a:r>
+            <a:endParaRPr lang="en-MY" sz="1200" dirty="0"/>
+          </a:p>
+        </p:txBody>
+      </p:sp>
+      <p:pic>
+        <p:nvPicPr>
+          <p:cNvPr id="8" name="Picture 7">
+            <a:extLst>
+              <a:ext uri="{FF2B5EF4-FFF2-40B4-BE49-F238E27FC236}">
+                <a16:creationId xmlns:a16="http://schemas.microsoft.com/office/drawing/2014/main" id="{B759B29B-8251-4150-A3E4-6DF1D578EB39}"/>
+              </a:ext>
+            </a:extLst>
+          </p:cNvPr>
+          <p:cNvPicPr>
+            <a:picLocks noChangeAspect="1"/>
+          </p:cNvPicPr>
+          <p:nvPr/>
+        </p:nvPicPr>
+        <p:blipFill>
+          <a:blip r:embed="rId2"/>
+          <a:stretch>
+            <a:fillRect/>
+          </a:stretch>
+        </p:blipFill>
+        <p:spPr>
+          <a:xfrm>
+            <a:off x="661289" y="4210579"/>
+            <a:ext cx="5725224" cy="3366156"/>
+          </a:xfrm>
+          <a:prstGeom prst="rect">
+            <a:avLst/>
+          </a:prstGeom>
+        </p:spPr>
+      </p:pic>
+      <p:sp>
+        <p:nvSpPr>
+          <p:cNvPr id="9" name="TextBox 8">
+            <a:extLst>
+              <a:ext uri="{FF2B5EF4-FFF2-40B4-BE49-F238E27FC236}">
+                <a16:creationId xmlns:a16="http://schemas.microsoft.com/office/drawing/2014/main" id="{A3BAD757-F320-4543-9802-A0B77FAA15AD}"/>
+              </a:ext>
+            </a:extLst>
+          </p:cNvPr>
+          <p:cNvSpPr txBox="1"/>
+          <p:nvPr/>
+        </p:nvSpPr>
+        <p:spPr>
+          <a:xfrm>
+            <a:off x="3193986" y="6086646"/>
+            <a:ext cx="3032050" cy="461665"/>
+          </a:xfrm>
+          <a:prstGeom prst="rect">
+            <a:avLst/>
+          </a:prstGeom>
+          <a:noFill/>
+        </p:spPr>
+        <p:txBody>
+          <a:bodyPr wrap="square" rtlCol="0">
+            <a:spAutoFit/>
+          </a:bodyPr>
+          <a:lstStyle/>
+          <a:p>
+            <a:r>
+              <a:rPr lang="en-MY" sz="1200" dirty="0" smtClean="0">
+                <a:solidFill>
+                  <a:srgbClr val="FF0000"/>
+                </a:solidFill>
+              </a:rPr>
+              <a:t>Initial testing for First Fit Decreasing with only 3 </a:t>
+            </a:r>
+            <a:r>
+              <a:rPr lang="en-MY" sz="1200" dirty="0">
+                <a:solidFill>
+                  <a:srgbClr val="FF0000"/>
+                </a:solidFill>
+              </a:rPr>
+              <a:t>practitioners and 3 patients</a:t>
+            </a:r>
+          </a:p>
+        </p:txBody>
+      </p:sp>
     </p:spTree>
     <p:extLst>
       <p:ext uri="{BB962C8B-B14F-4D97-AF65-F5344CB8AC3E}">
-        <p14:creationId xmlns:p14="http://schemas.microsoft.com/office/powerpoint/2010/main" val="172726505"/>
+        <p14:creationId xmlns:p14="http://schemas.microsoft.com/office/powerpoint/2010/main" val="1612439859"/>
       </p:ext>
     </p:extLst>
   </p:cSld>
@@ -8610,59 +9046,14 @@
       </p:grpSpPr>
       <p:sp>
         <p:nvSpPr>
-          <p:cNvPr id="4" name="Content Placeholder 2">
-            <a:extLst>
-              <a:ext uri="{FF2B5EF4-FFF2-40B4-BE49-F238E27FC236}">
-                <a16:creationId xmlns:a16="http://schemas.microsoft.com/office/drawing/2014/main" id="{88270A78-43F7-48BF-BFC5-689869C250AD}"/>
-              </a:ext>
-            </a:extLst>
-          </p:cNvPr>
-          <p:cNvSpPr>
-            <a:spLocks noGrp="1"/>
-          </p:cNvSpPr>
-          <p:nvPr>
-            <p:ph idx="1"/>
-          </p:nvPr>
-        </p:nvSpPr>
-        <p:spPr>
-          <a:xfrm>
-            <a:off x="410990" y="1445696"/>
-            <a:ext cx="5380210" cy="3200399"/>
-          </a:xfrm>
-        </p:spPr>
-        <p:txBody>
-          <a:bodyPr>
-            <a:normAutofit/>
-          </a:bodyPr>
-          <a:lstStyle/>
-          <a:p>
-            <a:pPr marL="0" indent="0">
-              <a:buNone/>
-            </a:pPr>
-            <a:r>
-              <a:rPr lang="en-US" sz="1600" dirty="0" smtClean="0"/>
-              <a:t>III</a:t>
-            </a:r>
-            <a:endParaRPr lang="en-US" sz="1600" dirty="0"/>
-          </a:p>
-          <a:p>
-            <a:pPr marL="0" indent="0">
-              <a:buNone/>
-            </a:pPr>
-            <a:endParaRPr lang="en-US" sz="1600" dirty="0"/>
-          </a:p>
-        </p:txBody>
-      </p:sp>
-      <p:sp>
-        <p:nvSpPr>
-          <p:cNvPr id="8" name="TextBox 7"/>
+          <p:cNvPr id="5" name="TextBox 4"/>
           <p:cNvSpPr txBox="1"/>
           <p:nvPr/>
         </p:nvSpPr>
         <p:spPr>
           <a:xfrm>
             <a:off x="349993" y="245361"/>
-            <a:ext cx="5570358" cy="861774"/>
+            <a:ext cx="5211908" cy="861774"/>
           </a:xfrm>
           <a:prstGeom prst="rect">
             <a:avLst/>
@@ -8686,6 +9077,14 @@
               </a:rPr>
               <a:t>Project Implementation</a:t>
             </a:r>
+            <a:endParaRPr lang="en-US" sz="3200" dirty="0" smtClean="0">
+              <a:solidFill>
+                <a:schemeClr val="tx2">
+                  <a:lumMod val="60000"/>
+                  <a:lumOff val="40000"/>
+                </a:schemeClr>
+              </a:solidFill>
+            </a:endParaRPr>
           </a:p>
           <a:p>
             <a:r>
@@ -8694,9 +9093,17 @@
                   <a:srgbClr val="FF0000"/>
                 </a:solidFill>
               </a:rPr>
-              <a:t>		</a:t>
-            </a:r>
-            <a:endParaRPr lang="en-US" dirty="0">
+              <a:t>	</a:t>
+            </a:r>
+            <a:r>
+              <a:rPr lang="en-US" dirty="0" smtClean="0">
+                <a:solidFill>
+                  <a:srgbClr val="FF0000"/>
+                </a:solidFill>
+              </a:rPr>
+              <a:t> 	KIE Workbench Setup</a:t>
+            </a:r>
+            <a:endParaRPr lang="en-US" sz="2400" b="1" dirty="0">
               <a:solidFill>
                 <a:srgbClr val="FF0000"/>
               </a:solidFill>
@@ -8727,10 +9134,100 @@
           </a:p>
         </p:txBody>
       </p:sp>
+      <p:pic>
+        <p:nvPicPr>
+          <p:cNvPr id="10" name="Picture 9">
+            <a:extLst>
+              <a:ext uri="{FF2B5EF4-FFF2-40B4-BE49-F238E27FC236}">
+                <a16:creationId xmlns:a16="http://schemas.microsoft.com/office/drawing/2014/main" id="{BC6F2627-2931-4B73-A592-A7D4B05BC700}"/>
+              </a:ext>
+            </a:extLst>
+          </p:cNvPr>
+          <p:cNvPicPr>
+            <a:picLocks noChangeAspect="1"/>
+          </p:cNvPicPr>
+          <p:nvPr/>
+        </p:nvPicPr>
+        <p:blipFill>
+          <a:blip r:embed="rId2"/>
+          <a:stretch>
+            <a:fillRect/>
+          </a:stretch>
+        </p:blipFill>
+        <p:spPr>
+          <a:xfrm>
+            <a:off x="608267" y="1791341"/>
+            <a:ext cx="5778246" cy="4383713"/>
+          </a:xfrm>
+          <a:prstGeom prst="rect">
+            <a:avLst/>
+          </a:prstGeom>
+        </p:spPr>
+      </p:pic>
+      <p:sp>
+        <p:nvSpPr>
+          <p:cNvPr id="11" name="TextBox 10">
+            <a:extLst>
+              <a:ext uri="{FF2B5EF4-FFF2-40B4-BE49-F238E27FC236}">
+                <a16:creationId xmlns:a16="http://schemas.microsoft.com/office/drawing/2014/main" id="{A3BAD757-F320-4543-9802-A0B77FAA15AD}"/>
+              </a:ext>
+            </a:extLst>
+          </p:cNvPr>
+          <p:cNvSpPr txBox="1"/>
+          <p:nvPr/>
+        </p:nvSpPr>
+        <p:spPr>
+          <a:xfrm>
+            <a:off x="3193986" y="2960175"/>
+            <a:ext cx="3032050" cy="646331"/>
+          </a:xfrm>
+          <a:prstGeom prst="rect">
+            <a:avLst/>
+          </a:prstGeom>
+          <a:noFill/>
+        </p:spPr>
+        <p:txBody>
+          <a:bodyPr wrap="square" rtlCol="0">
+            <a:spAutoFit/>
+          </a:bodyPr>
+          <a:lstStyle/>
+          <a:p>
+            <a:r>
+              <a:rPr lang="en-MY" sz="1200" dirty="0" smtClean="0">
+                <a:solidFill>
+                  <a:srgbClr val="FF0000"/>
+                </a:solidFill>
+              </a:rPr>
+              <a:t>The search outcome for First Fit Decreasing with the small Data Set is </a:t>
+            </a:r>
+            <a:r>
+              <a:rPr lang="en-MY" sz="1200" u="sng" dirty="0" smtClean="0">
+                <a:solidFill>
+                  <a:srgbClr val="FF0000"/>
+                </a:solidFill>
+              </a:rPr>
+              <a:t>successful</a:t>
+            </a:r>
+            <a:r>
+              <a:rPr lang="en-MY" sz="1200" dirty="0" smtClean="0">
+                <a:solidFill>
+                  <a:srgbClr val="FF0000"/>
+                </a:solidFill>
+              </a:rPr>
+              <a:t> with a Hard score of 69 and a Soft score of 200.</a:t>
+            </a:r>
+            <a:endParaRPr lang="en-MY" sz="1200" dirty="0">
+              <a:solidFill>
+                <a:srgbClr val="FF0000"/>
+              </a:solidFill>
+            </a:endParaRPr>
+          </a:p>
+        </p:txBody>
+      </p:sp>
     </p:spTree>
     <p:extLst>
       <p:ext uri="{BB962C8B-B14F-4D97-AF65-F5344CB8AC3E}">
-        <p14:creationId xmlns:p14="http://schemas.microsoft.com/office/powerpoint/2010/main" val="2277291396"/>
+        <p14:creationId xmlns:p14="http://schemas.microsoft.com/office/powerpoint/2010/main" val="1457181118"/>
       </p:ext>
     </p:extLst>
   </p:cSld>
@@ -8759,59 +9256,14 @@
       </p:grpSpPr>
       <p:sp>
         <p:nvSpPr>
-          <p:cNvPr id="4" name="Content Placeholder 2">
-            <a:extLst>
-              <a:ext uri="{FF2B5EF4-FFF2-40B4-BE49-F238E27FC236}">
-                <a16:creationId xmlns:a16="http://schemas.microsoft.com/office/drawing/2014/main" id="{88270A78-43F7-48BF-BFC5-689869C250AD}"/>
-              </a:ext>
-            </a:extLst>
-          </p:cNvPr>
-          <p:cNvSpPr>
-            <a:spLocks noGrp="1"/>
-          </p:cNvSpPr>
-          <p:nvPr>
-            <p:ph idx="1"/>
-          </p:nvPr>
+          <p:cNvPr id="5" name="TextBox 4"/>
+          <p:cNvSpPr txBox="1"/>
+          <p:nvPr/>
         </p:nvSpPr>
         <p:spPr>
           <a:xfrm>
-            <a:off x="406400" y="1790701"/>
-            <a:ext cx="6273800" cy="2946399"/>
-          </a:xfrm>
-        </p:spPr>
-        <p:txBody>
-          <a:bodyPr>
-            <a:normAutofit/>
-          </a:bodyPr>
-          <a:lstStyle/>
-          <a:p>
-            <a:pPr marL="0" indent="0">
-              <a:buNone/>
-            </a:pPr>
-            <a:r>
-              <a:rPr lang="en-US" sz="1600" dirty="0" smtClean="0"/>
-              <a:t>GGG</a:t>
-            </a:r>
-            <a:endParaRPr lang="en-MY" sz="1600" dirty="0"/>
-          </a:p>
-          <a:p>
-            <a:pPr marL="0" indent="0">
-              <a:buNone/>
-            </a:pPr>
-            <a:endParaRPr lang="en-US" sz="1600" dirty="0"/>
-          </a:p>
-        </p:txBody>
-      </p:sp>
-      <p:sp>
-        <p:nvSpPr>
-          <p:cNvPr id="6" name="TextBox 5"/>
-          <p:cNvSpPr txBox="1"/>
-          <p:nvPr/>
-        </p:nvSpPr>
-        <p:spPr>
-          <a:xfrm>
-            <a:off x="203341" y="305689"/>
-            <a:ext cx="6059311" cy="1077218"/>
+            <a:off x="349993" y="245361"/>
+            <a:ext cx="5211908" cy="861774"/>
           </a:xfrm>
           <a:prstGeom prst="rect">
             <a:avLst/>
@@ -8825,7 +9277,7 @@
           <a:lstStyle/>
           <a:p>
             <a:r>
-              <a:rPr lang="en-US" sz="3200" dirty="0">
+              <a:rPr lang="en-US" sz="3200" dirty="0" smtClean="0">
                 <a:solidFill>
                   <a:schemeClr val="tx2">
                     <a:lumMod val="60000"/>
@@ -8835,9 +9287,7 @@
               </a:rPr>
               <a:t>Project Implementation</a:t>
             </a:r>
-          </a:p>
-          <a:p>
-            <a:endParaRPr lang="en-US" sz="3200" dirty="0">
+            <a:endParaRPr lang="en-US" sz="3200" dirty="0" smtClean="0">
               <a:solidFill>
                 <a:schemeClr val="tx2">
                   <a:lumMod val="60000"/>
@@ -8846,6 +9296,29 @@
               </a:solidFill>
             </a:endParaRPr>
           </a:p>
+          <a:p>
+            <a:r>
+              <a:rPr lang="en-US" dirty="0" smtClean="0">
+                <a:solidFill>
+                  <a:srgbClr val="FF0000"/>
+                </a:solidFill>
+              </a:rPr>
+              <a:t>	</a:t>
+            </a:r>
+            <a:r>
+              <a:rPr lang="en-US" dirty="0" smtClean="0">
+                <a:solidFill>
+                  <a:srgbClr val="FF0000"/>
+                </a:solidFill>
+              </a:rPr>
+              <a:t> 	KIE Workbench Setup</a:t>
+            </a:r>
+            <a:endParaRPr lang="en-US" sz="2400" b="1" dirty="0">
+              <a:solidFill>
+                <a:srgbClr val="FF0000"/>
+              </a:solidFill>
+            </a:endParaRPr>
+          </a:p>
         </p:txBody>
       </p:sp>
       <p:sp>
@@ -8871,10 +9344,104 @@
           </a:p>
         </p:txBody>
       </p:sp>
+      <p:pic>
+        <p:nvPicPr>
+          <p:cNvPr id="6" name="Picture 5">
+            <a:extLst>
+              <a:ext uri="{FF2B5EF4-FFF2-40B4-BE49-F238E27FC236}">
+                <a16:creationId xmlns:a16="http://schemas.microsoft.com/office/drawing/2014/main" id="{824733E1-9D9A-4DA5-80F2-8172D23E9AB3}"/>
+              </a:ext>
+            </a:extLst>
+          </p:cNvPr>
+          <p:cNvPicPr>
+            <a:picLocks noChangeAspect="1"/>
+          </p:cNvPicPr>
+          <p:nvPr/>
+        </p:nvPicPr>
+        <p:blipFill>
+          <a:blip r:embed="rId2"/>
+          <a:stretch>
+            <a:fillRect/>
+          </a:stretch>
+        </p:blipFill>
+        <p:spPr>
+          <a:xfrm>
+            <a:off x="666639" y="1798992"/>
+            <a:ext cx="5883018" cy="3180975"/>
+          </a:xfrm>
+          <a:prstGeom prst="rect">
+            <a:avLst/>
+          </a:prstGeom>
+        </p:spPr>
+      </p:pic>
+      <p:sp>
+        <p:nvSpPr>
+          <p:cNvPr id="7" name="TextBox 6">
+            <a:extLst>
+              <a:ext uri="{FF2B5EF4-FFF2-40B4-BE49-F238E27FC236}">
+                <a16:creationId xmlns:a16="http://schemas.microsoft.com/office/drawing/2014/main" id="{A693B48F-0124-443C-85E5-341601BB2AA0}"/>
+              </a:ext>
+            </a:extLst>
+          </p:cNvPr>
+          <p:cNvSpPr txBox="1"/>
+          <p:nvPr/>
+        </p:nvSpPr>
+        <p:spPr>
+          <a:xfrm>
+            <a:off x="3608148" y="3389479"/>
+            <a:ext cx="2905740" cy="1477328"/>
+          </a:xfrm>
+          <a:prstGeom prst="rect">
+            <a:avLst/>
+          </a:prstGeom>
+          <a:noFill/>
+        </p:spPr>
+        <p:txBody>
+          <a:bodyPr wrap="square" rtlCol="0">
+            <a:spAutoFit/>
+          </a:bodyPr>
+          <a:lstStyle/>
+          <a:p>
+            <a:r>
+              <a:rPr lang="en-MY" dirty="0" smtClean="0">
+                <a:solidFill>
+                  <a:srgbClr val="FF0000"/>
+                </a:solidFill>
+              </a:rPr>
+              <a:t>Next we perform a test on this First Fit Decreasing search with a bigger data set </a:t>
+            </a:r>
+            <a:r>
+              <a:rPr lang="en-MY" dirty="0" smtClean="0">
+                <a:solidFill>
+                  <a:srgbClr val="FF0000"/>
+                </a:solidFill>
+                <a:sym typeface="Wingdings" panose="05000000000000000000" pitchFamily="2" charset="2"/>
+              </a:rPr>
+              <a:t></a:t>
+            </a:r>
+            <a:r>
+              <a:rPr lang="en-MY" dirty="0" smtClean="0">
+                <a:solidFill>
+                  <a:srgbClr val="FF0000"/>
+                </a:solidFill>
+              </a:rPr>
+              <a:t> </a:t>
+            </a:r>
+            <a:r>
+              <a:rPr lang="en-MY" dirty="0">
+                <a:solidFill>
+                  <a:srgbClr val="FF0000"/>
+                </a:solidFill>
+              </a:rPr>
+              <a:t>137 practitioners and 134 patients</a:t>
+            </a:r>
+          </a:p>
+        </p:txBody>
+      </p:sp>
     </p:spTree>
     <p:extLst>
       <p:ext uri="{BB962C8B-B14F-4D97-AF65-F5344CB8AC3E}">
-        <p14:creationId xmlns:p14="http://schemas.microsoft.com/office/powerpoint/2010/main" val="3981386471"/>
+        <p14:creationId xmlns:p14="http://schemas.microsoft.com/office/powerpoint/2010/main" val="2666377844"/>
       </p:ext>
     </p:extLst>
   </p:cSld>
@@ -8903,14 +9470,14 @@
       </p:grpSpPr>
       <p:sp>
         <p:nvSpPr>
-          <p:cNvPr id="7" name="TextBox 6"/>
+          <p:cNvPr id="5" name="TextBox 4"/>
           <p:cNvSpPr txBox="1"/>
           <p:nvPr/>
         </p:nvSpPr>
         <p:spPr>
           <a:xfrm>
-            <a:off x="203341" y="305689"/>
-            <a:ext cx="6059311" cy="584775"/>
+            <a:off x="349993" y="245361"/>
+            <a:ext cx="5211908" cy="861774"/>
           </a:xfrm>
           <a:prstGeom prst="rect">
             <a:avLst/>
@@ -8924,7 +9491,7 @@
           <a:lstStyle/>
           <a:p>
             <a:r>
-              <a:rPr lang="en-US" sz="3200" dirty="0">
+              <a:rPr lang="en-US" sz="3200" dirty="0" smtClean="0">
                 <a:solidFill>
                   <a:schemeClr val="tx2">
                     <a:lumMod val="60000"/>
@@ -8934,6 +9501,37 @@
               </a:rPr>
               <a:t>Project Implementation</a:t>
             </a:r>
+            <a:endParaRPr lang="en-US" sz="3200" dirty="0" smtClean="0">
+              <a:solidFill>
+                <a:schemeClr val="tx2">
+                  <a:lumMod val="60000"/>
+                  <a:lumOff val="40000"/>
+                </a:schemeClr>
+              </a:solidFill>
+            </a:endParaRPr>
+          </a:p>
+          <a:p>
+            <a:r>
+              <a:rPr lang="en-US" dirty="0" smtClean="0">
+                <a:solidFill>
+                  <a:srgbClr val="FF0000"/>
+                </a:solidFill>
+              </a:rPr>
+              <a:t>	</a:t>
+            </a:r>
+            <a:r>
+              <a:rPr lang="en-US" dirty="0" smtClean="0">
+                <a:solidFill>
+                  <a:srgbClr val="FF0000"/>
+                </a:solidFill>
+              </a:rPr>
+              <a:t> 	KIE Workbench Setup</a:t>
+            </a:r>
+            <a:endParaRPr lang="en-US" sz="2400" b="1" dirty="0">
+              <a:solidFill>
+                <a:srgbClr val="FF0000"/>
+              </a:solidFill>
+            </a:endParaRPr>
           </a:p>
         </p:txBody>
       </p:sp>
@@ -8960,10 +9558,120 @@
           </a:p>
         </p:txBody>
       </p:sp>
+      <p:pic>
+        <p:nvPicPr>
+          <p:cNvPr id="7" name="Picture 6">
+            <a:extLst>
+              <a:ext uri="{FF2B5EF4-FFF2-40B4-BE49-F238E27FC236}">
+                <a16:creationId xmlns:a16="http://schemas.microsoft.com/office/drawing/2014/main" id="{2A83E048-27A4-46ED-8DFF-1C80B1D72C6D}"/>
+              </a:ext>
+            </a:extLst>
+          </p:cNvPr>
+          <p:cNvPicPr>
+            <a:picLocks noChangeAspect="1"/>
+          </p:cNvPicPr>
+          <p:nvPr/>
+        </p:nvPicPr>
+        <p:blipFill>
+          <a:blip r:embed="rId2"/>
+          <a:stretch>
+            <a:fillRect/>
+          </a:stretch>
+        </p:blipFill>
+        <p:spPr>
+          <a:xfrm>
+            <a:off x="488216" y="1374064"/>
+            <a:ext cx="5997644" cy="5464020"/>
+          </a:xfrm>
+          <a:prstGeom prst="rect">
+            <a:avLst/>
+          </a:prstGeom>
+        </p:spPr>
+      </p:pic>
+      <p:sp>
+        <p:nvSpPr>
+          <p:cNvPr id="8" name="TextBox 7">
+            <a:extLst>
+              <a:ext uri="{FF2B5EF4-FFF2-40B4-BE49-F238E27FC236}">
+                <a16:creationId xmlns:a16="http://schemas.microsoft.com/office/drawing/2014/main" id="{A693B48F-0124-443C-85E5-341601BB2AA0}"/>
+              </a:ext>
+            </a:extLst>
+          </p:cNvPr>
+          <p:cNvSpPr txBox="1"/>
+          <p:nvPr/>
+        </p:nvSpPr>
+        <p:spPr>
+          <a:xfrm>
+            <a:off x="3608148" y="3389479"/>
+            <a:ext cx="2905740" cy="1200329"/>
+          </a:xfrm>
+          <a:prstGeom prst="rect">
+            <a:avLst/>
+          </a:prstGeom>
+          <a:noFill/>
+        </p:spPr>
+        <p:txBody>
+          <a:bodyPr wrap="square" rtlCol="0">
+            <a:spAutoFit/>
+          </a:bodyPr>
+          <a:lstStyle/>
+          <a:p>
+            <a:r>
+              <a:rPr lang="en-MY" dirty="0" smtClean="0">
+                <a:solidFill>
+                  <a:srgbClr val="FF0000"/>
+                </a:solidFill>
+              </a:rPr>
+              <a:t>First Fit Decreasing search is </a:t>
+            </a:r>
+            <a:r>
+              <a:rPr lang="en-MY" u="sng" dirty="0" smtClean="0">
+                <a:solidFill>
+                  <a:srgbClr val="FF0000"/>
+                </a:solidFill>
+              </a:rPr>
+              <a:t>fails</a:t>
+            </a:r>
+            <a:r>
+              <a:rPr lang="en-MY" dirty="0" smtClean="0">
+                <a:solidFill>
+                  <a:srgbClr val="FF0000"/>
+                </a:solidFill>
+              </a:rPr>
+              <a:t> with this bigger data set </a:t>
+            </a:r>
+            <a:r>
+              <a:rPr lang="en-MY" dirty="0" smtClean="0">
+                <a:solidFill>
+                  <a:srgbClr val="FF0000"/>
+                </a:solidFill>
+                <a:sym typeface="Wingdings" panose="05000000000000000000" pitchFamily="2" charset="2"/>
+              </a:rPr>
+              <a:t>of</a:t>
+            </a:r>
+            <a:r>
+              <a:rPr lang="en-MY" dirty="0" smtClean="0">
+                <a:solidFill>
+                  <a:srgbClr val="FF0000"/>
+                </a:solidFill>
+              </a:rPr>
+              <a:t> </a:t>
+            </a:r>
+            <a:r>
+              <a:rPr lang="en-MY" dirty="0">
+                <a:solidFill>
+                  <a:srgbClr val="FF0000"/>
+                </a:solidFill>
+              </a:rPr>
+              <a:t>137 practitioners and 134 patients</a:t>
+            </a:r>
+          </a:p>
+        </p:txBody>
+      </p:sp>
     </p:spTree>
     <p:extLst>
       <p:ext uri="{BB962C8B-B14F-4D97-AF65-F5344CB8AC3E}">
-        <p14:creationId xmlns:p14="http://schemas.microsoft.com/office/powerpoint/2010/main" val="1644934520"/>
+        <p14:creationId xmlns:p14="http://schemas.microsoft.com/office/powerpoint/2010/main" val="3096931113"/>
       </p:ext>
     </p:extLst>
   </p:cSld>
@@ -8998,8 +9706,8 @@
         </p:nvSpPr>
         <p:spPr>
           <a:xfrm>
-            <a:off x="292099" y="282007"/>
-            <a:ext cx="5564011" cy="523220"/>
+            <a:off x="349993" y="245361"/>
+            <a:ext cx="5211908" cy="861774"/>
           </a:xfrm>
           <a:prstGeom prst="rect">
             <a:avLst/>
@@ -9013,7 +9721,7 @@
           <a:lstStyle/>
           <a:p>
             <a:r>
-              <a:rPr lang="en-US" sz="2800" dirty="0">
+              <a:rPr lang="en-US" sz="3200" dirty="0" smtClean="0">
                 <a:solidFill>
                   <a:schemeClr val="tx2">
                     <a:lumMod val="60000"/>
@@ -9023,97 +9731,15 @@
               </a:rPr>
               <a:t>Project Implementation</a:t>
             </a:r>
-          </a:p>
-        </p:txBody>
-      </p:sp>
-      <p:sp>
-        <p:nvSpPr>
-          <p:cNvPr id="4" name="Content Placeholder 2">
-            <a:extLst>
-              <a:ext uri="{FF2B5EF4-FFF2-40B4-BE49-F238E27FC236}">
-                <a16:creationId xmlns:a16="http://schemas.microsoft.com/office/drawing/2014/main" id="{308CDC46-C2EA-413D-AE43-DEC1347F99E8}"/>
-              </a:ext>
-            </a:extLst>
-          </p:cNvPr>
-          <p:cNvSpPr>
-            <a:spLocks noGrp="1"/>
-          </p:cNvSpPr>
-          <p:nvPr>
-            <p:ph idx="1"/>
-          </p:nvPr>
-        </p:nvSpPr>
-        <p:spPr>
-          <a:xfrm>
-            <a:off x="310935" y="1637414"/>
-            <a:ext cx="6334414" cy="2615609"/>
-          </a:xfrm>
-        </p:spPr>
-        <p:txBody>
-          <a:bodyPr>
-            <a:normAutofit/>
-          </a:bodyPr>
-          <a:lstStyle/>
-          <a:p>
-            <a:pPr marL="0" indent="0">
-              <a:buNone/>
-            </a:pPr>
-            <a:r>
-              <a:rPr lang="en-US" sz="1400" dirty="0"/>
-              <a:t>This application leverages the KIE Workbench as the main framework for development and deployment. With the KIE Workbench, we utilize the JBPM for metadata and workflow, DROOLS for rules engine and the JBOS Web Server to provide the web application server functions. In addition, we are using the Spring Boot to program the landing page, front-end screens and interface with KIE</a:t>
-            </a:r>
-            <a:r>
-              <a:rPr lang="en-US" sz="1400" dirty="0" smtClean="0"/>
-              <a:t>.</a:t>
-            </a:r>
-          </a:p>
-          <a:p>
-            <a:pPr marL="0" indent="0">
-              <a:buNone/>
-            </a:pPr>
-            <a:r>
-              <a:rPr lang="en-US" sz="1400" dirty="0" smtClean="0"/>
-              <a:t>A lot of effort was spent on integrating the Spring Boot web application with the KIE framework through our self-coded Java classes.</a:t>
-            </a:r>
-          </a:p>
-          <a:p>
-            <a:pPr marL="0" indent="0">
-              <a:buNone/>
-            </a:pPr>
-            <a:r>
-              <a:rPr lang="en-US" sz="1400" dirty="0" smtClean="0"/>
-              <a:t>This allows the user to not only interface with an external HTML page but also stay on the HTML frontend throughout the entire process. Behind this frontend, our custom built web application interfaces with the KIE libraries via the Java classes.</a:t>
-            </a:r>
-            <a:endParaRPr lang="en-US" sz="1400" dirty="0"/>
-          </a:p>
-          <a:p>
-            <a:pPr marL="0" indent="0">
-              <a:buNone/>
-            </a:pPr>
-            <a:endParaRPr lang="en-US" sz="1400" dirty="0"/>
-          </a:p>
-        </p:txBody>
-      </p:sp>
-      <p:sp>
-        <p:nvSpPr>
-          <p:cNvPr id="6" name="TextBox 5"/>
-          <p:cNvSpPr txBox="1"/>
-          <p:nvPr/>
-        </p:nvSpPr>
-        <p:spPr>
-          <a:xfrm>
-            <a:off x="2197099" y="726098"/>
-            <a:ext cx="3497617" cy="369332"/>
-          </a:xfrm>
-          <a:prstGeom prst="rect">
-            <a:avLst/>
-          </a:prstGeom>
-          <a:noFill/>
-        </p:spPr>
-        <p:txBody>
-          <a:bodyPr wrap="square" rtlCol="0">
-            <a:spAutoFit/>
-          </a:bodyPr>
-          <a:lstStyle/>
+            <a:endParaRPr lang="en-US" sz="3200" dirty="0" smtClean="0">
+              <a:solidFill>
+                <a:schemeClr val="tx2">
+                  <a:lumMod val="60000"/>
+                  <a:lumOff val="40000"/>
+                </a:schemeClr>
+              </a:solidFill>
+            </a:endParaRPr>
+          </a:p>
           <a:p>
             <a:r>
               <a:rPr lang="en-US" dirty="0" smtClean="0">
@@ -9121,9 +9747,17 @@
                   <a:srgbClr val="FF0000"/>
                 </a:solidFill>
               </a:rPr>
-              <a:t>Architecture</a:t>
-            </a:r>
-            <a:endParaRPr lang="en-US" dirty="0">
+              <a:t>	</a:t>
+            </a:r>
+            <a:r>
+              <a:rPr lang="en-US" dirty="0" smtClean="0">
+                <a:solidFill>
+                  <a:srgbClr val="FF0000"/>
+                </a:solidFill>
+              </a:rPr>
+              <a:t> 	KIE Workbench Setup</a:t>
+            </a:r>
+            <a:endParaRPr lang="en-US" sz="2400" b="1" dirty="0">
               <a:solidFill>
                 <a:srgbClr val="FF0000"/>
               </a:solidFill>
@@ -9154,9 +9788,115 @@
           </a:p>
         </p:txBody>
       </p:sp>
+      <p:sp>
+        <p:nvSpPr>
+          <p:cNvPr id="6" name="Content Placeholder 2">
+            <a:extLst>
+              <a:ext uri="{FF2B5EF4-FFF2-40B4-BE49-F238E27FC236}">
+                <a16:creationId xmlns:a16="http://schemas.microsoft.com/office/drawing/2014/main" id="{06F3B485-3777-40E4-AFB1-22D7A41515A0}"/>
+              </a:ext>
+            </a:extLst>
+          </p:cNvPr>
+          <p:cNvSpPr>
+            <a:spLocks noGrp="1"/>
+          </p:cNvSpPr>
+          <p:nvPr>
+            <p:ph idx="1"/>
+          </p:nvPr>
+        </p:nvSpPr>
+        <p:spPr>
+          <a:xfrm>
+            <a:off x="552013" y="1722475"/>
+            <a:ext cx="6036520" cy="1584250"/>
+          </a:xfrm>
+        </p:spPr>
+        <p:txBody>
+          <a:bodyPr>
+            <a:normAutofit/>
+          </a:bodyPr>
+          <a:lstStyle/>
+          <a:p>
+            <a:pPr marL="0" indent="0">
+              <a:buNone/>
+            </a:pPr>
+            <a:r>
+              <a:rPr lang="en-MY" sz="1200" dirty="0"/>
+              <a:t>Hence, </a:t>
+            </a:r>
+            <a:r>
+              <a:rPr lang="en-MY" sz="1200" dirty="0" smtClean="0"/>
+              <a:t>a local </a:t>
+            </a:r>
+            <a:r>
+              <a:rPr lang="en-MY" sz="1200" dirty="0"/>
+              <a:t>search is </a:t>
+            </a:r>
+            <a:r>
+              <a:rPr lang="en-MY" sz="1200" dirty="0" smtClean="0"/>
+              <a:t>added</a:t>
+            </a:r>
+            <a:r>
+              <a:rPr lang="en-MY" sz="1200" dirty="0" smtClean="0"/>
+              <a:t>, and </a:t>
+            </a:r>
+            <a:r>
+              <a:rPr lang="en-MY" sz="1200" dirty="0" smtClean="0"/>
+              <a:t>Late Acceptance </a:t>
+            </a:r>
+            <a:r>
+              <a:rPr lang="en-MY" sz="1200" dirty="0"/>
+              <a:t>search is chosen in this case.</a:t>
+            </a:r>
+          </a:p>
+          <a:p>
+            <a:pPr marL="0" indent="0">
+              <a:buNone/>
+            </a:pPr>
+            <a:r>
+              <a:rPr lang="en-MY" sz="1200" dirty="0"/>
+              <a:t>By adding </a:t>
+            </a:r>
+            <a:r>
+              <a:rPr lang="en-MY" sz="1200" dirty="0" smtClean="0"/>
+              <a:t>Late Acceptable </a:t>
+            </a:r>
+            <a:r>
+              <a:rPr lang="en-MY" sz="1200" dirty="0"/>
+              <a:t>search after first fit, we </a:t>
+            </a:r>
+            <a:r>
+              <a:rPr lang="en-MY" sz="1200" dirty="0" smtClean="0"/>
+              <a:t>aim to generate a </a:t>
+            </a:r>
+            <a:r>
+              <a:rPr lang="en-MY" sz="1200" dirty="0"/>
+              <a:t>solution for </a:t>
+            </a:r>
+            <a:r>
+              <a:rPr lang="en-MY" sz="1200" dirty="0" smtClean="0"/>
+              <a:t>137 </a:t>
+            </a:r>
+            <a:r>
+              <a:rPr lang="en-MY" sz="1200" dirty="0"/>
+              <a:t>practitioners </a:t>
+            </a:r>
+            <a:r>
+              <a:rPr lang="en-MY" sz="1200" dirty="0" smtClean="0"/>
+              <a:t>and 134 patients.</a:t>
+            </a:r>
+            <a:endParaRPr lang="en-MY" sz="1200" dirty="0"/>
+          </a:p>
+        </p:txBody>
+      </p:sp>
       <p:pic>
         <p:nvPicPr>
-          <p:cNvPr id="3" name="Picture 2"/>
+          <p:cNvPr id="8" name="Picture 7">
+            <a:extLst>
+              <a:ext uri="{FF2B5EF4-FFF2-40B4-BE49-F238E27FC236}">
+                <a16:creationId xmlns:a16="http://schemas.microsoft.com/office/drawing/2014/main" id="{824733E1-9D9A-4DA5-80F2-8172D23E9AB3}"/>
+              </a:ext>
+            </a:extLst>
+          </p:cNvPr>
           <p:cNvPicPr>
             <a:picLocks noChangeAspect="1"/>
           </p:cNvPicPr>
@@ -9170,8 +9910,8 @@
         </p:blipFill>
         <p:spPr>
           <a:xfrm>
-            <a:off x="624602" y="4693524"/>
-            <a:ext cx="5761911" cy="4461005"/>
+            <a:off x="656006" y="3229809"/>
+            <a:ext cx="5574673" cy="3014252"/>
           </a:xfrm>
           <a:prstGeom prst="rect">
             <a:avLst/>
@@ -9181,7 +9921,7 @@
     </p:spTree>
     <p:extLst>
       <p:ext uri="{BB962C8B-B14F-4D97-AF65-F5344CB8AC3E}">
-        <p14:creationId xmlns:p14="http://schemas.microsoft.com/office/powerpoint/2010/main" val="3012525"/>
+        <p14:creationId xmlns:p14="http://schemas.microsoft.com/office/powerpoint/2010/main" val="4057342355"/>
       </p:ext>
     </p:extLst>
   </p:cSld>
@@ -9216,8 +9956,8 @@
         </p:nvSpPr>
         <p:spPr>
           <a:xfrm>
-            <a:off x="292099" y="282007"/>
-            <a:ext cx="5564011" cy="523220"/>
+            <a:off x="349993" y="245361"/>
+            <a:ext cx="5211908" cy="861774"/>
           </a:xfrm>
           <a:prstGeom prst="rect">
             <a:avLst/>
@@ -9231,7 +9971,7 @@
           <a:lstStyle/>
           <a:p>
             <a:r>
-              <a:rPr lang="en-US" altLang="en-US" sz="2800" dirty="0">
+              <a:rPr lang="en-US" sz="3200" dirty="0" smtClean="0">
                 <a:solidFill>
                   <a:schemeClr val="tx2">
                     <a:lumMod val="60000"/>
@@ -9239,20 +9979,9 @@
                   </a:schemeClr>
                 </a:solidFill>
               </a:rPr>
-              <a:t>Project Performance &amp; </a:t>
-            </a:r>
-            <a:r>
-              <a:rPr lang="en-US" altLang="en-US" sz="2800" dirty="0" smtClean="0">
-                <a:solidFill>
-                  <a:schemeClr val="tx2">
-                    <a:lumMod val="60000"/>
-                    <a:lumOff val="40000"/>
-                  </a:schemeClr>
-                </a:solidFill>
-              </a:rPr>
-              <a:t>Validation</a:t>
-            </a:r>
-            <a:endParaRPr lang="en-US" sz="2800" dirty="0">
+              <a:t>Project Implementation</a:t>
+            </a:r>
+            <a:endParaRPr lang="en-US" sz="3200" dirty="0" smtClean="0">
               <a:solidFill>
                 <a:schemeClr val="tx2">
                   <a:lumMod val="60000"/>
@@ -9261,56 +9990,28 @@
               </a:solidFill>
             </a:endParaRPr>
           </a:p>
-        </p:txBody>
-      </p:sp>
-      <p:sp>
-        <p:nvSpPr>
-          <p:cNvPr id="4" name="Content Placeholder 2">
-            <a:extLst>
-              <a:ext uri="{FF2B5EF4-FFF2-40B4-BE49-F238E27FC236}">
-                <a16:creationId xmlns:a16="http://schemas.microsoft.com/office/drawing/2014/main" id="{308CDC46-C2EA-413D-AE43-DEC1347F99E8}"/>
-              </a:ext>
-            </a:extLst>
-          </p:cNvPr>
-          <p:cNvSpPr>
-            <a:spLocks noGrp="1"/>
-          </p:cNvSpPr>
-          <p:nvPr>
-            <p:ph idx="1"/>
-          </p:nvPr>
-        </p:nvSpPr>
-        <p:spPr>
-          <a:xfrm>
-            <a:off x="292099" y="1446029"/>
-            <a:ext cx="6334414" cy="1371600"/>
-          </a:xfrm>
-        </p:spPr>
-        <p:txBody>
-          <a:bodyPr>
-            <a:normAutofit/>
-          </a:bodyPr>
-          <a:lstStyle/>
-          <a:p>
-            <a:pPr marL="0" indent="0">
-              <a:buNone/>
-            </a:pPr>
-            <a:r>
-              <a:rPr lang="en-US" sz="1400" dirty="0" smtClean="0"/>
-              <a:t>As mentioned in this document, Success </a:t>
-            </a:r>
-            <a:r>
-              <a:rPr lang="en-US" sz="1400" dirty="0"/>
-              <a:t>Measurement for this application would be based on its </a:t>
-            </a:r>
-            <a:r>
-              <a:rPr lang="en-US" sz="1400" u="sng" dirty="0"/>
-              <a:t>ability to </a:t>
-            </a:r>
-            <a:r>
-              <a:rPr lang="en-US" sz="1400" u="sng" dirty="0" smtClean="0"/>
-              <a:t>….</a:t>
-            </a:r>
-            <a:endParaRPr lang="en-US" sz="1400" dirty="0"/>
+          <a:p>
+            <a:r>
+              <a:rPr lang="en-US" dirty="0" smtClean="0">
+                <a:solidFill>
+                  <a:srgbClr val="FF0000"/>
+                </a:solidFill>
+              </a:rPr>
+              <a:t>	</a:t>
+            </a:r>
+            <a:r>
+              <a:rPr lang="en-US" dirty="0" smtClean="0">
+                <a:solidFill>
+                  <a:srgbClr val="FF0000"/>
+                </a:solidFill>
+              </a:rPr>
+              <a:t> 	KIE Workbench Setup</a:t>
+            </a:r>
+            <a:endParaRPr lang="en-US" sz="2400" b="1" dirty="0">
+              <a:solidFill>
+                <a:srgbClr val="FF0000"/>
+              </a:solidFill>
+            </a:endParaRPr>
           </a:p>
         </p:txBody>
       </p:sp>
@@ -9337,10 +10038,120 @@
           </a:p>
         </p:txBody>
       </p:sp>
+      <p:pic>
+        <p:nvPicPr>
+          <p:cNvPr id="7" name="Picture 6">
+            <a:extLst>
+              <a:ext uri="{FF2B5EF4-FFF2-40B4-BE49-F238E27FC236}">
+                <a16:creationId xmlns:a16="http://schemas.microsoft.com/office/drawing/2014/main" id="{FC77F1AA-561B-432D-9631-3BF41BCF960F}"/>
+              </a:ext>
+            </a:extLst>
+          </p:cNvPr>
+          <p:cNvPicPr>
+            <a:picLocks noChangeAspect="1"/>
+          </p:cNvPicPr>
+          <p:nvPr/>
+        </p:nvPicPr>
+        <p:blipFill>
+          <a:blip r:embed="rId2"/>
+          <a:stretch>
+            <a:fillRect/>
+          </a:stretch>
+        </p:blipFill>
+        <p:spPr>
+          <a:xfrm>
+            <a:off x="530520" y="1594883"/>
+            <a:ext cx="5986484" cy="5401339"/>
+          </a:xfrm>
+          <a:prstGeom prst="rect">
+            <a:avLst/>
+          </a:prstGeom>
+        </p:spPr>
+      </p:pic>
+      <p:sp>
+        <p:nvSpPr>
+          <p:cNvPr id="9" name="TextBox 8">
+            <a:extLst>
+              <a:ext uri="{FF2B5EF4-FFF2-40B4-BE49-F238E27FC236}">
+                <a16:creationId xmlns:a16="http://schemas.microsoft.com/office/drawing/2014/main" id="{A693B48F-0124-443C-85E5-341601BB2AA0}"/>
+              </a:ext>
+            </a:extLst>
+          </p:cNvPr>
+          <p:cNvSpPr txBox="1"/>
+          <p:nvPr/>
+        </p:nvSpPr>
+        <p:spPr>
+          <a:xfrm>
+            <a:off x="3608148" y="3389479"/>
+            <a:ext cx="2905740" cy="1754326"/>
+          </a:xfrm>
+          <a:prstGeom prst="rect">
+            <a:avLst/>
+          </a:prstGeom>
+          <a:noFill/>
+        </p:spPr>
+        <p:txBody>
+          <a:bodyPr wrap="square" rtlCol="0">
+            <a:spAutoFit/>
+          </a:bodyPr>
+          <a:lstStyle/>
+          <a:p>
+            <a:r>
+              <a:rPr lang="en-MY" dirty="0" smtClean="0">
+                <a:solidFill>
+                  <a:srgbClr val="FF0000"/>
+                </a:solidFill>
+              </a:rPr>
+              <a:t>Outcome for First Fit Decreasing with Late Acceptance search is </a:t>
+            </a:r>
+            <a:r>
+              <a:rPr lang="en-MY" u="sng" dirty="0" smtClean="0">
+                <a:solidFill>
+                  <a:srgbClr val="FF0000"/>
+                </a:solidFill>
+              </a:rPr>
+              <a:t>Positive</a:t>
+            </a:r>
+            <a:r>
+              <a:rPr lang="en-MY" dirty="0" smtClean="0">
+                <a:solidFill>
+                  <a:srgbClr val="FF0000"/>
+                </a:solidFill>
+              </a:rPr>
+              <a:t> with this bigger data set </a:t>
+            </a:r>
+            <a:r>
+              <a:rPr lang="en-MY" dirty="0" smtClean="0">
+                <a:solidFill>
+                  <a:srgbClr val="FF0000"/>
+                </a:solidFill>
+                <a:sym typeface="Wingdings" panose="05000000000000000000" pitchFamily="2" charset="2"/>
+              </a:rPr>
+              <a:t>of</a:t>
+            </a:r>
+            <a:r>
+              <a:rPr lang="en-MY" dirty="0" smtClean="0">
+                <a:solidFill>
+                  <a:srgbClr val="FF0000"/>
+                </a:solidFill>
+              </a:rPr>
+              <a:t> </a:t>
+            </a:r>
+            <a:r>
+              <a:rPr lang="en-MY" dirty="0">
+                <a:solidFill>
+                  <a:srgbClr val="FF0000"/>
+                </a:solidFill>
+              </a:rPr>
+              <a:t>137 practitioners and 134 patients</a:t>
+            </a:r>
+          </a:p>
+        </p:txBody>
+      </p:sp>
     </p:spTree>
     <p:extLst>
       <p:ext uri="{BB962C8B-B14F-4D97-AF65-F5344CB8AC3E}">
-        <p14:creationId xmlns:p14="http://schemas.microsoft.com/office/powerpoint/2010/main" val="2222063818"/>
+        <p14:creationId xmlns:p14="http://schemas.microsoft.com/office/powerpoint/2010/main" val="16204361"/>
       </p:ext>
     </p:extLst>
   </p:cSld>
@@ -9375,8 +10186,8 @@
         </p:nvSpPr>
         <p:spPr>
           <a:xfrm>
-            <a:off x="292099" y="282007"/>
-            <a:ext cx="5564011" cy="523220"/>
+            <a:off x="349993" y="245361"/>
+            <a:ext cx="5211908" cy="861774"/>
           </a:xfrm>
           <a:prstGeom prst="rect">
             <a:avLst/>
@@ -9390,7 +10201,7 @@
           <a:lstStyle/>
           <a:p>
             <a:r>
-              <a:rPr lang="en-US" altLang="en-US" sz="2800" dirty="0">
+              <a:rPr lang="en-US" sz="3200" dirty="0" smtClean="0">
                 <a:solidFill>
                   <a:schemeClr val="tx2">
                     <a:lumMod val="60000"/>
@@ -9398,20 +10209,9 @@
                   </a:schemeClr>
                 </a:solidFill>
               </a:rPr>
-              <a:t>Project Performance &amp; </a:t>
-            </a:r>
-            <a:r>
-              <a:rPr lang="en-US" altLang="en-US" sz="2800" dirty="0" smtClean="0">
-                <a:solidFill>
-                  <a:schemeClr val="tx2">
-                    <a:lumMod val="60000"/>
-                    <a:lumOff val="40000"/>
-                  </a:schemeClr>
-                </a:solidFill>
-              </a:rPr>
-              <a:t>Validation</a:t>
-            </a:r>
-            <a:endParaRPr lang="en-US" sz="2800" dirty="0">
+              <a:t>Project Implementation</a:t>
+            </a:r>
+            <a:endParaRPr lang="en-US" sz="3200" dirty="0" smtClean="0">
               <a:solidFill>
                 <a:schemeClr val="tx2">
                   <a:lumMod val="60000"/>
@@ -9420,6 +10220,29 @@
               </a:solidFill>
             </a:endParaRPr>
           </a:p>
+          <a:p>
+            <a:r>
+              <a:rPr lang="en-US" dirty="0" smtClean="0">
+                <a:solidFill>
+                  <a:srgbClr val="FF0000"/>
+                </a:solidFill>
+              </a:rPr>
+              <a:t>	</a:t>
+            </a:r>
+            <a:r>
+              <a:rPr lang="en-US" dirty="0" smtClean="0">
+                <a:solidFill>
+                  <a:srgbClr val="FF0000"/>
+                </a:solidFill>
+              </a:rPr>
+              <a:t> 	KIE Workbench Setup</a:t>
+            </a:r>
+            <a:endParaRPr lang="en-US" sz="2400" b="1" dirty="0">
+              <a:solidFill>
+                <a:srgbClr val="FF0000"/>
+              </a:solidFill>
+            </a:endParaRPr>
+          </a:p>
         </p:txBody>
       </p:sp>
       <p:sp>
@@ -9447,46 +10270,93 @@
       </p:sp>
       <p:sp>
         <p:nvSpPr>
-          <p:cNvPr id="8" name="TextBox 7"/>
-          <p:cNvSpPr txBox="1"/>
-          <p:nvPr/>
+          <p:cNvPr id="6" name="Content Placeholder 2">
+            <a:extLst>
+              <a:ext uri="{FF2B5EF4-FFF2-40B4-BE49-F238E27FC236}">
+                <a16:creationId xmlns:a16="http://schemas.microsoft.com/office/drawing/2014/main" id="{06F3B485-3777-40E4-AFB1-22D7A41515A0}"/>
+              </a:ext>
+            </a:extLst>
+          </p:cNvPr>
+          <p:cNvSpPr>
+            <a:spLocks noGrp="1"/>
+          </p:cNvSpPr>
+          <p:nvPr>
+            <p:ph idx="1"/>
+          </p:nvPr>
         </p:nvSpPr>
         <p:spPr>
           <a:xfrm>
-            <a:off x="543258" y="1189643"/>
-            <a:ext cx="2062716" cy="369332"/>
+            <a:off x="520995" y="1722473"/>
+            <a:ext cx="6124353" cy="584791"/>
+          </a:xfrm>
+        </p:spPr>
+        <p:txBody>
+          <a:bodyPr>
+            <a:normAutofit/>
+          </a:bodyPr>
+          <a:lstStyle/>
+          <a:p>
+            <a:pPr marL="0" indent="0">
+              <a:buNone/>
+            </a:pPr>
+            <a:r>
+              <a:rPr lang="en-MY" sz="1200" dirty="0"/>
+              <a:t>Traditional </a:t>
+            </a:r>
+            <a:r>
+              <a:rPr lang="en-MY" sz="1200" dirty="0" smtClean="0"/>
+              <a:t>Hill Climbing has the tendency to be </a:t>
+            </a:r>
+            <a:r>
+              <a:rPr lang="en-MY" sz="1200" dirty="0"/>
+              <a:t>stuck at local optimum but </a:t>
+            </a:r>
+            <a:r>
+              <a:rPr lang="en-MY" sz="1200" dirty="0" smtClean="0"/>
+              <a:t>Late Acceptance Hill Climbing increases </a:t>
+            </a:r>
+            <a:r>
+              <a:rPr lang="en-MY" sz="1200" dirty="0"/>
+              <a:t>the chance the to find the global optimum. </a:t>
+            </a:r>
+            <a:endParaRPr lang="en-MY" sz="1200" dirty="0"/>
+          </a:p>
+        </p:txBody>
+      </p:sp>
+      <p:pic>
+        <p:nvPicPr>
+          <p:cNvPr id="8" name="Picture 7">
+            <a:extLst>
+              <a:ext uri="{FF2B5EF4-FFF2-40B4-BE49-F238E27FC236}">
+                <a16:creationId xmlns:a16="http://schemas.microsoft.com/office/drawing/2014/main" id="{27DB10DA-7E3D-4205-A2B9-93FFA1C47855}"/>
+              </a:ext>
+            </a:extLst>
+          </p:cNvPr>
+          <p:cNvPicPr>
+            <a:picLocks noChangeAspect="1"/>
+          </p:cNvPicPr>
+          <p:nvPr/>
+        </p:nvPicPr>
+        <p:blipFill>
+          <a:blip r:embed="rId2"/>
+          <a:stretch>
+            <a:fillRect/>
+          </a:stretch>
+        </p:blipFill>
+        <p:spPr>
+          <a:xfrm>
+            <a:off x="709085" y="2922602"/>
+            <a:ext cx="5677428" cy="3063460"/>
           </a:xfrm>
           <a:prstGeom prst="rect">
             <a:avLst/>
           </a:prstGeom>
-          <a:noFill/>
         </p:spPr>
-        <p:txBody>
-          <a:bodyPr wrap="square" rtlCol="0">
-            <a:spAutoFit/>
-          </a:bodyPr>
-          <a:lstStyle/>
-          <a:p>
-            <a:r>
-              <a:rPr lang="en-US" dirty="0" smtClean="0">
-                <a:solidFill>
-                  <a:srgbClr val="FF0000"/>
-                </a:solidFill>
-              </a:rPr>
-              <a:t>2. PHQ2</a:t>
-            </a:r>
-            <a:endParaRPr lang="en-US" dirty="0">
-              <a:solidFill>
-                <a:srgbClr val="FF0000"/>
-              </a:solidFill>
-            </a:endParaRPr>
-          </a:p>
-        </p:txBody>
-      </p:sp>
+      </p:pic>
     </p:spTree>
     <p:extLst>
       <p:ext uri="{BB962C8B-B14F-4D97-AF65-F5344CB8AC3E}">
-        <p14:creationId xmlns:p14="http://schemas.microsoft.com/office/powerpoint/2010/main" val="181164735"/>
+        <p14:creationId xmlns:p14="http://schemas.microsoft.com/office/powerpoint/2010/main" val="2668687474"/>
       </p:ext>
     </p:extLst>
   </p:cSld>
@@ -9827,8 +10697,8 @@
         </p:nvSpPr>
         <p:spPr>
           <a:xfrm>
-            <a:off x="292099" y="282007"/>
-            <a:ext cx="5810251" cy="954107"/>
+            <a:off x="349993" y="245361"/>
+            <a:ext cx="5211908" cy="861774"/>
           </a:xfrm>
           <a:prstGeom prst="rect">
             <a:avLst/>
@@ -9842,7 +10712,7 @@
           <a:lstStyle/>
           <a:p>
             <a:r>
-              <a:rPr lang="en-US" altLang="en-US" sz="2800" dirty="0">
+              <a:rPr lang="en-US" sz="3200" dirty="0" smtClean="0">
                 <a:solidFill>
                   <a:schemeClr val="tx2">
                     <a:lumMod val="60000"/>
@@ -9850,31 +10720,9 @@
                   </a:schemeClr>
                 </a:solidFill>
               </a:rPr>
-              <a:t>Project </a:t>
-            </a:r>
-            <a:r>
-              <a:rPr lang="en-US" altLang="en-US" sz="2800" dirty="0" smtClean="0">
-                <a:solidFill>
-                  <a:schemeClr val="tx2">
-                    <a:lumMod val="60000"/>
-                    <a:lumOff val="40000"/>
-                  </a:schemeClr>
-                </a:solidFill>
-              </a:rPr>
-              <a:t>Conclusions: </a:t>
-            </a:r>
-            <a:r>
-              <a:rPr lang="en-US" altLang="en-US" sz="2800" dirty="0">
-                <a:solidFill>
-                  <a:schemeClr val="tx2">
-                    <a:lumMod val="60000"/>
-                    <a:lumOff val="40000"/>
-                  </a:schemeClr>
-                </a:solidFill>
-              </a:rPr>
-              <a:t>Findings &amp; Recommendation </a:t>
-            </a:r>
-            <a:endParaRPr lang="en-US" sz="2800" dirty="0">
+              <a:t>Project Implementation</a:t>
+            </a:r>
+            <a:endParaRPr lang="en-US" sz="3200" dirty="0" smtClean="0">
               <a:solidFill>
                 <a:schemeClr val="tx2">
                   <a:lumMod val="60000"/>
@@ -9883,6 +10731,29 @@
               </a:solidFill>
             </a:endParaRPr>
           </a:p>
+          <a:p>
+            <a:r>
+              <a:rPr lang="en-US" dirty="0" smtClean="0">
+                <a:solidFill>
+                  <a:srgbClr val="FF0000"/>
+                </a:solidFill>
+              </a:rPr>
+              <a:t>	</a:t>
+            </a:r>
+            <a:r>
+              <a:rPr lang="en-US" dirty="0" smtClean="0">
+                <a:solidFill>
+                  <a:srgbClr val="FF0000"/>
+                </a:solidFill>
+              </a:rPr>
+              <a:t> 	KIE Workbench Setup</a:t>
+            </a:r>
+            <a:endParaRPr lang="en-US" sz="2400" b="1" dirty="0">
+              <a:solidFill>
+                <a:srgbClr val="FF0000"/>
+              </a:solidFill>
+            </a:endParaRPr>
+          </a:p>
         </p:txBody>
       </p:sp>
       <p:sp>
@@ -9908,218 +10779,1795 @@
           </a:p>
         </p:txBody>
       </p:sp>
-      <p:sp>
-        <p:nvSpPr>
-          <p:cNvPr id="9" name="Content Placeholder 2">
+      <p:pic>
+        <p:nvPicPr>
+          <p:cNvPr id="7" name="Picture 6">
             <a:extLst>
               <a:ext uri="{FF2B5EF4-FFF2-40B4-BE49-F238E27FC236}">
-                <a16:creationId xmlns:a16="http://schemas.microsoft.com/office/drawing/2014/main" id="{308CDC46-C2EA-413D-AE43-DEC1347F99E8}"/>
+                <a16:creationId xmlns:a16="http://schemas.microsoft.com/office/drawing/2014/main" id="{6D625788-821A-4791-AF53-86AD4A832D09}"/>
               </a:ext>
             </a:extLst>
           </p:cNvPr>
-          <p:cNvSpPr txBox="1">
-            <a:spLocks/>
-          </p:cNvSpPr>
+          <p:cNvPicPr>
+            <a:picLocks noChangeAspect="1"/>
+          </p:cNvPicPr>
           <p:nvPr/>
-        </p:nvSpPr>
+        </p:nvPicPr>
+        <p:blipFill>
+          <a:blip r:embed="rId2"/>
+          <a:stretch>
+            <a:fillRect/>
+          </a:stretch>
+        </p:blipFill>
         <p:spPr>
           <a:xfrm>
-            <a:off x="292099" y="1651968"/>
-            <a:ext cx="6334414" cy="2640632"/>
+            <a:off x="790750" y="1839433"/>
+            <a:ext cx="5817546" cy="5100415"/>
           </a:xfrm>
           <a:prstGeom prst="rect">
             <a:avLst/>
           </a:prstGeom>
         </p:spPr>
-        <p:txBody>
-          <a:bodyPr vert="horz" lIns="91440" tIns="45720" rIns="91440" bIns="45720" rtlCol="0">
-            <a:normAutofit/>
+      </p:pic>
+      <p:sp>
+        <p:nvSpPr>
+          <p:cNvPr id="9" name="TextBox 8">
+            <a:extLst>
+              <a:ext uri="{FF2B5EF4-FFF2-40B4-BE49-F238E27FC236}">
+                <a16:creationId xmlns:a16="http://schemas.microsoft.com/office/drawing/2014/main" id="{07D55D0E-EE38-4F58-AE98-F9CE46080D0E}"/>
+              </a:ext>
+            </a:extLst>
+          </p:cNvPr>
+          <p:cNvSpPr txBox="1"/>
+          <p:nvPr/>
+        </p:nvSpPr>
+        <p:spPr>
+          <a:xfrm>
+            <a:off x="3656947" y="3998185"/>
+            <a:ext cx="3089135" cy="923330"/>
+          </a:xfrm>
+          <a:prstGeom prst="rect">
+            <a:avLst/>
+          </a:prstGeom>
+          <a:noFill/>
+        </p:spPr>
+        <p:txBody>
+          <a:bodyPr wrap="square" rtlCol="0">
+            <a:spAutoFit/>
           </a:bodyPr>
-          <a:lstStyle>
-            <a:lvl1pPr marL="171450" indent="-171450" algn="l" defTabSz="685800" rtl="0" eaLnBrk="1" latinLnBrk="0" hangingPunct="1">
-              <a:lnSpc>
-                <a:spcPct val="90000"/>
-              </a:lnSpc>
-              <a:spcBef>
-                <a:spcPts val="750"/>
-              </a:spcBef>
-              <a:buFont typeface="Arial" panose="020B0604020202020204" pitchFamily="34" charset="0"/>
-              <a:buChar char="•"/>
-              <a:defRPr sz="2100" kern="1200">
-                <a:solidFill>
-                  <a:schemeClr val="tx1"/>
-                </a:solidFill>
-                <a:latin typeface="+mn-lt"/>
-                <a:ea typeface="+mn-ea"/>
-                <a:cs typeface="+mn-cs"/>
-              </a:defRPr>
-            </a:lvl1pPr>
-            <a:lvl2pPr marL="514350" indent="-171450" algn="l" defTabSz="685800" rtl="0" eaLnBrk="1" latinLnBrk="0" hangingPunct="1">
-              <a:lnSpc>
-                <a:spcPct val="90000"/>
-              </a:lnSpc>
-              <a:spcBef>
-                <a:spcPts val="375"/>
-              </a:spcBef>
-              <a:buFont typeface="Arial" panose="020B0604020202020204" pitchFamily="34" charset="0"/>
-              <a:buChar char="•"/>
-              <a:defRPr sz="1800" kern="1200">
-                <a:solidFill>
-                  <a:schemeClr val="tx1"/>
-                </a:solidFill>
-                <a:latin typeface="+mn-lt"/>
-                <a:ea typeface="+mn-ea"/>
-                <a:cs typeface="+mn-cs"/>
-              </a:defRPr>
-            </a:lvl2pPr>
-            <a:lvl3pPr marL="857250" indent="-171450" algn="l" defTabSz="685800" rtl="0" eaLnBrk="1" latinLnBrk="0" hangingPunct="1">
-              <a:lnSpc>
-                <a:spcPct val="90000"/>
-              </a:lnSpc>
-              <a:spcBef>
-                <a:spcPts val="375"/>
-              </a:spcBef>
-              <a:buFont typeface="Arial" panose="020B0604020202020204" pitchFamily="34" charset="0"/>
-              <a:buChar char="•"/>
-              <a:defRPr sz="1500" kern="1200">
-                <a:solidFill>
-                  <a:schemeClr val="tx1"/>
-                </a:solidFill>
-                <a:latin typeface="+mn-lt"/>
-                <a:ea typeface="+mn-ea"/>
-                <a:cs typeface="+mn-cs"/>
-              </a:defRPr>
-            </a:lvl3pPr>
-            <a:lvl4pPr marL="1200150" indent="-171450" algn="l" defTabSz="685800" rtl="0" eaLnBrk="1" latinLnBrk="0" hangingPunct="1">
-              <a:lnSpc>
-                <a:spcPct val="90000"/>
-              </a:lnSpc>
-              <a:spcBef>
-                <a:spcPts val="375"/>
-              </a:spcBef>
-              <a:buFont typeface="Arial" panose="020B0604020202020204" pitchFamily="34" charset="0"/>
-              <a:buChar char="•"/>
-              <a:defRPr sz="1350" kern="1200">
-                <a:solidFill>
-                  <a:schemeClr val="tx1"/>
-                </a:solidFill>
-                <a:latin typeface="+mn-lt"/>
-                <a:ea typeface="+mn-ea"/>
-                <a:cs typeface="+mn-cs"/>
-              </a:defRPr>
-            </a:lvl4pPr>
-            <a:lvl5pPr marL="1543050" indent="-171450" algn="l" defTabSz="685800" rtl="0" eaLnBrk="1" latinLnBrk="0" hangingPunct="1">
-              <a:lnSpc>
-                <a:spcPct val="90000"/>
-              </a:lnSpc>
-              <a:spcBef>
-                <a:spcPts val="375"/>
-              </a:spcBef>
-              <a:buFont typeface="Arial" panose="020B0604020202020204" pitchFamily="34" charset="0"/>
-              <a:buChar char="•"/>
-              <a:defRPr sz="1350" kern="1200">
-                <a:solidFill>
-                  <a:schemeClr val="tx1"/>
-                </a:solidFill>
-                <a:latin typeface="+mn-lt"/>
-                <a:ea typeface="+mn-ea"/>
-                <a:cs typeface="+mn-cs"/>
-              </a:defRPr>
-            </a:lvl5pPr>
-            <a:lvl6pPr marL="1885950" indent="-171450" algn="l" defTabSz="685800" rtl="0" eaLnBrk="1" latinLnBrk="0" hangingPunct="1">
-              <a:lnSpc>
-                <a:spcPct val="90000"/>
-              </a:lnSpc>
-              <a:spcBef>
-                <a:spcPts val="375"/>
-              </a:spcBef>
-              <a:buFont typeface="Arial" panose="020B0604020202020204" pitchFamily="34" charset="0"/>
-              <a:buChar char="•"/>
-              <a:defRPr sz="1350" kern="1200">
-                <a:solidFill>
-                  <a:schemeClr val="tx1"/>
-                </a:solidFill>
-                <a:latin typeface="+mn-lt"/>
-                <a:ea typeface="+mn-ea"/>
-                <a:cs typeface="+mn-cs"/>
-              </a:defRPr>
-            </a:lvl6pPr>
-            <a:lvl7pPr marL="2228850" indent="-171450" algn="l" defTabSz="685800" rtl="0" eaLnBrk="1" latinLnBrk="0" hangingPunct="1">
-              <a:lnSpc>
-                <a:spcPct val="90000"/>
-              </a:lnSpc>
-              <a:spcBef>
-                <a:spcPts val="375"/>
-              </a:spcBef>
-              <a:buFont typeface="Arial" panose="020B0604020202020204" pitchFamily="34" charset="0"/>
-              <a:buChar char="•"/>
-              <a:defRPr sz="1350" kern="1200">
-                <a:solidFill>
-                  <a:schemeClr val="tx1"/>
-                </a:solidFill>
-                <a:latin typeface="+mn-lt"/>
-                <a:ea typeface="+mn-ea"/>
-                <a:cs typeface="+mn-cs"/>
-              </a:defRPr>
-            </a:lvl7pPr>
-            <a:lvl8pPr marL="2571750" indent="-171450" algn="l" defTabSz="685800" rtl="0" eaLnBrk="1" latinLnBrk="0" hangingPunct="1">
-              <a:lnSpc>
-                <a:spcPct val="90000"/>
-              </a:lnSpc>
-              <a:spcBef>
-                <a:spcPts val="375"/>
-              </a:spcBef>
-              <a:buFont typeface="Arial" panose="020B0604020202020204" pitchFamily="34" charset="0"/>
-              <a:buChar char="•"/>
-              <a:defRPr sz="1350" kern="1200">
-                <a:solidFill>
-                  <a:schemeClr val="tx1"/>
-                </a:solidFill>
-                <a:latin typeface="+mn-lt"/>
-                <a:ea typeface="+mn-ea"/>
-                <a:cs typeface="+mn-cs"/>
-              </a:defRPr>
-            </a:lvl8pPr>
-            <a:lvl9pPr marL="2914650" indent="-171450" algn="l" defTabSz="685800" rtl="0" eaLnBrk="1" latinLnBrk="0" hangingPunct="1">
-              <a:lnSpc>
-                <a:spcPct val="90000"/>
-              </a:lnSpc>
-              <a:spcBef>
-                <a:spcPts val="375"/>
-              </a:spcBef>
-              <a:buFont typeface="Arial" panose="020B0604020202020204" pitchFamily="34" charset="0"/>
-              <a:buChar char="•"/>
-              <a:defRPr sz="1350" kern="1200">
-                <a:solidFill>
-                  <a:schemeClr val="tx1"/>
-                </a:solidFill>
-                <a:latin typeface="+mn-lt"/>
-                <a:ea typeface="+mn-ea"/>
-                <a:cs typeface="+mn-cs"/>
-              </a:defRPr>
-            </a:lvl9pPr>
-          </a:lstStyle>
-          <a:p>
-            <a:pPr marL="0" indent="0">
-              <a:buFont typeface="Arial" panose="020B0604020202020204" pitchFamily="34" charset="0"/>
-              <a:buNone/>
-            </a:pPr>
-            <a:r>
-              <a:rPr lang="en-US" sz="1400" dirty="0" smtClean="0"/>
-              <a:t>From this project, we are able to </a:t>
-            </a:r>
-            <a:r>
-              <a:rPr lang="en-US" sz="1400" dirty="0" smtClean="0"/>
-              <a:t>….</a:t>
-            </a:r>
-            <a:endParaRPr lang="en-US" sz="1400" dirty="0"/>
+          <a:lstStyle/>
+          <a:p>
+            <a:r>
+              <a:rPr lang="en-MY" dirty="0" smtClean="0">
+                <a:solidFill>
+                  <a:srgbClr val="FF0000"/>
+                </a:solidFill>
+              </a:rPr>
+              <a:t>Result showing that Hill </a:t>
+            </a:r>
+            <a:r>
+              <a:rPr lang="en-MY" dirty="0">
+                <a:solidFill>
+                  <a:srgbClr val="FF0000"/>
+                </a:solidFill>
+              </a:rPr>
+              <a:t>Climbing </a:t>
+            </a:r>
+            <a:r>
+              <a:rPr lang="en-MY" dirty="0" smtClean="0">
+                <a:solidFill>
+                  <a:srgbClr val="FF0000"/>
+                </a:solidFill>
+              </a:rPr>
+              <a:t>getting stuck </a:t>
+            </a:r>
+            <a:r>
+              <a:rPr lang="en-MY" dirty="0">
+                <a:solidFill>
+                  <a:srgbClr val="FF0000"/>
+                </a:solidFill>
+              </a:rPr>
+              <a:t>at local </a:t>
+            </a:r>
+            <a:r>
+              <a:rPr lang="en-MY" dirty="0" smtClean="0">
+                <a:solidFill>
+                  <a:srgbClr val="FF0000"/>
+                </a:solidFill>
+              </a:rPr>
+              <a:t>optimum.</a:t>
+            </a:r>
+            <a:endParaRPr lang="en-MY" dirty="0">
+              <a:solidFill>
+                <a:srgbClr val="FF0000"/>
+              </a:solidFill>
+            </a:endParaRPr>
           </a:p>
         </p:txBody>
       </p:sp>
     </p:spTree>
     <p:extLst>
       <p:ext uri="{BB962C8B-B14F-4D97-AF65-F5344CB8AC3E}">
-        <p14:creationId xmlns:p14="http://schemas.microsoft.com/office/powerpoint/2010/main" val="3534046961"/>
+        <p14:creationId xmlns:p14="http://schemas.microsoft.com/office/powerpoint/2010/main" val="3902170351"/>
+      </p:ext>
+    </p:extLst>
+  </p:cSld>
+  <p:clrMapOvr>
+    <a:masterClrMapping/>
+  </p:clrMapOvr>
+</p:sld>
+</file>
+
+<file path=ppt/slides/slide21.xml><?xml version="1.0" encoding="utf-8"?>
+<p:sld xmlns:a="http://schemas.openxmlformats.org/drawingml/2006/main" xmlns:r="http://schemas.openxmlformats.org/officeDocument/2006/relationships" xmlns:p="http://schemas.openxmlformats.org/presentationml/2006/main">
+  <p:cSld>
+    <p:spTree>
+      <p:nvGrpSpPr>
+        <p:cNvPr id="1" name=""/>
+        <p:cNvGrpSpPr/>
+        <p:nvPr/>
+      </p:nvGrpSpPr>
+      <p:grpSpPr>
+        <a:xfrm>
+          <a:off x="0" y="0"/>
+          <a:ext cx="0" cy="0"/>
+          <a:chOff x="0" y="0"/>
+          <a:chExt cx="0" cy="0"/>
+        </a:xfrm>
+      </p:grpSpPr>
+      <p:sp>
+        <p:nvSpPr>
+          <p:cNvPr id="5" name="TextBox 4"/>
+          <p:cNvSpPr txBox="1"/>
+          <p:nvPr/>
+        </p:nvSpPr>
+        <p:spPr>
+          <a:xfrm>
+            <a:off x="349993" y="245361"/>
+            <a:ext cx="5211908" cy="861774"/>
+          </a:xfrm>
+          <a:prstGeom prst="rect">
+            <a:avLst/>
+          </a:prstGeom>
+          <a:noFill/>
+        </p:spPr>
+        <p:txBody>
+          <a:bodyPr wrap="square" rtlCol="0">
+            <a:spAutoFit/>
+          </a:bodyPr>
+          <a:lstStyle/>
+          <a:p>
+            <a:r>
+              <a:rPr lang="en-US" sz="3200" dirty="0" smtClean="0">
+                <a:solidFill>
+                  <a:schemeClr val="tx2">
+                    <a:lumMod val="60000"/>
+                    <a:lumOff val="40000"/>
+                  </a:schemeClr>
+                </a:solidFill>
+              </a:rPr>
+              <a:t>Project Implementation</a:t>
+            </a:r>
+            <a:endParaRPr lang="en-US" sz="3200" dirty="0" smtClean="0">
+              <a:solidFill>
+                <a:schemeClr val="tx2">
+                  <a:lumMod val="60000"/>
+                  <a:lumOff val="40000"/>
+                </a:schemeClr>
+              </a:solidFill>
+            </a:endParaRPr>
+          </a:p>
+          <a:p>
+            <a:r>
+              <a:rPr lang="en-US" dirty="0" smtClean="0">
+                <a:solidFill>
+                  <a:srgbClr val="FF0000"/>
+                </a:solidFill>
+              </a:rPr>
+              <a:t>	</a:t>
+            </a:r>
+            <a:r>
+              <a:rPr lang="en-US" dirty="0" smtClean="0">
+                <a:solidFill>
+                  <a:srgbClr val="FF0000"/>
+                </a:solidFill>
+              </a:rPr>
+              <a:t> 	KIE Workbench Setup</a:t>
+            </a:r>
+            <a:endParaRPr lang="en-US" sz="2400" b="1" dirty="0">
+              <a:solidFill>
+                <a:srgbClr val="FF0000"/>
+              </a:solidFill>
+            </a:endParaRPr>
+          </a:p>
+        </p:txBody>
+      </p:sp>
+      <p:sp>
+        <p:nvSpPr>
+          <p:cNvPr id="2" name="Slide Number Placeholder 1"/>
+          <p:cNvSpPr>
+            <a:spLocks noGrp="1"/>
+          </p:cNvSpPr>
+          <p:nvPr>
+            <p:ph type="sldNum" sz="quarter" idx="12"/>
+          </p:nvPr>
+        </p:nvSpPr>
+        <p:spPr/>
+        <p:txBody>
+          <a:bodyPr/>
+          <a:lstStyle/>
+          <a:p>
+            <a:fld id="{D7EBF05A-3D21-489F-92E5-C2CA7463D2E0}" type="slidenum">
+              <a:rPr lang="en-SG" smtClean="0"/>
+              <a:t>21</a:t>
+            </a:fld>
+            <a:endParaRPr lang="en-SG"/>
+          </a:p>
+        </p:txBody>
+      </p:sp>
+      <p:pic>
+        <p:nvPicPr>
+          <p:cNvPr id="6" name="Picture 5">
+            <a:extLst>
+              <a:ext uri="{FF2B5EF4-FFF2-40B4-BE49-F238E27FC236}">
+                <a16:creationId xmlns:a16="http://schemas.microsoft.com/office/drawing/2014/main" id="{EE5582C7-507D-4178-A181-07B5000D7CEC}"/>
+              </a:ext>
+            </a:extLst>
+          </p:cNvPr>
+          <p:cNvPicPr>
+            <a:picLocks noChangeAspect="1"/>
+          </p:cNvPicPr>
+          <p:nvPr/>
+        </p:nvPicPr>
+        <p:blipFill>
+          <a:blip r:embed="rId2"/>
+          <a:stretch>
+            <a:fillRect/>
+          </a:stretch>
+        </p:blipFill>
+        <p:spPr>
+          <a:xfrm>
+            <a:off x="561823" y="1608630"/>
+            <a:ext cx="6030363" cy="5308846"/>
+          </a:xfrm>
+          <a:prstGeom prst="rect">
+            <a:avLst/>
+          </a:prstGeom>
+        </p:spPr>
+      </p:pic>
+      <p:sp>
+        <p:nvSpPr>
+          <p:cNvPr id="8" name="TextBox 7">
+            <a:extLst>
+              <a:ext uri="{FF2B5EF4-FFF2-40B4-BE49-F238E27FC236}">
+                <a16:creationId xmlns:a16="http://schemas.microsoft.com/office/drawing/2014/main" id="{7D73339B-9A75-43FD-9D66-081C465B4952}"/>
+              </a:ext>
+            </a:extLst>
+          </p:cNvPr>
+          <p:cNvSpPr txBox="1"/>
+          <p:nvPr/>
+        </p:nvSpPr>
+        <p:spPr>
+          <a:xfrm>
+            <a:off x="3741063" y="2992495"/>
+            <a:ext cx="2851123" cy="923330"/>
+          </a:xfrm>
+          <a:prstGeom prst="rect">
+            <a:avLst/>
+          </a:prstGeom>
+          <a:noFill/>
+        </p:spPr>
+        <p:txBody>
+          <a:bodyPr wrap="square" rtlCol="0">
+            <a:spAutoFit/>
+          </a:bodyPr>
+          <a:lstStyle/>
+          <a:p>
+            <a:r>
+              <a:rPr lang="en-MY" dirty="0" smtClean="0">
+                <a:solidFill>
+                  <a:srgbClr val="FF0000"/>
+                </a:solidFill>
+              </a:rPr>
+              <a:t>Result showing Late Acceptance Hill Climbing solving </a:t>
+            </a:r>
+            <a:r>
+              <a:rPr lang="en-MY" dirty="0">
+                <a:solidFill>
+                  <a:srgbClr val="FF0000"/>
+                </a:solidFill>
+              </a:rPr>
+              <a:t>the problem.</a:t>
+            </a:r>
+          </a:p>
+        </p:txBody>
+      </p:sp>
+    </p:spTree>
+    <p:extLst>
+      <p:ext uri="{BB962C8B-B14F-4D97-AF65-F5344CB8AC3E}">
+        <p14:creationId xmlns:p14="http://schemas.microsoft.com/office/powerpoint/2010/main" val="3736017413"/>
+      </p:ext>
+    </p:extLst>
+  </p:cSld>
+  <p:clrMapOvr>
+    <a:masterClrMapping/>
+  </p:clrMapOvr>
+</p:sld>
+</file>
+
+<file path=ppt/slides/slide22.xml><?xml version="1.0" encoding="utf-8"?>
+<p:sld xmlns:a="http://schemas.openxmlformats.org/drawingml/2006/main" xmlns:r="http://schemas.openxmlformats.org/officeDocument/2006/relationships" xmlns:p="http://schemas.openxmlformats.org/presentationml/2006/main">
+  <p:cSld>
+    <p:spTree>
+      <p:nvGrpSpPr>
+        <p:cNvPr id="1" name=""/>
+        <p:cNvGrpSpPr/>
+        <p:nvPr/>
+      </p:nvGrpSpPr>
+      <p:grpSpPr>
+        <a:xfrm>
+          <a:off x="0" y="0"/>
+          <a:ext cx="0" cy="0"/>
+          <a:chOff x="0" y="0"/>
+          <a:chExt cx="0" cy="0"/>
+        </a:xfrm>
+      </p:grpSpPr>
+      <p:sp>
+        <p:nvSpPr>
+          <p:cNvPr id="3" name="Content Placeholder 2">
+            <a:extLst>
+              <a:ext uri="{FF2B5EF4-FFF2-40B4-BE49-F238E27FC236}">
+                <a16:creationId xmlns:a16="http://schemas.microsoft.com/office/drawing/2014/main" id="{41102E4D-0674-49A1-9E3D-3CC6B87FB671}"/>
+              </a:ext>
+            </a:extLst>
+          </p:cNvPr>
+          <p:cNvSpPr>
+            <a:spLocks noGrp="1"/>
+          </p:cNvSpPr>
+          <p:nvPr>
+            <p:ph idx="1"/>
+          </p:nvPr>
+        </p:nvSpPr>
+        <p:spPr>
+          <a:xfrm>
+            <a:off x="623470" y="1645902"/>
+            <a:ext cx="5971192" cy="1223526"/>
+          </a:xfrm>
+        </p:spPr>
+        <p:txBody>
+          <a:bodyPr>
+            <a:noAutofit/>
+          </a:bodyPr>
+          <a:lstStyle/>
+          <a:p>
+            <a:pPr marL="0" indent="0">
+              <a:buNone/>
+            </a:pPr>
+            <a:r>
+              <a:rPr lang="en-US" sz="1200" dirty="0" smtClean="0"/>
+              <a:t>After the tests based on earlier design, we made some improvements as follows.</a:t>
+            </a:r>
+          </a:p>
+          <a:p>
+            <a:pPr marL="228600" indent="-228600">
+              <a:buAutoNum type="arabicParenR"/>
+            </a:pPr>
+            <a:r>
+              <a:rPr lang="en-US" sz="1200" dirty="0" smtClean="0"/>
+              <a:t>Migrate from KIE Workbench to Eclipse and incorporate the use of Java Maven libraries</a:t>
+            </a:r>
+          </a:p>
+          <a:p>
+            <a:pPr lvl="1"/>
+            <a:r>
+              <a:rPr lang="en-MY" sz="1200" dirty="0"/>
+              <a:t>On KIE environment, the memory process is intensive and the </a:t>
+            </a:r>
+            <a:r>
+              <a:rPr lang="en-MY" sz="1200" dirty="0" err="1"/>
+              <a:t>OtaPlanner</a:t>
+            </a:r>
+            <a:r>
+              <a:rPr lang="en-MY" sz="1200" dirty="0"/>
+              <a:t> is limited to several functions (cannot tune the late acceptance properties and </a:t>
+            </a:r>
+            <a:r>
+              <a:rPr lang="en-MY" sz="1200" dirty="0" err="1"/>
+              <a:t>etc</a:t>
+            </a:r>
+            <a:r>
+              <a:rPr lang="en-MY" sz="1200" dirty="0"/>
+              <a:t>).</a:t>
+            </a:r>
+          </a:p>
+          <a:p>
+            <a:pPr lvl="1"/>
+            <a:r>
+              <a:rPr lang="en-MY" sz="1200" dirty="0"/>
+              <a:t>Hence, using Java Maven libraries to enhance the model.</a:t>
+            </a:r>
+          </a:p>
+          <a:p>
+            <a:pPr marL="228600" indent="-228600">
+              <a:buAutoNum type="arabicParenR"/>
+            </a:pPr>
+            <a:endParaRPr lang="en-US" sz="1200" dirty="0" smtClean="0"/>
+          </a:p>
+          <a:p>
+            <a:pPr marL="228600" indent="-228600">
+              <a:buAutoNum type="arabicParenR"/>
+            </a:pPr>
+            <a:r>
+              <a:rPr lang="en-US" sz="1200" dirty="0" smtClean="0"/>
+              <a:t>Enhanced some of the Data Objects, resulting in the following Class Diagram</a:t>
+            </a:r>
+            <a:endParaRPr lang="en-US" sz="1200" dirty="0"/>
+          </a:p>
+          <a:p>
+            <a:pPr marL="0" indent="0">
+              <a:buNone/>
+            </a:pPr>
+            <a:endParaRPr lang="en-US" sz="1200" dirty="0"/>
+          </a:p>
+          <a:p>
+            <a:pPr marL="0" indent="0">
+              <a:buNone/>
+            </a:pPr>
+            <a:endParaRPr lang="en-US" sz="1200" dirty="0"/>
+          </a:p>
+          <a:p>
+            <a:pPr marL="0" indent="0">
+              <a:buNone/>
+            </a:pPr>
+            <a:r>
+              <a:rPr lang="en-US" sz="1200" dirty="0" smtClean="0"/>
+              <a:t>Subsequent test results are obtained based on this new structure.</a:t>
+            </a:r>
+            <a:endParaRPr lang="en-US" sz="1200" dirty="0"/>
+          </a:p>
+          <a:p>
+            <a:pPr marL="0" indent="0">
+              <a:buNone/>
+            </a:pPr>
+            <a:endParaRPr lang="en-US" sz="1200" dirty="0"/>
+          </a:p>
+          <a:p>
+            <a:pPr marL="0" indent="0">
+              <a:buNone/>
+            </a:pPr>
+            <a:endParaRPr lang="en-US" sz="1200" dirty="0"/>
+          </a:p>
+          <a:p>
+            <a:pPr marL="0" indent="0">
+              <a:buNone/>
+            </a:pPr>
+            <a:endParaRPr lang="en-US" sz="1200" dirty="0"/>
+          </a:p>
+          <a:p>
+            <a:pPr marL="0" indent="0">
+              <a:buNone/>
+            </a:pPr>
+            <a:endParaRPr lang="en-US" sz="1200" dirty="0"/>
+          </a:p>
+          <a:p>
+            <a:pPr marL="0" indent="0">
+              <a:buNone/>
+            </a:pPr>
+            <a:endParaRPr lang="en-US" sz="1200" dirty="0"/>
+          </a:p>
+          <a:p>
+            <a:pPr marL="0" indent="0">
+              <a:buNone/>
+            </a:pPr>
+            <a:endParaRPr lang="en-SG" sz="1200" dirty="0"/>
+          </a:p>
+        </p:txBody>
+      </p:sp>
+      <p:sp>
+        <p:nvSpPr>
+          <p:cNvPr id="13" name="TextBox 12"/>
+          <p:cNvSpPr txBox="1"/>
+          <p:nvPr/>
+        </p:nvSpPr>
+        <p:spPr>
+          <a:xfrm>
+            <a:off x="199795" y="337508"/>
+            <a:ext cx="6186163" cy="800219"/>
+          </a:xfrm>
+          <a:prstGeom prst="rect">
+            <a:avLst/>
+          </a:prstGeom>
+          <a:noFill/>
+        </p:spPr>
+        <p:txBody>
+          <a:bodyPr wrap="square" rtlCol="0">
+            <a:spAutoFit/>
+          </a:bodyPr>
+          <a:lstStyle/>
+          <a:p>
+            <a:pPr marL="0" marR="0" lvl="0" indent="0" algn="l" defTabSz="914400" rtl="0" eaLnBrk="1" fontAlgn="auto" latinLnBrk="0" hangingPunct="1">
+              <a:lnSpc>
+                <a:spcPct val="100000"/>
+              </a:lnSpc>
+              <a:spcBef>
+                <a:spcPts val="0"/>
+              </a:spcBef>
+              <a:spcAft>
+                <a:spcPts val="0"/>
+              </a:spcAft>
+              <a:buClrTx/>
+              <a:buSzTx/>
+              <a:buFontTx/>
+              <a:buNone/>
+              <a:tabLst/>
+              <a:defRPr/>
+            </a:pPr>
+            <a:r>
+              <a:rPr kumimoji="0" lang="en-US" sz="2800" b="0" i="0" u="none" strike="noStrike" kern="1200" cap="none" spc="0" normalizeH="0" baseline="0" noProof="0" dirty="0">
+                <a:ln>
+                  <a:noFill/>
+                </a:ln>
+                <a:solidFill>
+                  <a:srgbClr val="44546A">
+                    <a:lumMod val="60000"/>
+                    <a:lumOff val="40000"/>
+                  </a:srgbClr>
+                </a:solidFill>
+                <a:effectLst/>
+                <a:uLnTx/>
+                <a:uFillTx/>
+                <a:latin typeface="Calibri" panose="020F0502020204030204"/>
+                <a:ea typeface="+mn-ea"/>
+                <a:cs typeface="+mn-cs"/>
+              </a:rPr>
+              <a:t>Project Solution </a:t>
+            </a:r>
+          </a:p>
+          <a:p>
+            <a:pPr marL="0" marR="0" lvl="0" indent="0" algn="l" defTabSz="914400" rtl="0" eaLnBrk="1" fontAlgn="auto" latinLnBrk="0" hangingPunct="1">
+              <a:lnSpc>
+                <a:spcPct val="100000"/>
+              </a:lnSpc>
+              <a:spcBef>
+                <a:spcPts val="0"/>
+              </a:spcBef>
+              <a:spcAft>
+                <a:spcPts val="0"/>
+              </a:spcAft>
+              <a:buClrTx/>
+              <a:buSzTx/>
+              <a:buFontTx/>
+              <a:buNone/>
+              <a:tabLst/>
+              <a:defRPr/>
+            </a:pPr>
+            <a:r>
+              <a:rPr kumimoji="0" lang="en-US" sz="1800" b="0" i="0" u="none" strike="noStrike" kern="1200" cap="none" spc="0" normalizeH="0" baseline="0" noProof="0" dirty="0" smtClean="0">
+                <a:ln>
+                  <a:noFill/>
+                </a:ln>
+                <a:solidFill>
+                  <a:srgbClr val="FF0000"/>
+                </a:solidFill>
+                <a:effectLst/>
+                <a:uLnTx/>
+                <a:uFillTx/>
+                <a:latin typeface="Calibri" panose="020F0502020204030204"/>
+                <a:ea typeface="+mn-ea"/>
+                <a:cs typeface="+mn-cs"/>
+              </a:rPr>
+              <a:t>	</a:t>
+            </a:r>
+            <a:endParaRPr kumimoji="0" lang="en-US" sz="1800" b="0" i="0" u="none" strike="noStrike" kern="1200" cap="none" spc="0" normalizeH="0" baseline="0" noProof="0" dirty="0">
+              <a:ln>
+                <a:noFill/>
+              </a:ln>
+              <a:solidFill>
+                <a:srgbClr val="FF0000"/>
+              </a:solidFill>
+              <a:effectLst/>
+              <a:uLnTx/>
+              <a:uFillTx/>
+              <a:latin typeface="Calibri" panose="020F0502020204030204"/>
+              <a:ea typeface="+mn-ea"/>
+              <a:cs typeface="+mn-cs"/>
+            </a:endParaRPr>
+          </a:p>
+        </p:txBody>
+      </p:sp>
+      <p:sp>
+        <p:nvSpPr>
+          <p:cNvPr id="4" name="Slide Number Placeholder 3"/>
+          <p:cNvSpPr>
+            <a:spLocks noGrp="1"/>
+          </p:cNvSpPr>
+          <p:nvPr>
+            <p:ph type="sldNum" sz="quarter" idx="12"/>
+          </p:nvPr>
+        </p:nvSpPr>
+        <p:spPr/>
+        <p:txBody>
+          <a:bodyPr/>
+          <a:lstStyle/>
+          <a:p>
+            <a:pPr marL="0" marR="0" lvl="0" indent="0" algn="r" defTabSz="914400" rtl="0" eaLnBrk="1" fontAlgn="auto" latinLnBrk="0" hangingPunct="1">
+              <a:lnSpc>
+                <a:spcPct val="100000"/>
+              </a:lnSpc>
+              <a:spcBef>
+                <a:spcPts val="0"/>
+              </a:spcBef>
+              <a:spcAft>
+                <a:spcPts val="0"/>
+              </a:spcAft>
+              <a:buClrTx/>
+              <a:buSzTx/>
+              <a:buFontTx/>
+              <a:buNone/>
+              <a:tabLst/>
+              <a:defRPr/>
+            </a:pPr>
+            <a:fld id="{D7EBF05A-3D21-489F-92E5-C2CA7463D2E0}" type="slidenum">
+              <a:rPr kumimoji="0" lang="en-SG" sz="900" b="0" i="0" u="none" strike="noStrike" kern="1200" cap="none" spc="0" normalizeH="0" baseline="0" noProof="0" smtClean="0">
+                <a:ln>
+                  <a:noFill/>
+                </a:ln>
+                <a:solidFill>
+                  <a:prstClr val="black">
+                    <a:tint val="75000"/>
+                  </a:prstClr>
+                </a:solidFill>
+                <a:effectLst/>
+                <a:uLnTx/>
+                <a:uFillTx/>
+                <a:latin typeface="Calibri" panose="020F0502020204030204"/>
+                <a:ea typeface="+mn-ea"/>
+                <a:cs typeface="+mn-cs"/>
+              </a:rPr>
+              <a:pPr marL="0" marR="0" lvl="0" indent="0" algn="r" defTabSz="914400" rtl="0" eaLnBrk="1" fontAlgn="auto" latinLnBrk="0" hangingPunct="1">
+                <a:lnSpc>
+                  <a:spcPct val="100000"/>
+                </a:lnSpc>
+                <a:spcBef>
+                  <a:spcPts val="0"/>
+                </a:spcBef>
+                <a:spcAft>
+                  <a:spcPts val="0"/>
+                </a:spcAft>
+                <a:buClrTx/>
+                <a:buSzTx/>
+                <a:buFontTx/>
+                <a:buNone/>
+                <a:tabLst/>
+                <a:defRPr/>
+              </a:pPr>
+              <a:t>22</a:t>
+            </a:fld>
+            <a:endParaRPr kumimoji="0" lang="en-SG" sz="900" b="0" i="0" u="none" strike="noStrike" kern="1200" cap="none" spc="0" normalizeH="0" baseline="0" noProof="0">
+              <a:ln>
+                <a:noFill/>
+              </a:ln>
+              <a:solidFill>
+                <a:prstClr val="black">
+                  <a:tint val="75000"/>
+                </a:prstClr>
+              </a:solidFill>
+              <a:effectLst/>
+              <a:uLnTx/>
+              <a:uFillTx/>
+              <a:latin typeface="Calibri" panose="020F0502020204030204"/>
+              <a:ea typeface="+mn-ea"/>
+              <a:cs typeface="+mn-cs"/>
+            </a:endParaRPr>
+          </a:p>
+        </p:txBody>
+      </p:sp>
+      <p:sp>
+        <p:nvSpPr>
+          <p:cNvPr id="5" name="Rectangle 4"/>
+          <p:cNvSpPr/>
+          <p:nvPr/>
+        </p:nvSpPr>
+        <p:spPr>
+          <a:xfrm>
+            <a:off x="1821427" y="707981"/>
+            <a:ext cx="3338970" cy="461665"/>
+          </a:xfrm>
+          <a:prstGeom prst="rect">
+            <a:avLst/>
+          </a:prstGeom>
+        </p:spPr>
+        <p:txBody>
+          <a:bodyPr wrap="square">
+            <a:spAutoFit/>
+          </a:bodyPr>
+          <a:lstStyle/>
+          <a:p>
+            <a:pPr marL="0" marR="0" lvl="0" indent="0" algn="l" defTabSz="914400" rtl="0" eaLnBrk="1" fontAlgn="auto" latinLnBrk="0" hangingPunct="1">
+              <a:lnSpc>
+                <a:spcPct val="100000"/>
+              </a:lnSpc>
+              <a:spcBef>
+                <a:spcPts val="0"/>
+              </a:spcBef>
+              <a:spcAft>
+                <a:spcPts val="0"/>
+              </a:spcAft>
+              <a:buClrTx/>
+              <a:buSzTx/>
+              <a:buFontTx/>
+              <a:buNone/>
+              <a:tabLst/>
+              <a:defRPr/>
+            </a:pPr>
+            <a:r>
+              <a:rPr kumimoji="0" lang="en-US" sz="2400" b="1" i="0" u="none" strike="noStrike" kern="1200" cap="none" spc="0" normalizeH="0" baseline="0" noProof="0" dirty="0" smtClean="0">
+                <a:ln>
+                  <a:noFill/>
+                </a:ln>
+                <a:solidFill>
+                  <a:srgbClr val="FF0000"/>
+                </a:solidFill>
+                <a:effectLst/>
+                <a:uLnTx/>
+                <a:uFillTx/>
+                <a:latin typeface="Calibri" panose="020F0502020204030204"/>
+                <a:ea typeface="+mn-ea"/>
+                <a:cs typeface="+mn-cs"/>
+              </a:rPr>
+              <a:t>Design – Class Diagram</a:t>
+            </a:r>
+            <a:endParaRPr kumimoji="0" lang="en-US" sz="2400" b="1" i="0" u="none" strike="noStrike" kern="1200" cap="none" spc="0" normalizeH="0" baseline="0" noProof="0" dirty="0">
+              <a:ln>
+                <a:noFill/>
+              </a:ln>
+              <a:solidFill>
+                <a:srgbClr val="FF0000"/>
+              </a:solidFill>
+              <a:effectLst/>
+              <a:uLnTx/>
+              <a:uFillTx/>
+              <a:latin typeface="Calibri" panose="020F0502020204030204"/>
+              <a:ea typeface="+mn-ea"/>
+              <a:cs typeface="+mn-cs"/>
+            </a:endParaRPr>
+          </a:p>
+        </p:txBody>
+      </p:sp>
+      <p:pic>
+        <p:nvPicPr>
+          <p:cNvPr id="6" name="Picture 5"/>
+          <p:cNvPicPr>
+            <a:picLocks noChangeAspect="1"/>
+          </p:cNvPicPr>
+          <p:nvPr/>
+        </p:nvPicPr>
+        <p:blipFill>
+          <a:blip r:embed="rId2">
+            <a:extLst>
+              <a:ext uri="{28A0092B-C50C-407E-A947-70E740481C1C}">
+                <a14:useLocalDpi xmlns:a14="http://schemas.microsoft.com/office/drawing/2010/main" val="0"/>
+              </a:ext>
+            </a:extLst>
+          </a:blip>
+          <a:stretch>
+            <a:fillRect/>
+          </a:stretch>
+        </p:blipFill>
+        <p:spPr>
+          <a:xfrm>
+            <a:off x="387162" y="3718956"/>
+            <a:ext cx="6207500" cy="4612913"/>
+          </a:xfrm>
+          <a:prstGeom prst="rect">
+            <a:avLst/>
+          </a:prstGeom>
+        </p:spPr>
+      </p:pic>
+    </p:spTree>
+    <p:extLst>
+      <p:ext uri="{BB962C8B-B14F-4D97-AF65-F5344CB8AC3E}">
+        <p14:creationId xmlns:p14="http://schemas.microsoft.com/office/powerpoint/2010/main" val="3288323780"/>
+      </p:ext>
+    </p:extLst>
+  </p:cSld>
+  <p:clrMapOvr>
+    <a:masterClrMapping/>
+  </p:clrMapOvr>
+  <p:timing>
+    <p:tnLst>
+      <p:par>
+        <p:cTn id="1" dur="indefinite" restart="never" nodeType="tmRoot"/>
+      </p:par>
+    </p:tnLst>
+  </p:timing>
+</p:sld>
+</file>
+
+<file path=ppt/slides/slide23.xml><?xml version="1.0" encoding="utf-8"?>
+<p:sld xmlns:a="http://schemas.openxmlformats.org/drawingml/2006/main" xmlns:r="http://schemas.openxmlformats.org/officeDocument/2006/relationships" xmlns:p="http://schemas.openxmlformats.org/presentationml/2006/main">
+  <p:cSld>
+    <p:spTree>
+      <p:nvGrpSpPr>
+        <p:cNvPr id="1" name=""/>
+        <p:cNvGrpSpPr/>
+        <p:nvPr/>
+      </p:nvGrpSpPr>
+      <p:grpSpPr>
+        <a:xfrm>
+          <a:off x="0" y="0"/>
+          <a:ext cx="0" cy="0"/>
+          <a:chOff x="0" y="0"/>
+          <a:chExt cx="0" cy="0"/>
+        </a:xfrm>
+      </p:grpSpPr>
+      <p:sp>
+        <p:nvSpPr>
+          <p:cNvPr id="5" name="TextBox 4"/>
+          <p:cNvSpPr txBox="1"/>
+          <p:nvPr/>
+        </p:nvSpPr>
+        <p:spPr>
+          <a:xfrm>
+            <a:off x="349993" y="245361"/>
+            <a:ext cx="5211908" cy="861774"/>
+          </a:xfrm>
+          <a:prstGeom prst="rect">
+            <a:avLst/>
+          </a:prstGeom>
+          <a:noFill/>
+        </p:spPr>
+        <p:txBody>
+          <a:bodyPr wrap="square" rtlCol="0">
+            <a:spAutoFit/>
+          </a:bodyPr>
+          <a:lstStyle/>
+          <a:p>
+            <a:r>
+              <a:rPr lang="en-US" sz="3200" dirty="0" smtClean="0">
+                <a:solidFill>
+                  <a:schemeClr val="tx2">
+                    <a:lumMod val="60000"/>
+                    <a:lumOff val="40000"/>
+                  </a:schemeClr>
+                </a:solidFill>
+              </a:rPr>
+              <a:t>Project Implementation</a:t>
+            </a:r>
+            <a:endParaRPr lang="en-US" sz="3200" dirty="0" smtClean="0">
+              <a:solidFill>
+                <a:schemeClr val="tx2">
+                  <a:lumMod val="60000"/>
+                  <a:lumOff val="40000"/>
+                </a:schemeClr>
+              </a:solidFill>
+            </a:endParaRPr>
+          </a:p>
+          <a:p>
+            <a:r>
+              <a:rPr lang="en-US" dirty="0" smtClean="0">
+                <a:solidFill>
+                  <a:srgbClr val="FF0000"/>
+                </a:solidFill>
+              </a:rPr>
+              <a:t>	</a:t>
+            </a:r>
+            <a:r>
+              <a:rPr lang="en-US" dirty="0" smtClean="0">
+                <a:solidFill>
+                  <a:srgbClr val="FF0000"/>
+                </a:solidFill>
+              </a:rPr>
+              <a:t> 	KIE Workbench Setup</a:t>
+            </a:r>
+            <a:endParaRPr lang="en-US" sz="2400" b="1" dirty="0">
+              <a:solidFill>
+                <a:srgbClr val="FF0000"/>
+              </a:solidFill>
+            </a:endParaRPr>
+          </a:p>
+        </p:txBody>
+      </p:sp>
+      <p:sp>
+        <p:nvSpPr>
+          <p:cNvPr id="2" name="Slide Number Placeholder 1"/>
+          <p:cNvSpPr>
+            <a:spLocks noGrp="1"/>
+          </p:cNvSpPr>
+          <p:nvPr>
+            <p:ph type="sldNum" sz="quarter" idx="12"/>
+          </p:nvPr>
+        </p:nvSpPr>
+        <p:spPr/>
+        <p:txBody>
+          <a:bodyPr/>
+          <a:lstStyle/>
+          <a:p>
+            <a:fld id="{D7EBF05A-3D21-489F-92E5-C2CA7463D2E0}" type="slidenum">
+              <a:rPr lang="en-SG" smtClean="0"/>
+              <a:t>23</a:t>
+            </a:fld>
+            <a:endParaRPr lang="en-SG"/>
+          </a:p>
+        </p:txBody>
+      </p:sp>
+      <p:sp>
+        <p:nvSpPr>
+          <p:cNvPr id="7" name="Content Placeholder 2">
+            <a:extLst>
+              <a:ext uri="{FF2B5EF4-FFF2-40B4-BE49-F238E27FC236}">
+                <a16:creationId xmlns:a16="http://schemas.microsoft.com/office/drawing/2014/main" id="{D4B6491C-69C5-4770-88A0-17A0D00E7F72}"/>
+              </a:ext>
+            </a:extLst>
+          </p:cNvPr>
+          <p:cNvSpPr>
+            <a:spLocks noGrp="1"/>
+          </p:cNvSpPr>
+          <p:nvPr>
+            <p:ph idx="1"/>
+          </p:nvPr>
+        </p:nvSpPr>
+        <p:spPr>
+          <a:xfrm>
+            <a:off x="659219" y="1786269"/>
+            <a:ext cx="5539562" cy="2423669"/>
+          </a:xfrm>
+        </p:spPr>
+        <p:txBody>
+          <a:bodyPr>
+            <a:normAutofit/>
+          </a:bodyPr>
+          <a:lstStyle/>
+          <a:p>
+            <a:endParaRPr lang="en-MY" sz="1200" dirty="0"/>
+          </a:p>
+        </p:txBody>
+      </p:sp>
+    </p:spTree>
+    <p:extLst>
+      <p:ext uri="{BB962C8B-B14F-4D97-AF65-F5344CB8AC3E}">
+        <p14:creationId xmlns:p14="http://schemas.microsoft.com/office/powerpoint/2010/main" val="3845629942"/>
+      </p:ext>
+    </p:extLst>
+  </p:cSld>
+  <p:clrMapOvr>
+    <a:masterClrMapping/>
+  </p:clrMapOvr>
+</p:sld>
+</file>
+
+<file path=ppt/slides/slide24.xml><?xml version="1.0" encoding="utf-8"?>
+<p:sld xmlns:a="http://schemas.openxmlformats.org/drawingml/2006/main" xmlns:r="http://schemas.openxmlformats.org/officeDocument/2006/relationships" xmlns:p="http://schemas.openxmlformats.org/presentationml/2006/main">
+  <p:cSld>
+    <p:spTree>
+      <p:nvGrpSpPr>
+        <p:cNvPr id="1" name=""/>
+        <p:cNvGrpSpPr/>
+        <p:nvPr/>
+      </p:nvGrpSpPr>
+      <p:grpSpPr>
+        <a:xfrm>
+          <a:off x="0" y="0"/>
+          <a:ext cx="0" cy="0"/>
+          <a:chOff x="0" y="0"/>
+          <a:chExt cx="0" cy="0"/>
+        </a:xfrm>
+      </p:grpSpPr>
+      <p:sp>
+        <p:nvSpPr>
+          <p:cNvPr id="3" name="Content Placeholder 2">
+            <a:extLst>
+              <a:ext uri="{FF2B5EF4-FFF2-40B4-BE49-F238E27FC236}">
+                <a16:creationId xmlns:a16="http://schemas.microsoft.com/office/drawing/2014/main" id="{41102E4D-0674-49A1-9E3D-3CC6B87FB671}"/>
+              </a:ext>
+            </a:extLst>
+          </p:cNvPr>
+          <p:cNvSpPr>
+            <a:spLocks noGrp="1"/>
+          </p:cNvSpPr>
+          <p:nvPr>
+            <p:ph idx="1"/>
+          </p:nvPr>
+        </p:nvSpPr>
+        <p:spPr>
+          <a:xfrm>
+            <a:off x="444500" y="1466701"/>
+            <a:ext cx="5842000" cy="1953965"/>
+          </a:xfrm>
+        </p:spPr>
+        <p:txBody>
+          <a:bodyPr>
+            <a:normAutofit/>
+          </a:bodyPr>
+          <a:lstStyle/>
+          <a:p>
+            <a:pPr marL="0" indent="0">
+              <a:buNone/>
+            </a:pPr>
+            <a:r>
+              <a:rPr lang="en-US" sz="1600" dirty="0" smtClean="0"/>
+              <a:t>UUU</a:t>
+            </a:r>
+            <a:endParaRPr lang="en-US" sz="1600" dirty="0"/>
+          </a:p>
+          <a:p>
+            <a:pPr marL="0" indent="0">
+              <a:buNone/>
+            </a:pPr>
+            <a:endParaRPr lang="en-US" sz="1600" dirty="0"/>
+          </a:p>
+          <a:p>
+            <a:pPr marL="0" indent="0">
+              <a:buNone/>
+            </a:pPr>
+            <a:endParaRPr lang="en-US" sz="1600" dirty="0"/>
+          </a:p>
+          <a:p>
+            <a:pPr marL="0" indent="0">
+              <a:buNone/>
+            </a:pPr>
+            <a:endParaRPr lang="en-US" sz="1600" dirty="0"/>
+          </a:p>
+          <a:p>
+            <a:pPr marL="0" indent="0">
+              <a:buNone/>
+            </a:pPr>
+            <a:endParaRPr lang="en-US" sz="1600" dirty="0"/>
+          </a:p>
+          <a:p>
+            <a:pPr marL="0" indent="0">
+              <a:buNone/>
+            </a:pPr>
+            <a:endParaRPr lang="en-US" sz="1600" dirty="0"/>
+          </a:p>
+          <a:p>
+            <a:pPr marL="0" indent="0">
+              <a:buNone/>
+            </a:pPr>
+            <a:endParaRPr lang="en-US" sz="1600" dirty="0"/>
+          </a:p>
+          <a:p>
+            <a:pPr marL="0" indent="0">
+              <a:buNone/>
+            </a:pPr>
+            <a:endParaRPr lang="en-US" sz="1600" dirty="0"/>
+          </a:p>
+          <a:p>
+            <a:pPr marL="0" indent="0">
+              <a:buNone/>
+            </a:pPr>
+            <a:endParaRPr lang="en-US" sz="1600" dirty="0"/>
+          </a:p>
+          <a:p>
+            <a:pPr marL="0" indent="0">
+              <a:buNone/>
+            </a:pPr>
+            <a:endParaRPr lang="en-US" sz="1600" dirty="0"/>
+          </a:p>
+          <a:p>
+            <a:pPr marL="0" indent="0">
+              <a:buNone/>
+            </a:pPr>
+            <a:endParaRPr lang="en-SG" sz="1600" dirty="0"/>
+          </a:p>
+        </p:txBody>
+      </p:sp>
+      <p:sp>
+        <p:nvSpPr>
+          <p:cNvPr id="8" name="TextBox 7"/>
+          <p:cNvSpPr txBox="1"/>
+          <p:nvPr/>
+        </p:nvSpPr>
+        <p:spPr>
+          <a:xfrm>
+            <a:off x="199795" y="337508"/>
+            <a:ext cx="6186163" cy="584775"/>
+          </a:xfrm>
+          <a:prstGeom prst="rect">
+            <a:avLst/>
+          </a:prstGeom>
+          <a:noFill/>
+        </p:spPr>
+        <p:txBody>
+          <a:bodyPr wrap="square" rtlCol="0">
+            <a:spAutoFit/>
+          </a:bodyPr>
+          <a:lstStyle/>
+          <a:p>
+            <a:r>
+              <a:rPr lang="en-US" sz="3200" dirty="0" smtClean="0">
+                <a:solidFill>
+                  <a:schemeClr val="tx2">
+                    <a:lumMod val="60000"/>
+                    <a:lumOff val="40000"/>
+                  </a:schemeClr>
+                </a:solidFill>
+              </a:rPr>
+              <a:t>Solution Design</a:t>
+            </a:r>
+            <a:endParaRPr lang="en-US" sz="3200" dirty="0">
+              <a:solidFill>
+                <a:schemeClr val="tx2">
+                  <a:lumMod val="60000"/>
+                  <a:lumOff val="40000"/>
+                </a:schemeClr>
+              </a:solidFill>
+            </a:endParaRPr>
+          </a:p>
+        </p:txBody>
+      </p:sp>
+      <p:sp>
+        <p:nvSpPr>
+          <p:cNvPr id="2" name="Slide Number Placeholder 1"/>
+          <p:cNvSpPr>
+            <a:spLocks noGrp="1"/>
+          </p:cNvSpPr>
+          <p:nvPr>
+            <p:ph type="sldNum" sz="quarter" idx="12"/>
+          </p:nvPr>
+        </p:nvSpPr>
+        <p:spPr/>
+        <p:txBody>
+          <a:bodyPr/>
+          <a:lstStyle/>
+          <a:p>
+            <a:fld id="{D7EBF05A-3D21-489F-92E5-C2CA7463D2E0}" type="slidenum">
+              <a:rPr lang="en-SG" smtClean="0"/>
+              <a:t>24</a:t>
+            </a:fld>
+            <a:endParaRPr lang="en-SG"/>
+          </a:p>
+        </p:txBody>
+      </p:sp>
+    </p:spTree>
+    <p:extLst>
+      <p:ext uri="{BB962C8B-B14F-4D97-AF65-F5344CB8AC3E}">
+        <p14:creationId xmlns:p14="http://schemas.microsoft.com/office/powerpoint/2010/main" val="318687978"/>
+      </p:ext>
+    </p:extLst>
+  </p:cSld>
+  <p:clrMapOvr>
+    <a:masterClrMapping/>
+  </p:clrMapOvr>
+</p:sld>
+</file>
+
+<file path=ppt/slides/slide25.xml><?xml version="1.0" encoding="utf-8"?>
+<p:sld xmlns:a="http://schemas.openxmlformats.org/drawingml/2006/main" xmlns:r="http://schemas.openxmlformats.org/officeDocument/2006/relationships" xmlns:p="http://schemas.openxmlformats.org/presentationml/2006/main">
+  <p:cSld>
+    <p:spTree>
+      <p:nvGrpSpPr>
+        <p:cNvPr id="1" name=""/>
+        <p:cNvGrpSpPr/>
+        <p:nvPr/>
+      </p:nvGrpSpPr>
+      <p:grpSpPr>
+        <a:xfrm>
+          <a:off x="0" y="0"/>
+          <a:ext cx="0" cy="0"/>
+          <a:chOff x="0" y="0"/>
+          <a:chExt cx="0" cy="0"/>
+        </a:xfrm>
+      </p:grpSpPr>
+      <p:sp>
+        <p:nvSpPr>
+          <p:cNvPr id="5" name="TextBox 4"/>
+          <p:cNvSpPr txBox="1"/>
+          <p:nvPr/>
+        </p:nvSpPr>
+        <p:spPr>
+          <a:xfrm>
+            <a:off x="349993" y="245361"/>
+            <a:ext cx="5785764" cy="584775"/>
+          </a:xfrm>
+          <a:prstGeom prst="rect">
+            <a:avLst/>
+          </a:prstGeom>
+          <a:noFill/>
+        </p:spPr>
+        <p:txBody>
+          <a:bodyPr wrap="square" rtlCol="0">
+            <a:spAutoFit/>
+          </a:bodyPr>
+          <a:lstStyle/>
+          <a:p>
+            <a:r>
+              <a:rPr lang="en-US" sz="3200" dirty="0" smtClean="0">
+                <a:solidFill>
+                  <a:schemeClr val="tx2">
+                    <a:lumMod val="60000"/>
+                    <a:lumOff val="40000"/>
+                  </a:schemeClr>
+                </a:solidFill>
+              </a:rPr>
+              <a:t>Solution Design</a:t>
+            </a:r>
+            <a:endParaRPr lang="en-US" sz="2400" b="1" dirty="0">
+              <a:solidFill>
+                <a:srgbClr val="FF0000"/>
+              </a:solidFill>
+            </a:endParaRPr>
+          </a:p>
+        </p:txBody>
+      </p:sp>
+      <p:sp>
+        <p:nvSpPr>
+          <p:cNvPr id="2" name="Slide Number Placeholder 1"/>
+          <p:cNvSpPr>
+            <a:spLocks noGrp="1"/>
+          </p:cNvSpPr>
+          <p:nvPr>
+            <p:ph type="sldNum" sz="quarter" idx="12"/>
+          </p:nvPr>
+        </p:nvSpPr>
+        <p:spPr/>
+        <p:txBody>
+          <a:bodyPr/>
+          <a:lstStyle/>
+          <a:p>
+            <a:fld id="{D7EBF05A-3D21-489F-92E5-C2CA7463D2E0}" type="slidenum">
+              <a:rPr lang="en-SG" smtClean="0"/>
+              <a:t>25</a:t>
+            </a:fld>
+            <a:endParaRPr lang="en-SG"/>
+          </a:p>
+        </p:txBody>
+      </p:sp>
+    </p:spTree>
+    <p:extLst>
+      <p:ext uri="{BB962C8B-B14F-4D97-AF65-F5344CB8AC3E}">
+        <p14:creationId xmlns:p14="http://schemas.microsoft.com/office/powerpoint/2010/main" val="2334557783"/>
+      </p:ext>
+    </p:extLst>
+  </p:cSld>
+  <p:clrMapOvr>
+    <a:masterClrMapping/>
+  </p:clrMapOvr>
+</p:sld>
+</file>
+
+<file path=ppt/slides/slide26.xml><?xml version="1.0" encoding="utf-8"?>
+<p:sld xmlns:a="http://schemas.openxmlformats.org/drawingml/2006/main" xmlns:r="http://schemas.openxmlformats.org/officeDocument/2006/relationships" xmlns:p="http://schemas.openxmlformats.org/presentationml/2006/main">
+  <p:cSld>
+    <p:spTree>
+      <p:nvGrpSpPr>
+        <p:cNvPr id="1" name=""/>
+        <p:cNvGrpSpPr/>
+        <p:nvPr/>
+      </p:nvGrpSpPr>
+      <p:grpSpPr>
+        <a:xfrm>
+          <a:off x="0" y="0"/>
+          <a:ext cx="0" cy="0"/>
+          <a:chOff x="0" y="0"/>
+          <a:chExt cx="0" cy="0"/>
+        </a:xfrm>
+      </p:grpSpPr>
+      <p:sp>
+        <p:nvSpPr>
+          <p:cNvPr id="5" name="TextBox 4"/>
+          <p:cNvSpPr txBox="1"/>
+          <p:nvPr/>
+        </p:nvSpPr>
+        <p:spPr>
+          <a:xfrm>
+            <a:off x="349993" y="245361"/>
+            <a:ext cx="5570358" cy="861774"/>
+          </a:xfrm>
+          <a:prstGeom prst="rect">
+            <a:avLst/>
+          </a:prstGeom>
+          <a:noFill/>
+        </p:spPr>
+        <p:txBody>
+          <a:bodyPr wrap="square" rtlCol="0">
+            <a:spAutoFit/>
+          </a:bodyPr>
+          <a:lstStyle/>
+          <a:p>
+            <a:r>
+              <a:rPr lang="en-US" sz="3200" dirty="0" smtClean="0">
+                <a:solidFill>
+                  <a:schemeClr val="tx2">
+                    <a:lumMod val="60000"/>
+                    <a:lumOff val="40000"/>
+                  </a:schemeClr>
+                </a:solidFill>
+              </a:rPr>
+              <a:t>Project Implementation</a:t>
+            </a:r>
+          </a:p>
+          <a:p>
+            <a:r>
+              <a:rPr lang="en-US" dirty="0" smtClean="0">
+                <a:solidFill>
+                  <a:srgbClr val="FF0000"/>
+                </a:solidFill>
+              </a:rPr>
+              <a:t>		Data Setup</a:t>
+            </a:r>
+            <a:endParaRPr lang="en-US" dirty="0">
+              <a:solidFill>
+                <a:srgbClr val="FF0000"/>
+              </a:solidFill>
+            </a:endParaRPr>
+          </a:p>
+        </p:txBody>
+      </p:sp>
+      <p:sp>
+        <p:nvSpPr>
+          <p:cNvPr id="2" name="Slide Number Placeholder 1"/>
+          <p:cNvSpPr>
+            <a:spLocks noGrp="1"/>
+          </p:cNvSpPr>
+          <p:nvPr>
+            <p:ph type="sldNum" sz="quarter" idx="12"/>
+          </p:nvPr>
+        </p:nvSpPr>
+        <p:spPr/>
+        <p:txBody>
+          <a:bodyPr/>
+          <a:lstStyle/>
+          <a:p>
+            <a:fld id="{D7EBF05A-3D21-489F-92E5-C2CA7463D2E0}" type="slidenum">
+              <a:rPr lang="en-SG" smtClean="0"/>
+              <a:t>26</a:t>
+            </a:fld>
+            <a:endParaRPr lang="en-SG"/>
+          </a:p>
+        </p:txBody>
+      </p:sp>
+    </p:spTree>
+    <p:extLst>
+      <p:ext uri="{BB962C8B-B14F-4D97-AF65-F5344CB8AC3E}">
+        <p14:creationId xmlns:p14="http://schemas.microsoft.com/office/powerpoint/2010/main" val="3139747090"/>
+      </p:ext>
+    </p:extLst>
+  </p:cSld>
+  <p:clrMapOvr>
+    <a:masterClrMapping/>
+  </p:clrMapOvr>
+</p:sld>
+</file>
+
+<file path=ppt/slides/slide27.xml><?xml version="1.0" encoding="utf-8"?>
+<p:sld xmlns:a="http://schemas.openxmlformats.org/drawingml/2006/main" xmlns:r="http://schemas.openxmlformats.org/officeDocument/2006/relationships" xmlns:p="http://schemas.openxmlformats.org/presentationml/2006/main">
+  <p:cSld>
+    <p:spTree>
+      <p:nvGrpSpPr>
+        <p:cNvPr id="1" name=""/>
+        <p:cNvGrpSpPr/>
+        <p:nvPr/>
+      </p:nvGrpSpPr>
+      <p:grpSpPr>
+        <a:xfrm>
+          <a:off x="0" y="0"/>
+          <a:ext cx="0" cy="0"/>
+          <a:chOff x="0" y="0"/>
+          <a:chExt cx="0" cy="0"/>
+        </a:xfrm>
+      </p:grpSpPr>
+      <p:sp>
+        <p:nvSpPr>
+          <p:cNvPr id="6" name="Content Placeholder 2">
+            <a:extLst>
+              <a:ext uri="{FF2B5EF4-FFF2-40B4-BE49-F238E27FC236}">
+                <a16:creationId xmlns:a16="http://schemas.microsoft.com/office/drawing/2014/main" id="{88270A78-43F7-48BF-BFC5-689869C250AD}"/>
+              </a:ext>
+            </a:extLst>
+          </p:cNvPr>
+          <p:cNvSpPr>
+            <a:spLocks noGrp="1"/>
+          </p:cNvSpPr>
+          <p:nvPr>
+            <p:ph idx="1"/>
+          </p:nvPr>
+        </p:nvSpPr>
+        <p:spPr>
+          <a:xfrm>
+            <a:off x="416025" y="1524000"/>
+            <a:ext cx="5950692" cy="2067859"/>
+          </a:xfrm>
+        </p:spPr>
+        <p:txBody>
+          <a:bodyPr>
+            <a:normAutofit/>
+          </a:bodyPr>
+          <a:lstStyle/>
+          <a:p>
+            <a:pPr marL="0" indent="0">
+              <a:buNone/>
+            </a:pPr>
+            <a:r>
+              <a:rPr lang="en-US" sz="1600" dirty="0" smtClean="0"/>
+              <a:t>TTT</a:t>
+            </a:r>
+            <a:endParaRPr lang="en-MY" sz="1600" dirty="0"/>
+          </a:p>
+          <a:p>
+            <a:pPr marL="0" indent="0">
+              <a:buNone/>
+            </a:pPr>
+            <a:endParaRPr lang="en-US" sz="1600" dirty="0"/>
+          </a:p>
+        </p:txBody>
+      </p:sp>
+      <p:sp>
+        <p:nvSpPr>
+          <p:cNvPr id="8" name="TextBox 7"/>
+          <p:cNvSpPr txBox="1"/>
+          <p:nvPr/>
+        </p:nvSpPr>
+        <p:spPr>
+          <a:xfrm>
+            <a:off x="349993" y="245361"/>
+            <a:ext cx="5570358" cy="861774"/>
+          </a:xfrm>
+          <a:prstGeom prst="rect">
+            <a:avLst/>
+          </a:prstGeom>
+          <a:noFill/>
+        </p:spPr>
+        <p:txBody>
+          <a:bodyPr wrap="square" rtlCol="0">
+            <a:spAutoFit/>
+          </a:bodyPr>
+          <a:lstStyle/>
+          <a:p>
+            <a:r>
+              <a:rPr lang="en-US" sz="3200" dirty="0" smtClean="0">
+                <a:solidFill>
+                  <a:schemeClr val="tx2">
+                    <a:lumMod val="60000"/>
+                    <a:lumOff val="40000"/>
+                  </a:schemeClr>
+                </a:solidFill>
+              </a:rPr>
+              <a:t>Project Implementation</a:t>
+            </a:r>
+          </a:p>
+          <a:p>
+            <a:r>
+              <a:rPr lang="en-US" dirty="0" smtClean="0">
+                <a:solidFill>
+                  <a:srgbClr val="FF0000"/>
+                </a:solidFill>
+              </a:rPr>
+              <a:t>		</a:t>
+            </a:r>
+            <a:endParaRPr lang="en-US" dirty="0">
+              <a:solidFill>
+                <a:srgbClr val="FF0000"/>
+              </a:solidFill>
+            </a:endParaRPr>
+          </a:p>
+        </p:txBody>
+      </p:sp>
+      <p:sp>
+        <p:nvSpPr>
+          <p:cNvPr id="2" name="Slide Number Placeholder 1"/>
+          <p:cNvSpPr>
+            <a:spLocks noGrp="1"/>
+          </p:cNvSpPr>
+          <p:nvPr>
+            <p:ph type="sldNum" sz="quarter" idx="12"/>
+          </p:nvPr>
+        </p:nvSpPr>
+        <p:spPr/>
+        <p:txBody>
+          <a:bodyPr/>
+          <a:lstStyle/>
+          <a:p>
+            <a:fld id="{D7EBF05A-3D21-489F-92E5-C2CA7463D2E0}" type="slidenum">
+              <a:rPr lang="en-SG" smtClean="0"/>
+              <a:t>27</a:t>
+            </a:fld>
+            <a:endParaRPr lang="en-SG"/>
+          </a:p>
+        </p:txBody>
+      </p:sp>
+    </p:spTree>
+    <p:extLst>
+      <p:ext uri="{BB962C8B-B14F-4D97-AF65-F5344CB8AC3E}">
+        <p14:creationId xmlns:p14="http://schemas.microsoft.com/office/powerpoint/2010/main" val="1026361357"/>
+      </p:ext>
+    </p:extLst>
+  </p:cSld>
+  <p:clrMapOvr>
+    <a:masterClrMapping/>
+  </p:clrMapOvr>
+</p:sld>
+</file>
+
+<file path=ppt/slides/slide28.xml><?xml version="1.0" encoding="utf-8"?>
+<p:sld xmlns:a="http://schemas.openxmlformats.org/drawingml/2006/main" xmlns:r="http://schemas.openxmlformats.org/officeDocument/2006/relationships" xmlns:p="http://schemas.openxmlformats.org/presentationml/2006/main">
+  <p:cSld>
+    <p:spTree>
+      <p:nvGrpSpPr>
+        <p:cNvPr id="1" name=""/>
+        <p:cNvGrpSpPr/>
+        <p:nvPr/>
+      </p:nvGrpSpPr>
+      <p:grpSpPr>
+        <a:xfrm>
+          <a:off x="0" y="0"/>
+          <a:ext cx="0" cy="0"/>
+          <a:chOff x="0" y="0"/>
+          <a:chExt cx="0" cy="0"/>
+        </a:xfrm>
+      </p:grpSpPr>
+      <p:sp>
+        <p:nvSpPr>
+          <p:cNvPr id="4" name="Content Placeholder 2">
+            <a:extLst>
+              <a:ext uri="{FF2B5EF4-FFF2-40B4-BE49-F238E27FC236}">
+                <a16:creationId xmlns:a16="http://schemas.microsoft.com/office/drawing/2014/main" id="{88270A78-43F7-48BF-BFC5-689869C250AD}"/>
+              </a:ext>
+            </a:extLst>
+          </p:cNvPr>
+          <p:cNvSpPr>
+            <a:spLocks noGrp="1"/>
+          </p:cNvSpPr>
+          <p:nvPr>
+            <p:ph idx="1"/>
+          </p:nvPr>
+        </p:nvSpPr>
+        <p:spPr>
+          <a:xfrm>
+            <a:off x="546099" y="1524001"/>
+            <a:ext cx="6066677" cy="1917699"/>
+          </a:xfrm>
+        </p:spPr>
+        <p:txBody>
+          <a:bodyPr>
+            <a:normAutofit/>
+          </a:bodyPr>
+          <a:lstStyle/>
+          <a:p>
+            <a:pPr marL="0" indent="0">
+              <a:buNone/>
+            </a:pPr>
+            <a:r>
+              <a:rPr lang="en-US" sz="1600" dirty="0" smtClean="0"/>
+              <a:t>OOO</a:t>
+            </a:r>
+            <a:endParaRPr lang="en-US" sz="1600" dirty="0"/>
+          </a:p>
+          <a:p>
+            <a:pPr marL="0" indent="0">
+              <a:buNone/>
+            </a:pPr>
+            <a:endParaRPr lang="en-US" sz="1600" dirty="0"/>
+          </a:p>
+        </p:txBody>
+      </p:sp>
+      <p:sp>
+        <p:nvSpPr>
+          <p:cNvPr id="7" name="TextBox 6"/>
+          <p:cNvSpPr txBox="1"/>
+          <p:nvPr/>
+        </p:nvSpPr>
+        <p:spPr>
+          <a:xfrm>
+            <a:off x="349993" y="245361"/>
+            <a:ext cx="5570358" cy="861774"/>
+          </a:xfrm>
+          <a:prstGeom prst="rect">
+            <a:avLst/>
+          </a:prstGeom>
+          <a:noFill/>
+        </p:spPr>
+        <p:txBody>
+          <a:bodyPr wrap="square" rtlCol="0">
+            <a:spAutoFit/>
+          </a:bodyPr>
+          <a:lstStyle/>
+          <a:p>
+            <a:r>
+              <a:rPr lang="en-US" sz="3200" dirty="0" smtClean="0">
+                <a:solidFill>
+                  <a:schemeClr val="tx2">
+                    <a:lumMod val="60000"/>
+                    <a:lumOff val="40000"/>
+                  </a:schemeClr>
+                </a:solidFill>
+              </a:rPr>
+              <a:t>Project Implementation</a:t>
+            </a:r>
+          </a:p>
+          <a:p>
+            <a:r>
+              <a:rPr lang="en-US" dirty="0" smtClean="0">
+                <a:solidFill>
+                  <a:srgbClr val="FF0000"/>
+                </a:solidFill>
+              </a:rPr>
+              <a:t>		</a:t>
+            </a:r>
+            <a:endParaRPr lang="en-US" dirty="0">
+              <a:solidFill>
+                <a:srgbClr val="FF0000"/>
+              </a:solidFill>
+            </a:endParaRPr>
+          </a:p>
+        </p:txBody>
+      </p:sp>
+      <p:sp>
+        <p:nvSpPr>
+          <p:cNvPr id="2" name="Slide Number Placeholder 1"/>
+          <p:cNvSpPr>
+            <a:spLocks noGrp="1"/>
+          </p:cNvSpPr>
+          <p:nvPr>
+            <p:ph type="sldNum" sz="quarter" idx="12"/>
+          </p:nvPr>
+        </p:nvSpPr>
+        <p:spPr/>
+        <p:txBody>
+          <a:bodyPr/>
+          <a:lstStyle/>
+          <a:p>
+            <a:fld id="{D7EBF05A-3D21-489F-92E5-C2CA7463D2E0}" type="slidenum">
+              <a:rPr lang="en-SG" smtClean="0"/>
+              <a:t>28</a:t>
+            </a:fld>
+            <a:endParaRPr lang="en-SG"/>
+          </a:p>
+        </p:txBody>
+      </p:sp>
+    </p:spTree>
+    <p:extLst>
+      <p:ext uri="{BB962C8B-B14F-4D97-AF65-F5344CB8AC3E}">
+        <p14:creationId xmlns:p14="http://schemas.microsoft.com/office/powerpoint/2010/main" val="172726505"/>
+      </p:ext>
+    </p:extLst>
+  </p:cSld>
+  <p:clrMapOvr>
+    <a:masterClrMapping/>
+  </p:clrMapOvr>
+</p:sld>
+</file>
+
+<file path=ppt/slides/slide29.xml><?xml version="1.0" encoding="utf-8"?>
+<p:sld xmlns:a="http://schemas.openxmlformats.org/drawingml/2006/main" xmlns:r="http://schemas.openxmlformats.org/officeDocument/2006/relationships" xmlns:p="http://schemas.openxmlformats.org/presentationml/2006/main">
+  <p:cSld>
+    <p:spTree>
+      <p:nvGrpSpPr>
+        <p:cNvPr id="1" name=""/>
+        <p:cNvGrpSpPr/>
+        <p:nvPr/>
+      </p:nvGrpSpPr>
+      <p:grpSpPr>
+        <a:xfrm>
+          <a:off x="0" y="0"/>
+          <a:ext cx="0" cy="0"/>
+          <a:chOff x="0" y="0"/>
+          <a:chExt cx="0" cy="0"/>
+        </a:xfrm>
+      </p:grpSpPr>
+      <p:sp>
+        <p:nvSpPr>
+          <p:cNvPr id="4" name="Content Placeholder 2">
+            <a:extLst>
+              <a:ext uri="{FF2B5EF4-FFF2-40B4-BE49-F238E27FC236}">
+                <a16:creationId xmlns:a16="http://schemas.microsoft.com/office/drawing/2014/main" id="{88270A78-43F7-48BF-BFC5-689869C250AD}"/>
+              </a:ext>
+            </a:extLst>
+          </p:cNvPr>
+          <p:cNvSpPr>
+            <a:spLocks noGrp="1"/>
+          </p:cNvSpPr>
+          <p:nvPr>
+            <p:ph idx="1"/>
+          </p:nvPr>
+        </p:nvSpPr>
+        <p:spPr>
+          <a:xfrm>
+            <a:off x="410990" y="1445696"/>
+            <a:ext cx="5380210" cy="3200399"/>
+          </a:xfrm>
+        </p:spPr>
+        <p:txBody>
+          <a:bodyPr>
+            <a:normAutofit/>
+          </a:bodyPr>
+          <a:lstStyle/>
+          <a:p>
+            <a:pPr marL="0" indent="0">
+              <a:buNone/>
+            </a:pPr>
+            <a:r>
+              <a:rPr lang="en-US" sz="1600" dirty="0" smtClean="0"/>
+              <a:t>III</a:t>
+            </a:r>
+            <a:endParaRPr lang="en-US" sz="1600" dirty="0"/>
+          </a:p>
+          <a:p>
+            <a:pPr marL="0" indent="0">
+              <a:buNone/>
+            </a:pPr>
+            <a:endParaRPr lang="en-US" sz="1600" dirty="0"/>
+          </a:p>
+        </p:txBody>
+      </p:sp>
+      <p:sp>
+        <p:nvSpPr>
+          <p:cNvPr id="8" name="TextBox 7"/>
+          <p:cNvSpPr txBox="1"/>
+          <p:nvPr/>
+        </p:nvSpPr>
+        <p:spPr>
+          <a:xfrm>
+            <a:off x="349993" y="245361"/>
+            <a:ext cx="5570358" cy="861774"/>
+          </a:xfrm>
+          <a:prstGeom prst="rect">
+            <a:avLst/>
+          </a:prstGeom>
+          <a:noFill/>
+        </p:spPr>
+        <p:txBody>
+          <a:bodyPr wrap="square" rtlCol="0">
+            <a:spAutoFit/>
+          </a:bodyPr>
+          <a:lstStyle/>
+          <a:p>
+            <a:r>
+              <a:rPr lang="en-US" sz="3200" dirty="0" smtClean="0">
+                <a:solidFill>
+                  <a:schemeClr val="tx2">
+                    <a:lumMod val="60000"/>
+                    <a:lumOff val="40000"/>
+                  </a:schemeClr>
+                </a:solidFill>
+              </a:rPr>
+              <a:t>Project Implementation</a:t>
+            </a:r>
+          </a:p>
+          <a:p>
+            <a:r>
+              <a:rPr lang="en-US" dirty="0" smtClean="0">
+                <a:solidFill>
+                  <a:srgbClr val="FF0000"/>
+                </a:solidFill>
+              </a:rPr>
+              <a:t>		</a:t>
+            </a:r>
+            <a:endParaRPr lang="en-US" dirty="0">
+              <a:solidFill>
+                <a:srgbClr val="FF0000"/>
+              </a:solidFill>
+            </a:endParaRPr>
+          </a:p>
+        </p:txBody>
+      </p:sp>
+      <p:sp>
+        <p:nvSpPr>
+          <p:cNvPr id="2" name="Slide Number Placeholder 1"/>
+          <p:cNvSpPr>
+            <a:spLocks noGrp="1"/>
+          </p:cNvSpPr>
+          <p:nvPr>
+            <p:ph type="sldNum" sz="quarter" idx="12"/>
+          </p:nvPr>
+        </p:nvSpPr>
+        <p:spPr/>
+        <p:txBody>
+          <a:bodyPr/>
+          <a:lstStyle/>
+          <a:p>
+            <a:fld id="{D7EBF05A-3D21-489F-92E5-C2CA7463D2E0}" type="slidenum">
+              <a:rPr lang="en-SG" smtClean="0"/>
+              <a:t>29</a:t>
+            </a:fld>
+            <a:endParaRPr lang="en-SG"/>
+          </a:p>
+        </p:txBody>
+      </p:sp>
+    </p:spTree>
+    <p:extLst>
+      <p:ext uri="{BB962C8B-B14F-4D97-AF65-F5344CB8AC3E}">
+        <p14:creationId xmlns:p14="http://schemas.microsoft.com/office/powerpoint/2010/main" val="2277291396"/>
       </p:ext>
     </p:extLst>
   </p:cSld>
@@ -10173,19 +12621,15 @@
             </a:pPr>
             <a:r>
               <a:rPr lang="en-US" sz="1400" dirty="0" smtClean="0"/>
-              <a:t>This project is a continuation from the </a:t>
+              <a:t>This project is a continuation from the Depression Screening System group project completed during the Machine Reasoning course. As a recap, the Depression Screening System deals with the problem of depression in youths and vulnerable segments of the community going undetected and untreated. It serves as an early warning system to put a spotlight on those vulnerable individuals who are displaying symptoms of depression. </a:t>
             </a:r>
             <a:r>
               <a:rPr lang="en-US" sz="1400" dirty="0" smtClean="0"/>
-              <a:t>Depression Screening </a:t>
+              <a:t>These vulnerable individuals can be spotted through the PHQ-9 Survey framework devised with the Depression Screening System. The </a:t>
             </a:r>
             <a:r>
               <a:rPr lang="en-US" sz="1400" dirty="0" smtClean="0"/>
-              <a:t>System group project completed during the Machine Reasoning course. </a:t>
-            </a:r>
-            <a:r>
-              <a:rPr lang="en-US" sz="1400" dirty="0" smtClean="0"/>
-              <a:t>As a recap, the Depression Screening System deals with the problem of depression in youths and vulnerable segments of the community going undetected and untreated. It serves as an early warning system to put a spotlight on those vulnerable individuals who are displaying symptoms of depression. The output from that system is to provide a diagnosis (with a PHQ-9 score) on the level of severity of depression the individuals are having.</a:t>
+              <a:t>output from that system is to provide a diagnosis (with a PHQ-9 score) on the level of severity of depression the individuals are having.</a:t>
             </a:r>
           </a:p>
           <a:p>
@@ -10196,24 +12640,44 @@
               <a:rPr lang="en-US" sz="1400" dirty="0" smtClean="0"/>
               <a:t>In this phase of project, the objective is to use the PHQ-9 scores of the individuals and match them to the many practitioners in the community partners, hospitals and IMH. </a:t>
             </a:r>
+          </a:p>
+          <a:p>
+            <a:pPr marL="0" indent="0">
+              <a:buNone/>
+            </a:pPr>
+            <a:r>
+              <a:rPr lang="en-US" sz="1400" dirty="0" smtClean="0"/>
+              <a:t>Why Patient Matching? When we churn out a list of patients in batches as part of the PHQ-9 Survey, there is also a need to do the matching with practitioners in batches. There are some challenges to match patients to practitioners. First of all, practitioners fall into roughly 3 categories – Counsellors, Psychologists, Psychiatrists. Then there is the time availability of the practitioners, as well as language </a:t>
+            </a:r>
+            <a:r>
+              <a:rPr lang="en-US" sz="1400" dirty="0" smtClean="0"/>
+              <a:t>ability, </a:t>
+            </a:r>
+            <a:r>
+              <a:rPr lang="en-US" sz="1400" dirty="0" smtClean="0"/>
+              <a:t>which </a:t>
+            </a:r>
+            <a:r>
+              <a:rPr lang="en-US" sz="1400" dirty="0" smtClean="0"/>
+              <a:t>are all </a:t>
+            </a:r>
+            <a:r>
+              <a:rPr lang="en-US" sz="1400" dirty="0" smtClean="0"/>
+              <a:t>hard </a:t>
+            </a:r>
+            <a:r>
+              <a:rPr lang="en-US" sz="1400" dirty="0" smtClean="0"/>
+              <a:t>constraints. </a:t>
+            </a:r>
+            <a:r>
+              <a:rPr lang="en-US" sz="1400" dirty="0" smtClean="0"/>
+              <a:t>Also there is location preference and gender preference which are soft constraints</a:t>
+            </a:r>
+            <a:r>
+              <a:rPr lang="en-US" sz="1400" dirty="0" smtClean="0"/>
+              <a:t>. Then there is the cost based on the practitioner selected, which is a soft constraint to minimize it.</a:t>
+            </a:r>
             <a:endParaRPr lang="en-US" sz="1400" dirty="0" smtClean="0"/>
-          </a:p>
-          <a:p>
-            <a:pPr marL="0" indent="0">
-              <a:buNone/>
-            </a:pPr>
-            <a:r>
-              <a:rPr lang="en-US" sz="1400" dirty="0" smtClean="0"/>
-              <a:t>Why Patient </a:t>
-            </a:r>
-            <a:r>
-              <a:rPr lang="en-US" sz="1400" dirty="0" smtClean="0"/>
-              <a:t>Matching? When we churn out a list of patients in batches as part of the PHQ-9 Survey, ther</a:t>
-            </a:r>
-            <a:r>
-              <a:rPr lang="en-US" sz="1400" dirty="0" smtClean="0"/>
-              <a:t>e is also a need to do the matching with practitioners in batches. There are some challenges to match patients to practitioners. First of all, practitioners fall into roughly 3 categories – Counsellors, Psychologists, Psychiatrists. Then there is the time availability of the practitioners, as well as language ability which is a hard constraint. Also there is location preference and gender preference which are soft constraints.</a:t>
-            </a:r>
           </a:p>
           <a:p>
             <a:pPr marL="0" indent="0">
@@ -10229,9 +12693,16 @@
             </a:r>
             <a:r>
               <a:rPr lang="en-US" sz="1400" dirty="0" smtClean="0"/>
-              <a:t>, the Patient Matching System is able to optimally match a group of patients with a group of practitioners. The detail of how this match is executed will be covered in the next chapters.</a:t>
-            </a:r>
-            <a:endParaRPr lang="en-US" sz="1400" dirty="0" smtClean="0"/>
+              <a:t>, the Patient Matching System is able to optimally match a group of patients </a:t>
+            </a:r>
+            <a:r>
+              <a:rPr lang="en-US" sz="1400" dirty="0" smtClean="0"/>
+              <a:t>against </a:t>
+            </a:r>
+            <a:r>
+              <a:rPr lang="en-US" sz="1400" dirty="0" smtClean="0"/>
+              <a:t>a group of practitioners. The detail of how this match is executed will be covered in the next chapters.</a:t>
+            </a:r>
           </a:p>
           <a:p>
             <a:pPr marL="0" indent="0">
@@ -10316,6 +12787,867 @@
     <p:extLst>
       <p:ext uri="{BB962C8B-B14F-4D97-AF65-F5344CB8AC3E}">
         <p14:creationId xmlns:p14="http://schemas.microsoft.com/office/powerpoint/2010/main" val="3785399276"/>
+      </p:ext>
+    </p:extLst>
+  </p:cSld>
+  <p:clrMapOvr>
+    <a:masterClrMapping/>
+  </p:clrMapOvr>
+</p:sld>
+</file>
+
+<file path=ppt/slides/slide30.xml><?xml version="1.0" encoding="utf-8"?>
+<p:sld xmlns:a="http://schemas.openxmlformats.org/drawingml/2006/main" xmlns:r="http://schemas.openxmlformats.org/officeDocument/2006/relationships" xmlns:p="http://schemas.openxmlformats.org/presentationml/2006/main">
+  <p:cSld>
+    <p:spTree>
+      <p:nvGrpSpPr>
+        <p:cNvPr id="1" name=""/>
+        <p:cNvGrpSpPr/>
+        <p:nvPr/>
+      </p:nvGrpSpPr>
+      <p:grpSpPr>
+        <a:xfrm>
+          <a:off x="0" y="0"/>
+          <a:ext cx="0" cy="0"/>
+          <a:chOff x="0" y="0"/>
+          <a:chExt cx="0" cy="0"/>
+        </a:xfrm>
+      </p:grpSpPr>
+      <p:sp>
+        <p:nvSpPr>
+          <p:cNvPr id="4" name="Content Placeholder 2">
+            <a:extLst>
+              <a:ext uri="{FF2B5EF4-FFF2-40B4-BE49-F238E27FC236}">
+                <a16:creationId xmlns:a16="http://schemas.microsoft.com/office/drawing/2014/main" id="{88270A78-43F7-48BF-BFC5-689869C250AD}"/>
+              </a:ext>
+            </a:extLst>
+          </p:cNvPr>
+          <p:cNvSpPr>
+            <a:spLocks noGrp="1"/>
+          </p:cNvSpPr>
+          <p:nvPr>
+            <p:ph idx="1"/>
+          </p:nvPr>
+        </p:nvSpPr>
+        <p:spPr>
+          <a:xfrm>
+            <a:off x="406400" y="1790701"/>
+            <a:ext cx="6273800" cy="2946399"/>
+          </a:xfrm>
+        </p:spPr>
+        <p:txBody>
+          <a:bodyPr>
+            <a:normAutofit/>
+          </a:bodyPr>
+          <a:lstStyle/>
+          <a:p>
+            <a:pPr marL="0" indent="0">
+              <a:buNone/>
+            </a:pPr>
+            <a:r>
+              <a:rPr lang="en-US" sz="1600" dirty="0" smtClean="0"/>
+              <a:t>GGG</a:t>
+            </a:r>
+            <a:endParaRPr lang="en-MY" sz="1600" dirty="0"/>
+          </a:p>
+          <a:p>
+            <a:pPr marL="0" indent="0">
+              <a:buNone/>
+            </a:pPr>
+            <a:endParaRPr lang="en-US" sz="1600" dirty="0"/>
+          </a:p>
+        </p:txBody>
+      </p:sp>
+      <p:sp>
+        <p:nvSpPr>
+          <p:cNvPr id="6" name="TextBox 5"/>
+          <p:cNvSpPr txBox="1"/>
+          <p:nvPr/>
+        </p:nvSpPr>
+        <p:spPr>
+          <a:xfrm>
+            <a:off x="203341" y="305689"/>
+            <a:ext cx="6059311" cy="1077218"/>
+          </a:xfrm>
+          <a:prstGeom prst="rect">
+            <a:avLst/>
+          </a:prstGeom>
+          <a:noFill/>
+        </p:spPr>
+        <p:txBody>
+          <a:bodyPr wrap="square" rtlCol="0">
+            <a:spAutoFit/>
+          </a:bodyPr>
+          <a:lstStyle/>
+          <a:p>
+            <a:r>
+              <a:rPr lang="en-US" sz="3200" dirty="0">
+                <a:solidFill>
+                  <a:schemeClr val="tx2">
+                    <a:lumMod val="60000"/>
+                    <a:lumOff val="40000"/>
+                  </a:schemeClr>
+                </a:solidFill>
+              </a:rPr>
+              <a:t>Project Implementation</a:t>
+            </a:r>
+          </a:p>
+          <a:p>
+            <a:endParaRPr lang="en-US" sz="3200" dirty="0">
+              <a:solidFill>
+                <a:schemeClr val="tx2">
+                  <a:lumMod val="60000"/>
+                  <a:lumOff val="40000"/>
+                </a:schemeClr>
+              </a:solidFill>
+            </a:endParaRPr>
+          </a:p>
+        </p:txBody>
+      </p:sp>
+      <p:sp>
+        <p:nvSpPr>
+          <p:cNvPr id="2" name="Slide Number Placeholder 1"/>
+          <p:cNvSpPr>
+            <a:spLocks noGrp="1"/>
+          </p:cNvSpPr>
+          <p:nvPr>
+            <p:ph type="sldNum" sz="quarter" idx="12"/>
+          </p:nvPr>
+        </p:nvSpPr>
+        <p:spPr/>
+        <p:txBody>
+          <a:bodyPr/>
+          <a:lstStyle/>
+          <a:p>
+            <a:fld id="{D7EBF05A-3D21-489F-92E5-C2CA7463D2E0}" type="slidenum">
+              <a:rPr lang="en-SG" smtClean="0"/>
+              <a:t>30</a:t>
+            </a:fld>
+            <a:endParaRPr lang="en-SG"/>
+          </a:p>
+        </p:txBody>
+      </p:sp>
+    </p:spTree>
+    <p:extLst>
+      <p:ext uri="{BB962C8B-B14F-4D97-AF65-F5344CB8AC3E}">
+        <p14:creationId xmlns:p14="http://schemas.microsoft.com/office/powerpoint/2010/main" val="3981386471"/>
+      </p:ext>
+    </p:extLst>
+  </p:cSld>
+  <p:clrMapOvr>
+    <a:masterClrMapping/>
+  </p:clrMapOvr>
+</p:sld>
+</file>
+
+<file path=ppt/slides/slide31.xml><?xml version="1.0" encoding="utf-8"?>
+<p:sld xmlns:a="http://schemas.openxmlformats.org/drawingml/2006/main" xmlns:r="http://schemas.openxmlformats.org/officeDocument/2006/relationships" xmlns:p="http://schemas.openxmlformats.org/presentationml/2006/main">
+  <p:cSld>
+    <p:spTree>
+      <p:nvGrpSpPr>
+        <p:cNvPr id="1" name=""/>
+        <p:cNvGrpSpPr/>
+        <p:nvPr/>
+      </p:nvGrpSpPr>
+      <p:grpSpPr>
+        <a:xfrm>
+          <a:off x="0" y="0"/>
+          <a:ext cx="0" cy="0"/>
+          <a:chOff x="0" y="0"/>
+          <a:chExt cx="0" cy="0"/>
+        </a:xfrm>
+      </p:grpSpPr>
+      <p:sp>
+        <p:nvSpPr>
+          <p:cNvPr id="7" name="TextBox 6"/>
+          <p:cNvSpPr txBox="1"/>
+          <p:nvPr/>
+        </p:nvSpPr>
+        <p:spPr>
+          <a:xfrm>
+            <a:off x="203341" y="305689"/>
+            <a:ext cx="6059311" cy="584775"/>
+          </a:xfrm>
+          <a:prstGeom prst="rect">
+            <a:avLst/>
+          </a:prstGeom>
+          <a:noFill/>
+        </p:spPr>
+        <p:txBody>
+          <a:bodyPr wrap="square" rtlCol="0">
+            <a:spAutoFit/>
+          </a:bodyPr>
+          <a:lstStyle/>
+          <a:p>
+            <a:r>
+              <a:rPr lang="en-US" sz="3200" dirty="0">
+                <a:solidFill>
+                  <a:schemeClr val="tx2">
+                    <a:lumMod val="60000"/>
+                    <a:lumOff val="40000"/>
+                  </a:schemeClr>
+                </a:solidFill>
+              </a:rPr>
+              <a:t>Project Implementation</a:t>
+            </a:r>
+          </a:p>
+        </p:txBody>
+      </p:sp>
+      <p:sp>
+        <p:nvSpPr>
+          <p:cNvPr id="2" name="Slide Number Placeholder 1"/>
+          <p:cNvSpPr>
+            <a:spLocks noGrp="1"/>
+          </p:cNvSpPr>
+          <p:nvPr>
+            <p:ph type="sldNum" sz="quarter" idx="12"/>
+          </p:nvPr>
+        </p:nvSpPr>
+        <p:spPr/>
+        <p:txBody>
+          <a:bodyPr/>
+          <a:lstStyle/>
+          <a:p>
+            <a:fld id="{D7EBF05A-3D21-489F-92E5-C2CA7463D2E0}" type="slidenum">
+              <a:rPr lang="en-SG" smtClean="0"/>
+              <a:t>31</a:t>
+            </a:fld>
+            <a:endParaRPr lang="en-SG"/>
+          </a:p>
+        </p:txBody>
+      </p:sp>
+    </p:spTree>
+    <p:extLst>
+      <p:ext uri="{BB962C8B-B14F-4D97-AF65-F5344CB8AC3E}">
+        <p14:creationId xmlns:p14="http://schemas.microsoft.com/office/powerpoint/2010/main" val="1644934520"/>
+      </p:ext>
+    </p:extLst>
+  </p:cSld>
+  <p:clrMapOvr>
+    <a:masterClrMapping/>
+  </p:clrMapOvr>
+</p:sld>
+</file>
+
+<file path=ppt/slides/slide32.xml><?xml version="1.0" encoding="utf-8"?>
+<p:sld xmlns:a="http://schemas.openxmlformats.org/drawingml/2006/main" xmlns:r="http://schemas.openxmlformats.org/officeDocument/2006/relationships" xmlns:p="http://schemas.openxmlformats.org/presentationml/2006/main">
+  <p:cSld>
+    <p:spTree>
+      <p:nvGrpSpPr>
+        <p:cNvPr id="1" name=""/>
+        <p:cNvGrpSpPr/>
+        <p:nvPr/>
+      </p:nvGrpSpPr>
+      <p:grpSpPr>
+        <a:xfrm>
+          <a:off x="0" y="0"/>
+          <a:ext cx="0" cy="0"/>
+          <a:chOff x="0" y="0"/>
+          <a:chExt cx="0" cy="0"/>
+        </a:xfrm>
+      </p:grpSpPr>
+      <p:sp>
+        <p:nvSpPr>
+          <p:cNvPr id="5" name="TextBox 4"/>
+          <p:cNvSpPr txBox="1"/>
+          <p:nvPr/>
+        </p:nvSpPr>
+        <p:spPr>
+          <a:xfrm>
+            <a:off x="292099" y="282007"/>
+            <a:ext cx="5564011" cy="523220"/>
+          </a:xfrm>
+          <a:prstGeom prst="rect">
+            <a:avLst/>
+          </a:prstGeom>
+          <a:noFill/>
+        </p:spPr>
+        <p:txBody>
+          <a:bodyPr wrap="square" rtlCol="0">
+            <a:spAutoFit/>
+          </a:bodyPr>
+          <a:lstStyle/>
+          <a:p>
+            <a:r>
+              <a:rPr lang="en-US" altLang="en-US" sz="2800" dirty="0">
+                <a:solidFill>
+                  <a:schemeClr val="tx2">
+                    <a:lumMod val="60000"/>
+                    <a:lumOff val="40000"/>
+                  </a:schemeClr>
+                </a:solidFill>
+              </a:rPr>
+              <a:t>Project Performance &amp; </a:t>
+            </a:r>
+            <a:r>
+              <a:rPr lang="en-US" altLang="en-US" sz="2800" dirty="0" smtClean="0">
+                <a:solidFill>
+                  <a:schemeClr val="tx2">
+                    <a:lumMod val="60000"/>
+                    <a:lumOff val="40000"/>
+                  </a:schemeClr>
+                </a:solidFill>
+              </a:rPr>
+              <a:t>Validation</a:t>
+            </a:r>
+            <a:endParaRPr lang="en-US" sz="2800" dirty="0">
+              <a:solidFill>
+                <a:schemeClr val="tx2">
+                  <a:lumMod val="60000"/>
+                  <a:lumOff val="40000"/>
+                </a:schemeClr>
+              </a:solidFill>
+            </a:endParaRPr>
+          </a:p>
+        </p:txBody>
+      </p:sp>
+      <p:sp>
+        <p:nvSpPr>
+          <p:cNvPr id="4" name="Content Placeholder 2">
+            <a:extLst>
+              <a:ext uri="{FF2B5EF4-FFF2-40B4-BE49-F238E27FC236}">
+                <a16:creationId xmlns:a16="http://schemas.microsoft.com/office/drawing/2014/main" id="{308CDC46-C2EA-413D-AE43-DEC1347F99E8}"/>
+              </a:ext>
+            </a:extLst>
+          </p:cNvPr>
+          <p:cNvSpPr>
+            <a:spLocks noGrp="1"/>
+          </p:cNvSpPr>
+          <p:nvPr>
+            <p:ph idx="1"/>
+          </p:nvPr>
+        </p:nvSpPr>
+        <p:spPr>
+          <a:xfrm>
+            <a:off x="292099" y="1446029"/>
+            <a:ext cx="6334414" cy="1371600"/>
+          </a:xfrm>
+        </p:spPr>
+        <p:txBody>
+          <a:bodyPr>
+            <a:normAutofit/>
+          </a:bodyPr>
+          <a:lstStyle/>
+          <a:p>
+            <a:pPr marL="0" indent="0">
+              <a:buNone/>
+            </a:pPr>
+            <a:r>
+              <a:rPr lang="en-US" sz="1400" dirty="0" smtClean="0"/>
+              <a:t>As mentioned in this document, Success </a:t>
+            </a:r>
+            <a:r>
+              <a:rPr lang="en-US" sz="1400" dirty="0"/>
+              <a:t>Measurement for this application would be based on its </a:t>
+            </a:r>
+            <a:r>
+              <a:rPr lang="en-US" sz="1400" u="sng" dirty="0"/>
+              <a:t>ability to </a:t>
+            </a:r>
+            <a:r>
+              <a:rPr lang="en-US" sz="1400" u="sng" dirty="0" smtClean="0"/>
+              <a:t>….</a:t>
+            </a:r>
+            <a:endParaRPr lang="en-US" sz="1400" dirty="0"/>
+          </a:p>
+        </p:txBody>
+      </p:sp>
+      <p:sp>
+        <p:nvSpPr>
+          <p:cNvPr id="2" name="Slide Number Placeholder 1"/>
+          <p:cNvSpPr>
+            <a:spLocks noGrp="1"/>
+          </p:cNvSpPr>
+          <p:nvPr>
+            <p:ph type="sldNum" sz="quarter" idx="12"/>
+          </p:nvPr>
+        </p:nvSpPr>
+        <p:spPr/>
+        <p:txBody>
+          <a:bodyPr/>
+          <a:lstStyle/>
+          <a:p>
+            <a:fld id="{D7EBF05A-3D21-489F-92E5-C2CA7463D2E0}" type="slidenum">
+              <a:rPr lang="en-SG" smtClean="0"/>
+              <a:t>32</a:t>
+            </a:fld>
+            <a:endParaRPr lang="en-SG"/>
+          </a:p>
+        </p:txBody>
+      </p:sp>
+    </p:spTree>
+    <p:extLst>
+      <p:ext uri="{BB962C8B-B14F-4D97-AF65-F5344CB8AC3E}">
+        <p14:creationId xmlns:p14="http://schemas.microsoft.com/office/powerpoint/2010/main" val="2222063818"/>
+      </p:ext>
+    </p:extLst>
+  </p:cSld>
+  <p:clrMapOvr>
+    <a:masterClrMapping/>
+  </p:clrMapOvr>
+</p:sld>
+</file>
+
+<file path=ppt/slides/slide33.xml><?xml version="1.0" encoding="utf-8"?>
+<p:sld xmlns:a="http://schemas.openxmlformats.org/drawingml/2006/main" xmlns:r="http://schemas.openxmlformats.org/officeDocument/2006/relationships" xmlns:p="http://schemas.openxmlformats.org/presentationml/2006/main">
+  <p:cSld>
+    <p:spTree>
+      <p:nvGrpSpPr>
+        <p:cNvPr id="1" name=""/>
+        <p:cNvGrpSpPr/>
+        <p:nvPr/>
+      </p:nvGrpSpPr>
+      <p:grpSpPr>
+        <a:xfrm>
+          <a:off x="0" y="0"/>
+          <a:ext cx="0" cy="0"/>
+          <a:chOff x="0" y="0"/>
+          <a:chExt cx="0" cy="0"/>
+        </a:xfrm>
+      </p:grpSpPr>
+      <p:sp>
+        <p:nvSpPr>
+          <p:cNvPr id="5" name="TextBox 4"/>
+          <p:cNvSpPr txBox="1"/>
+          <p:nvPr/>
+        </p:nvSpPr>
+        <p:spPr>
+          <a:xfrm>
+            <a:off x="292099" y="282007"/>
+            <a:ext cx="5564011" cy="523220"/>
+          </a:xfrm>
+          <a:prstGeom prst="rect">
+            <a:avLst/>
+          </a:prstGeom>
+          <a:noFill/>
+        </p:spPr>
+        <p:txBody>
+          <a:bodyPr wrap="square" rtlCol="0">
+            <a:spAutoFit/>
+          </a:bodyPr>
+          <a:lstStyle/>
+          <a:p>
+            <a:r>
+              <a:rPr lang="en-US" altLang="en-US" sz="2800" dirty="0">
+                <a:solidFill>
+                  <a:schemeClr val="tx2">
+                    <a:lumMod val="60000"/>
+                    <a:lumOff val="40000"/>
+                  </a:schemeClr>
+                </a:solidFill>
+              </a:rPr>
+              <a:t>Project Performance &amp; </a:t>
+            </a:r>
+            <a:r>
+              <a:rPr lang="en-US" altLang="en-US" sz="2800" dirty="0" smtClean="0">
+                <a:solidFill>
+                  <a:schemeClr val="tx2">
+                    <a:lumMod val="60000"/>
+                    <a:lumOff val="40000"/>
+                  </a:schemeClr>
+                </a:solidFill>
+              </a:rPr>
+              <a:t>Validation</a:t>
+            </a:r>
+            <a:endParaRPr lang="en-US" sz="2800" dirty="0">
+              <a:solidFill>
+                <a:schemeClr val="tx2">
+                  <a:lumMod val="60000"/>
+                  <a:lumOff val="40000"/>
+                </a:schemeClr>
+              </a:solidFill>
+            </a:endParaRPr>
+          </a:p>
+        </p:txBody>
+      </p:sp>
+      <p:sp>
+        <p:nvSpPr>
+          <p:cNvPr id="2" name="Slide Number Placeholder 1"/>
+          <p:cNvSpPr>
+            <a:spLocks noGrp="1"/>
+          </p:cNvSpPr>
+          <p:nvPr>
+            <p:ph type="sldNum" sz="quarter" idx="12"/>
+          </p:nvPr>
+        </p:nvSpPr>
+        <p:spPr/>
+        <p:txBody>
+          <a:bodyPr/>
+          <a:lstStyle/>
+          <a:p>
+            <a:fld id="{D7EBF05A-3D21-489F-92E5-C2CA7463D2E0}" type="slidenum">
+              <a:rPr lang="en-SG" smtClean="0"/>
+              <a:t>33</a:t>
+            </a:fld>
+            <a:endParaRPr lang="en-SG"/>
+          </a:p>
+        </p:txBody>
+      </p:sp>
+      <p:sp>
+        <p:nvSpPr>
+          <p:cNvPr id="8" name="TextBox 7"/>
+          <p:cNvSpPr txBox="1"/>
+          <p:nvPr/>
+        </p:nvSpPr>
+        <p:spPr>
+          <a:xfrm>
+            <a:off x="543258" y="1189643"/>
+            <a:ext cx="2062716" cy="369332"/>
+          </a:xfrm>
+          <a:prstGeom prst="rect">
+            <a:avLst/>
+          </a:prstGeom>
+          <a:noFill/>
+        </p:spPr>
+        <p:txBody>
+          <a:bodyPr wrap="square" rtlCol="0">
+            <a:spAutoFit/>
+          </a:bodyPr>
+          <a:lstStyle/>
+          <a:p>
+            <a:r>
+              <a:rPr lang="en-US" dirty="0" smtClean="0">
+                <a:solidFill>
+                  <a:srgbClr val="FF0000"/>
+                </a:solidFill>
+              </a:rPr>
+              <a:t>2. PHQ2</a:t>
+            </a:r>
+            <a:endParaRPr lang="en-US" dirty="0">
+              <a:solidFill>
+                <a:srgbClr val="FF0000"/>
+              </a:solidFill>
+            </a:endParaRPr>
+          </a:p>
+        </p:txBody>
+      </p:sp>
+    </p:spTree>
+    <p:extLst>
+      <p:ext uri="{BB962C8B-B14F-4D97-AF65-F5344CB8AC3E}">
+        <p14:creationId xmlns:p14="http://schemas.microsoft.com/office/powerpoint/2010/main" val="181164735"/>
+      </p:ext>
+    </p:extLst>
+  </p:cSld>
+  <p:clrMapOvr>
+    <a:masterClrMapping/>
+  </p:clrMapOvr>
+</p:sld>
+</file>
+
+<file path=ppt/slides/slide34.xml><?xml version="1.0" encoding="utf-8"?>
+<p:sld xmlns:a="http://schemas.openxmlformats.org/drawingml/2006/main" xmlns:r="http://schemas.openxmlformats.org/officeDocument/2006/relationships" xmlns:p="http://schemas.openxmlformats.org/presentationml/2006/main">
+  <p:cSld>
+    <p:spTree>
+      <p:nvGrpSpPr>
+        <p:cNvPr id="1" name=""/>
+        <p:cNvGrpSpPr/>
+        <p:nvPr/>
+      </p:nvGrpSpPr>
+      <p:grpSpPr>
+        <a:xfrm>
+          <a:off x="0" y="0"/>
+          <a:ext cx="0" cy="0"/>
+          <a:chOff x="0" y="0"/>
+          <a:chExt cx="0" cy="0"/>
+        </a:xfrm>
+      </p:grpSpPr>
+      <p:sp>
+        <p:nvSpPr>
+          <p:cNvPr id="5" name="TextBox 4"/>
+          <p:cNvSpPr txBox="1"/>
+          <p:nvPr/>
+        </p:nvSpPr>
+        <p:spPr>
+          <a:xfrm>
+            <a:off x="292099" y="282007"/>
+            <a:ext cx="5810251" cy="954107"/>
+          </a:xfrm>
+          <a:prstGeom prst="rect">
+            <a:avLst/>
+          </a:prstGeom>
+          <a:noFill/>
+        </p:spPr>
+        <p:txBody>
+          <a:bodyPr wrap="square" rtlCol="0">
+            <a:spAutoFit/>
+          </a:bodyPr>
+          <a:lstStyle/>
+          <a:p>
+            <a:r>
+              <a:rPr lang="en-US" altLang="en-US" sz="2800" dirty="0">
+                <a:solidFill>
+                  <a:schemeClr val="tx2">
+                    <a:lumMod val="60000"/>
+                    <a:lumOff val="40000"/>
+                  </a:schemeClr>
+                </a:solidFill>
+              </a:rPr>
+              <a:t>Project </a:t>
+            </a:r>
+            <a:r>
+              <a:rPr lang="en-US" altLang="en-US" sz="2800" dirty="0" smtClean="0">
+                <a:solidFill>
+                  <a:schemeClr val="tx2">
+                    <a:lumMod val="60000"/>
+                    <a:lumOff val="40000"/>
+                  </a:schemeClr>
+                </a:solidFill>
+              </a:rPr>
+              <a:t>Conclusions: </a:t>
+            </a:r>
+            <a:r>
+              <a:rPr lang="en-US" altLang="en-US" sz="2800" dirty="0">
+                <a:solidFill>
+                  <a:schemeClr val="tx2">
+                    <a:lumMod val="60000"/>
+                    <a:lumOff val="40000"/>
+                  </a:schemeClr>
+                </a:solidFill>
+              </a:rPr>
+              <a:t>Findings &amp; Recommendation </a:t>
+            </a:r>
+            <a:endParaRPr lang="en-US" sz="2800" dirty="0">
+              <a:solidFill>
+                <a:schemeClr val="tx2">
+                  <a:lumMod val="60000"/>
+                  <a:lumOff val="40000"/>
+                </a:schemeClr>
+              </a:solidFill>
+            </a:endParaRPr>
+          </a:p>
+        </p:txBody>
+      </p:sp>
+      <p:sp>
+        <p:nvSpPr>
+          <p:cNvPr id="2" name="Slide Number Placeholder 1"/>
+          <p:cNvSpPr>
+            <a:spLocks noGrp="1"/>
+          </p:cNvSpPr>
+          <p:nvPr>
+            <p:ph type="sldNum" sz="quarter" idx="12"/>
+          </p:nvPr>
+        </p:nvSpPr>
+        <p:spPr/>
+        <p:txBody>
+          <a:bodyPr/>
+          <a:lstStyle/>
+          <a:p>
+            <a:fld id="{D7EBF05A-3D21-489F-92E5-C2CA7463D2E0}" type="slidenum">
+              <a:rPr lang="en-SG" smtClean="0"/>
+              <a:t>34</a:t>
+            </a:fld>
+            <a:endParaRPr lang="en-SG"/>
+          </a:p>
+        </p:txBody>
+      </p:sp>
+      <p:sp>
+        <p:nvSpPr>
+          <p:cNvPr id="9" name="Content Placeholder 2">
+            <a:extLst>
+              <a:ext uri="{FF2B5EF4-FFF2-40B4-BE49-F238E27FC236}">
+                <a16:creationId xmlns:a16="http://schemas.microsoft.com/office/drawing/2014/main" id="{308CDC46-C2EA-413D-AE43-DEC1347F99E8}"/>
+              </a:ext>
+            </a:extLst>
+          </p:cNvPr>
+          <p:cNvSpPr txBox="1">
+            <a:spLocks/>
+          </p:cNvSpPr>
+          <p:nvPr/>
+        </p:nvSpPr>
+        <p:spPr>
+          <a:xfrm>
+            <a:off x="292099" y="1651968"/>
+            <a:ext cx="6334414" cy="2640632"/>
+          </a:xfrm>
+          <a:prstGeom prst="rect">
+            <a:avLst/>
+          </a:prstGeom>
+        </p:spPr>
+        <p:txBody>
+          <a:bodyPr vert="horz" lIns="91440" tIns="45720" rIns="91440" bIns="45720" rtlCol="0">
+            <a:normAutofit/>
+          </a:bodyPr>
+          <a:lstStyle>
+            <a:lvl1pPr marL="171450" indent="-171450" algn="l" defTabSz="685800" rtl="0" eaLnBrk="1" latinLnBrk="0" hangingPunct="1">
+              <a:lnSpc>
+                <a:spcPct val="90000"/>
+              </a:lnSpc>
+              <a:spcBef>
+                <a:spcPts val="750"/>
+              </a:spcBef>
+              <a:buFont typeface="Arial" panose="020B0604020202020204" pitchFamily="34" charset="0"/>
+              <a:buChar char="•"/>
+              <a:defRPr sz="2100" kern="1200">
+                <a:solidFill>
+                  <a:schemeClr val="tx1"/>
+                </a:solidFill>
+                <a:latin typeface="+mn-lt"/>
+                <a:ea typeface="+mn-ea"/>
+                <a:cs typeface="+mn-cs"/>
+              </a:defRPr>
+            </a:lvl1pPr>
+            <a:lvl2pPr marL="514350" indent="-171450" algn="l" defTabSz="685800" rtl="0" eaLnBrk="1" latinLnBrk="0" hangingPunct="1">
+              <a:lnSpc>
+                <a:spcPct val="90000"/>
+              </a:lnSpc>
+              <a:spcBef>
+                <a:spcPts val="375"/>
+              </a:spcBef>
+              <a:buFont typeface="Arial" panose="020B0604020202020204" pitchFamily="34" charset="0"/>
+              <a:buChar char="•"/>
+              <a:defRPr sz="1800" kern="1200">
+                <a:solidFill>
+                  <a:schemeClr val="tx1"/>
+                </a:solidFill>
+                <a:latin typeface="+mn-lt"/>
+                <a:ea typeface="+mn-ea"/>
+                <a:cs typeface="+mn-cs"/>
+              </a:defRPr>
+            </a:lvl2pPr>
+            <a:lvl3pPr marL="857250" indent="-171450" algn="l" defTabSz="685800" rtl="0" eaLnBrk="1" latinLnBrk="0" hangingPunct="1">
+              <a:lnSpc>
+                <a:spcPct val="90000"/>
+              </a:lnSpc>
+              <a:spcBef>
+                <a:spcPts val="375"/>
+              </a:spcBef>
+              <a:buFont typeface="Arial" panose="020B0604020202020204" pitchFamily="34" charset="0"/>
+              <a:buChar char="•"/>
+              <a:defRPr sz="1500" kern="1200">
+                <a:solidFill>
+                  <a:schemeClr val="tx1"/>
+                </a:solidFill>
+                <a:latin typeface="+mn-lt"/>
+                <a:ea typeface="+mn-ea"/>
+                <a:cs typeface="+mn-cs"/>
+              </a:defRPr>
+            </a:lvl3pPr>
+            <a:lvl4pPr marL="1200150" indent="-171450" algn="l" defTabSz="685800" rtl="0" eaLnBrk="1" latinLnBrk="0" hangingPunct="1">
+              <a:lnSpc>
+                <a:spcPct val="90000"/>
+              </a:lnSpc>
+              <a:spcBef>
+                <a:spcPts val="375"/>
+              </a:spcBef>
+              <a:buFont typeface="Arial" panose="020B0604020202020204" pitchFamily="34" charset="0"/>
+              <a:buChar char="•"/>
+              <a:defRPr sz="1350" kern="1200">
+                <a:solidFill>
+                  <a:schemeClr val="tx1"/>
+                </a:solidFill>
+                <a:latin typeface="+mn-lt"/>
+                <a:ea typeface="+mn-ea"/>
+                <a:cs typeface="+mn-cs"/>
+              </a:defRPr>
+            </a:lvl4pPr>
+            <a:lvl5pPr marL="1543050" indent="-171450" algn="l" defTabSz="685800" rtl="0" eaLnBrk="1" latinLnBrk="0" hangingPunct="1">
+              <a:lnSpc>
+                <a:spcPct val="90000"/>
+              </a:lnSpc>
+              <a:spcBef>
+                <a:spcPts val="375"/>
+              </a:spcBef>
+              <a:buFont typeface="Arial" panose="020B0604020202020204" pitchFamily="34" charset="0"/>
+              <a:buChar char="•"/>
+              <a:defRPr sz="1350" kern="1200">
+                <a:solidFill>
+                  <a:schemeClr val="tx1"/>
+                </a:solidFill>
+                <a:latin typeface="+mn-lt"/>
+                <a:ea typeface="+mn-ea"/>
+                <a:cs typeface="+mn-cs"/>
+              </a:defRPr>
+            </a:lvl5pPr>
+            <a:lvl6pPr marL="1885950" indent="-171450" algn="l" defTabSz="685800" rtl="0" eaLnBrk="1" latinLnBrk="0" hangingPunct="1">
+              <a:lnSpc>
+                <a:spcPct val="90000"/>
+              </a:lnSpc>
+              <a:spcBef>
+                <a:spcPts val="375"/>
+              </a:spcBef>
+              <a:buFont typeface="Arial" panose="020B0604020202020204" pitchFamily="34" charset="0"/>
+              <a:buChar char="•"/>
+              <a:defRPr sz="1350" kern="1200">
+                <a:solidFill>
+                  <a:schemeClr val="tx1"/>
+                </a:solidFill>
+                <a:latin typeface="+mn-lt"/>
+                <a:ea typeface="+mn-ea"/>
+                <a:cs typeface="+mn-cs"/>
+              </a:defRPr>
+            </a:lvl6pPr>
+            <a:lvl7pPr marL="2228850" indent="-171450" algn="l" defTabSz="685800" rtl="0" eaLnBrk="1" latinLnBrk="0" hangingPunct="1">
+              <a:lnSpc>
+                <a:spcPct val="90000"/>
+              </a:lnSpc>
+              <a:spcBef>
+                <a:spcPts val="375"/>
+              </a:spcBef>
+              <a:buFont typeface="Arial" panose="020B0604020202020204" pitchFamily="34" charset="0"/>
+              <a:buChar char="•"/>
+              <a:defRPr sz="1350" kern="1200">
+                <a:solidFill>
+                  <a:schemeClr val="tx1"/>
+                </a:solidFill>
+                <a:latin typeface="+mn-lt"/>
+                <a:ea typeface="+mn-ea"/>
+                <a:cs typeface="+mn-cs"/>
+              </a:defRPr>
+            </a:lvl7pPr>
+            <a:lvl8pPr marL="2571750" indent="-171450" algn="l" defTabSz="685800" rtl="0" eaLnBrk="1" latinLnBrk="0" hangingPunct="1">
+              <a:lnSpc>
+                <a:spcPct val="90000"/>
+              </a:lnSpc>
+              <a:spcBef>
+                <a:spcPts val="375"/>
+              </a:spcBef>
+              <a:buFont typeface="Arial" panose="020B0604020202020204" pitchFamily="34" charset="0"/>
+              <a:buChar char="•"/>
+              <a:defRPr sz="1350" kern="1200">
+                <a:solidFill>
+                  <a:schemeClr val="tx1"/>
+                </a:solidFill>
+                <a:latin typeface="+mn-lt"/>
+                <a:ea typeface="+mn-ea"/>
+                <a:cs typeface="+mn-cs"/>
+              </a:defRPr>
+            </a:lvl8pPr>
+            <a:lvl9pPr marL="2914650" indent="-171450" algn="l" defTabSz="685800" rtl="0" eaLnBrk="1" latinLnBrk="0" hangingPunct="1">
+              <a:lnSpc>
+                <a:spcPct val="90000"/>
+              </a:lnSpc>
+              <a:spcBef>
+                <a:spcPts val="375"/>
+              </a:spcBef>
+              <a:buFont typeface="Arial" panose="020B0604020202020204" pitchFamily="34" charset="0"/>
+              <a:buChar char="•"/>
+              <a:defRPr sz="1350" kern="1200">
+                <a:solidFill>
+                  <a:schemeClr val="tx1"/>
+                </a:solidFill>
+                <a:latin typeface="+mn-lt"/>
+                <a:ea typeface="+mn-ea"/>
+                <a:cs typeface="+mn-cs"/>
+              </a:defRPr>
+            </a:lvl9pPr>
+          </a:lstStyle>
+          <a:p>
+            <a:pPr marL="0" indent="0">
+              <a:buFont typeface="Arial" panose="020B0604020202020204" pitchFamily="34" charset="0"/>
+              <a:buNone/>
+            </a:pPr>
+            <a:r>
+              <a:rPr lang="en-US" sz="1400" dirty="0" smtClean="0"/>
+              <a:t>From this project, we are able to ….</a:t>
+            </a:r>
+            <a:endParaRPr lang="en-US" sz="1400" dirty="0"/>
+          </a:p>
+        </p:txBody>
+      </p:sp>
+    </p:spTree>
+    <p:extLst>
+      <p:ext uri="{BB962C8B-B14F-4D97-AF65-F5344CB8AC3E}">
+        <p14:creationId xmlns:p14="http://schemas.microsoft.com/office/powerpoint/2010/main" val="3534046961"/>
       </p:ext>
     </p:extLst>
   </p:cSld>
@@ -10397,11 +13729,7 @@
             </a:r>
             <a:r>
               <a:rPr lang="en-US" sz="1400" dirty="0"/>
-              <a:t>with mental health practitioners based on two hard constraints and four soft constraints. </a:t>
-            </a:r>
-            <a:r>
-              <a:rPr lang="en-US" sz="1400" dirty="0"/>
-              <a:t>The hard constraints are patients’ depression severity and language ability. The soft constraints are patients’ preferences for the day of the appointment, where the practitioners are located, gender of the practitioners, and treatment costs. </a:t>
+              <a:t>with mental health practitioners based on two hard constraints and four soft constraints. The hard constraints are patients’ depression severity and language ability. The soft constraints are patients’ preferences for the day of the appointment, where the practitioners are located, gender of the practitioners, and treatment costs. </a:t>
             </a:r>
           </a:p>
           <a:p>
@@ -10414,24 +13742,16 @@
             </a:r>
             <a:r>
               <a:rPr lang="en-US" sz="1400" dirty="0"/>
-              <a:t>with the hard constraints, our system scores the severity of a patient’s depression with a number from 0 to 27. </a:t>
-            </a:r>
+              <a:t>with the hard constraints, our system scores the severity of a patient’s depression with a number from 0 to 27. Patients with scores between 10 to 27 require treatment. A score between 10 to 14 indicates that a patient is moderately depressed, and the patient should see a counsellor. A score between 15 to 19 indicates that a patient’s depression is moderately severe, and the patient should see a psychologist. A score between 20 to 27 indicates that a patient is severely depressed, and the patient should see a psychiatrist. </a:t>
+            </a:r>
+          </a:p>
+          <a:p>
+            <a:pPr marL="0" indent="0">
+              <a:buNone/>
+            </a:pPr>
             <a:r>
               <a:rPr lang="en-US" sz="1400" dirty="0"/>
-              <a:t>Patients with scores between 10 to 27 require treatment. A score between 10 to 14 indicates that a patient is moderately depressed, and the patient should see a counsellor. A score between 15 to 19 indicates that a patient’s depression is moderately severe, and the patient should see a psychologist. A score between 20 to 27 indicates that a patient is severely depressed, and the patient should see a psychiatrist. </a:t>
-            </a:r>
-          </a:p>
-          <a:p>
-            <a:pPr marL="0" indent="0">
-              <a:buNone/>
-            </a:pPr>
-            <a:r>
-              <a:rPr lang="en-US" sz="1400" dirty="0"/>
-              <a:t>Patients and mental health practitioners need to communicate and understand each other during treatment. </a:t>
-            </a:r>
-            <a:r>
-              <a:rPr lang="en-US" sz="1400" dirty="0"/>
-              <a:t>The system pairs patients with mental health practitioners who </a:t>
+              <a:t>Patients and mental health practitioners need to communicate and understand each other during treatment. The system pairs patients with mental health practitioners who </a:t>
             </a:r>
             <a:r>
               <a:rPr lang="en-US" sz="1400" dirty="0" smtClean="0"/>
@@ -10439,11 +13759,7 @@
             </a:r>
             <a:r>
               <a:rPr lang="en-US" sz="1400" dirty="0"/>
-              <a:t>at least one language in common. </a:t>
-            </a:r>
-            <a:r>
-              <a:rPr lang="en-US" sz="1400" dirty="0"/>
-              <a:t>Patients and mental health practitioners can speak one or more of these languages: English, Mandarin, Malay or Tamil. </a:t>
+              <a:t>at least one language in common. Patients and mental health practitioners can speak one or more of these languages: English, Mandarin, Malay or Tamil. </a:t>
             </a:r>
           </a:p>
           <a:p>
@@ -10479,11 +13795,7 @@
             </a:pPr>
             <a:r>
               <a:rPr lang="en-US" sz="1400" dirty="0"/>
-              <a:t>Finally, the system will try to pair patients with practitioners that have lower treatment costs to keep the overall healthcare expenditure low. </a:t>
-            </a:r>
-            <a:r>
-              <a:rPr lang="en-US" sz="1400" dirty="0"/>
-              <a:t> </a:t>
+              <a:t>Finally, the system will try to pair patients with practitioners that have lower treatment costs to keep the overall healthcare expenditure low.  </a:t>
             </a:r>
           </a:p>
           <a:p>
@@ -10686,11 +13998,7 @@
           <a:p>
             <a:r>
               <a:rPr lang="en-US" sz="1400" dirty="0" smtClean="0"/>
-              <a:t>The </a:t>
-            </a:r>
-            <a:r>
-              <a:rPr lang="en-US" sz="1400" dirty="0" smtClean="0"/>
-              <a:t>objective of this project is to optimally match patients with practitioners, both in groups. The outcome of this match will be such that all patients will be assigned matching practitioners.</a:t>
+              <a:t>The objective of this project is to optimally match patients with practitioners, both in groups. The outcome of this match will be such that all patients will be assigned matching practitioners.</a:t>
             </a:r>
           </a:p>
           <a:p>
@@ -10838,6 +14146,13 @@
   <p:clrMapOvr>
     <a:masterClrMapping/>
   </p:clrMapOvr>
+  <p:timing>
+    <p:tnLst>
+      <p:par>
+        <p:cTn id="1" dur="indefinite" restart="never" nodeType="tmRoot"/>
+      </p:par>
+    </p:tnLst>
+  </p:timing>
 </p:sld>
 </file>
 
@@ -10860,113 +14175,14 @@
       </p:grpSpPr>
       <p:sp>
         <p:nvSpPr>
-          <p:cNvPr id="3" name="Content Placeholder 2">
-            <a:extLst>
-              <a:ext uri="{FF2B5EF4-FFF2-40B4-BE49-F238E27FC236}">
-                <a16:creationId xmlns:a16="http://schemas.microsoft.com/office/drawing/2014/main" id="{41102E4D-0674-49A1-9E3D-3CC6B87FB671}"/>
-              </a:ext>
-            </a:extLst>
-          </p:cNvPr>
-          <p:cNvSpPr>
-            <a:spLocks noGrp="1"/>
-          </p:cNvSpPr>
-          <p:nvPr>
-            <p:ph idx="1"/>
-          </p:nvPr>
+          <p:cNvPr id="5" name="TextBox 4"/>
+          <p:cNvSpPr txBox="1"/>
+          <p:nvPr/>
         </p:nvSpPr>
         <p:spPr>
           <a:xfrm>
-            <a:off x="352696" y="1721152"/>
-            <a:ext cx="6283904" cy="2688562"/>
-          </a:xfrm>
-        </p:spPr>
-        <p:txBody>
-          <a:bodyPr>
-            <a:normAutofit/>
-          </a:bodyPr>
-          <a:lstStyle/>
-          <a:p>
-            <a:pPr marL="0" indent="0">
-              <a:buNone/>
-            </a:pPr>
-            <a:r>
-              <a:rPr lang="en-US" sz="1600" dirty="0" err="1" smtClean="0"/>
-              <a:t>hhh</a:t>
-            </a:r>
-            <a:endParaRPr lang="en-US" sz="1600" dirty="0"/>
-          </a:p>
-          <a:p>
-            <a:pPr marL="0" indent="0">
-              <a:buNone/>
-            </a:pPr>
-            <a:endParaRPr lang="en-US" sz="1600" dirty="0"/>
-          </a:p>
-          <a:p>
-            <a:pPr marL="0" indent="0">
-              <a:buNone/>
-            </a:pPr>
-            <a:endParaRPr lang="en-US" sz="1600" dirty="0"/>
-          </a:p>
-          <a:p>
-            <a:pPr marL="0" indent="0">
-              <a:buNone/>
-            </a:pPr>
-            <a:endParaRPr lang="en-US" sz="1600" dirty="0"/>
-          </a:p>
-          <a:p>
-            <a:pPr marL="0" indent="0">
-              <a:buNone/>
-            </a:pPr>
-            <a:endParaRPr lang="en-US" sz="1600" dirty="0"/>
-          </a:p>
-          <a:p>
-            <a:pPr marL="0" indent="0">
-              <a:buNone/>
-            </a:pPr>
-            <a:endParaRPr lang="en-US" sz="1600" dirty="0"/>
-          </a:p>
-          <a:p>
-            <a:pPr marL="0" indent="0">
-              <a:buNone/>
-            </a:pPr>
-            <a:endParaRPr lang="en-US" sz="1600" dirty="0"/>
-          </a:p>
-          <a:p>
-            <a:pPr marL="0" indent="0">
-              <a:buNone/>
-            </a:pPr>
-            <a:endParaRPr lang="en-US" sz="1600" dirty="0"/>
-          </a:p>
-          <a:p>
-            <a:pPr marL="0" indent="0">
-              <a:buNone/>
-            </a:pPr>
-            <a:endParaRPr lang="en-US" sz="1600" dirty="0"/>
-          </a:p>
-          <a:p>
-            <a:pPr marL="0" indent="0">
-              <a:buNone/>
-            </a:pPr>
-            <a:endParaRPr lang="en-US" sz="1600" dirty="0"/>
-          </a:p>
-          <a:p>
-            <a:pPr marL="0" indent="0">
-              <a:buNone/>
-            </a:pPr>
-            <a:endParaRPr lang="en-SG" sz="1600" dirty="0"/>
-          </a:p>
-        </p:txBody>
-      </p:sp>
-      <p:sp>
-        <p:nvSpPr>
-          <p:cNvPr id="13" name="TextBox 12"/>
-          <p:cNvSpPr txBox="1"/>
-          <p:nvPr/>
-        </p:nvSpPr>
-        <p:spPr>
-          <a:xfrm>
-            <a:off x="199795" y="337508"/>
-            <a:ext cx="6186163" cy="800219"/>
+            <a:off x="292099" y="282007"/>
+            <a:ext cx="5564011" cy="523220"/>
           </a:xfrm>
           <a:prstGeom prst="rect">
             <a:avLst/>
@@ -10988,9 +14204,118 @@
                   </a:schemeClr>
                 </a:solidFill>
               </a:rPr>
-              <a:t>Project Solution </a:t>
-            </a:r>
-          </a:p>
+              <a:t>Project </a:t>
+            </a:r>
+            <a:r>
+              <a:rPr lang="en-US" sz="2800" dirty="0" smtClean="0">
+                <a:solidFill>
+                  <a:schemeClr val="tx2">
+                    <a:lumMod val="60000"/>
+                    <a:lumOff val="40000"/>
+                  </a:schemeClr>
+                </a:solidFill>
+              </a:rPr>
+              <a:t>Solution</a:t>
+            </a:r>
+            <a:endParaRPr lang="en-US" sz="2800" dirty="0">
+              <a:solidFill>
+                <a:schemeClr val="tx2">
+                  <a:lumMod val="60000"/>
+                  <a:lumOff val="40000"/>
+                </a:schemeClr>
+              </a:solidFill>
+            </a:endParaRPr>
+          </a:p>
+        </p:txBody>
+      </p:sp>
+      <p:sp>
+        <p:nvSpPr>
+          <p:cNvPr id="4" name="Content Placeholder 2">
+            <a:extLst>
+              <a:ext uri="{FF2B5EF4-FFF2-40B4-BE49-F238E27FC236}">
+                <a16:creationId xmlns:a16="http://schemas.microsoft.com/office/drawing/2014/main" id="{308CDC46-C2EA-413D-AE43-DEC1347F99E8}"/>
+              </a:ext>
+            </a:extLst>
+          </p:cNvPr>
+          <p:cNvSpPr>
+            <a:spLocks noGrp="1"/>
+          </p:cNvSpPr>
+          <p:nvPr>
+            <p:ph idx="1"/>
+          </p:nvPr>
+        </p:nvSpPr>
+        <p:spPr>
+          <a:xfrm>
+            <a:off x="310935" y="1637414"/>
+            <a:ext cx="6334414" cy="2615609"/>
+          </a:xfrm>
+        </p:spPr>
+        <p:txBody>
+          <a:bodyPr>
+            <a:normAutofit/>
+          </a:bodyPr>
+          <a:lstStyle/>
+          <a:p>
+            <a:pPr marL="0" indent="0">
+              <a:buNone/>
+            </a:pPr>
+            <a:r>
+              <a:rPr lang="en-US" sz="1400" dirty="0"/>
+              <a:t>This application leverages the KIE Workbench as the main framework for development and deployment. With the KIE Workbench, we utilize the JBPM for metadata and workflow, DROOLS for rules engine and the JBOS Web Server to provide the web application server functions. In addition, we are using the Spring Boot to program the landing page, front-end screens and interface with KIE</a:t>
+            </a:r>
+            <a:r>
+              <a:rPr lang="en-US" sz="1400" dirty="0" smtClean="0"/>
+              <a:t>.</a:t>
+            </a:r>
+          </a:p>
+          <a:p>
+            <a:pPr marL="0" indent="0">
+              <a:buNone/>
+            </a:pPr>
+            <a:r>
+              <a:rPr lang="en-US" sz="1400" dirty="0" smtClean="0"/>
+              <a:t>A lot of effort was spent on integrating the Spring Boot web application with the KIE framework through our self-coded Java classes.</a:t>
+            </a:r>
+          </a:p>
+          <a:p>
+            <a:pPr marL="0" indent="0">
+              <a:buNone/>
+            </a:pPr>
+            <a:r>
+              <a:rPr lang="en-US" sz="1400" dirty="0" smtClean="0"/>
+              <a:t>This allows the user to not only interface with an external HTML page but also stay on the HTML frontend throughout the entire process. Behind this frontend, our custom built web application interfaces with the KIE libraries via the Java classes.</a:t>
+            </a:r>
+            <a:endParaRPr lang="en-US" sz="1400" dirty="0"/>
+          </a:p>
+          <a:p>
+            <a:pPr marL="0" indent="0">
+              <a:buNone/>
+            </a:pPr>
+            <a:endParaRPr lang="en-US" sz="1400" dirty="0"/>
+          </a:p>
+        </p:txBody>
+      </p:sp>
+      <p:sp>
+        <p:nvSpPr>
+          <p:cNvPr id="6" name="TextBox 5"/>
+          <p:cNvSpPr txBox="1"/>
+          <p:nvPr/>
+        </p:nvSpPr>
+        <p:spPr>
+          <a:xfrm>
+            <a:off x="2197099" y="726098"/>
+            <a:ext cx="3497617" cy="369332"/>
+          </a:xfrm>
+          <a:prstGeom prst="rect">
+            <a:avLst/>
+          </a:prstGeom>
+          <a:noFill/>
+        </p:spPr>
+        <p:txBody>
+          <a:bodyPr wrap="square" rtlCol="0">
+            <a:spAutoFit/>
+          </a:bodyPr>
+          <a:lstStyle/>
           <a:p>
             <a:r>
               <a:rPr lang="en-US" dirty="0" smtClean="0">
@@ -10998,7 +14323,7 @@
                   <a:srgbClr val="FF0000"/>
                 </a:solidFill>
               </a:rPr>
-              <a:t>	</a:t>
+              <a:t>Architecture</a:t>
             </a:r>
             <a:endParaRPr lang="en-US" dirty="0">
               <a:solidFill>
@@ -11010,7 +14335,7 @@
       </p:sp>
       <p:sp>
         <p:nvSpPr>
-          <p:cNvPr id="4" name="Slide Number Placeholder 3"/>
+          <p:cNvPr id="2" name="Slide Number Placeholder 1"/>
           <p:cNvSpPr>
             <a:spLocks noGrp="1"/>
           </p:cNvSpPr>
@@ -11031,10 +14356,405 @@
           </a:p>
         </p:txBody>
       </p:sp>
+      <p:grpSp>
+        <p:nvGrpSpPr>
+          <p:cNvPr id="8" name="Group 7"/>
+          <p:cNvGrpSpPr/>
+          <p:nvPr/>
+        </p:nvGrpSpPr>
+        <p:grpSpPr>
+          <a:xfrm>
+            <a:off x="691762" y="4828697"/>
+            <a:ext cx="5836259" cy="4227839"/>
+            <a:chOff x="691762" y="4828697"/>
+            <a:chExt cx="5836259" cy="4227839"/>
+          </a:xfrm>
+        </p:grpSpPr>
+        <p:grpSp>
+          <p:nvGrpSpPr>
+            <p:cNvPr id="9" name="Group 8"/>
+            <p:cNvGrpSpPr/>
+            <p:nvPr/>
+          </p:nvGrpSpPr>
+          <p:grpSpPr>
+            <a:xfrm>
+              <a:off x="691762" y="4828697"/>
+              <a:ext cx="5319423" cy="4227839"/>
+              <a:chOff x="624602" y="4693524"/>
+              <a:chExt cx="5761911" cy="4461005"/>
+            </a:xfrm>
+          </p:grpSpPr>
+          <p:pic>
+            <p:nvPicPr>
+              <p:cNvPr id="13" name="Picture 12"/>
+              <p:cNvPicPr>
+                <a:picLocks noChangeAspect="1"/>
+              </p:cNvPicPr>
+              <p:nvPr/>
+            </p:nvPicPr>
+            <p:blipFill>
+              <a:blip r:embed="rId2"/>
+              <a:stretch>
+                <a:fillRect/>
+              </a:stretch>
+            </p:blipFill>
+            <p:spPr>
+              <a:xfrm>
+                <a:off x="624602" y="4693524"/>
+                <a:ext cx="5761911" cy="4461005"/>
+              </a:xfrm>
+              <a:prstGeom prst="rect">
+                <a:avLst/>
+              </a:prstGeom>
+            </p:spPr>
+          </p:pic>
+          <p:sp>
+            <p:nvSpPr>
+              <p:cNvPr id="14" name="Rectangle 13"/>
+              <p:cNvSpPr/>
+              <p:nvPr/>
+            </p:nvSpPr>
+            <p:spPr>
+              <a:xfrm>
+                <a:off x="3580176" y="8070574"/>
+                <a:ext cx="1421194" cy="307525"/>
+              </a:xfrm>
+              <a:prstGeom prst="rect">
+                <a:avLst/>
+              </a:prstGeom>
+              <a:solidFill>
+                <a:srgbClr val="FFC000"/>
+              </a:solidFill>
+              <a:ln>
+                <a:noFill/>
+              </a:ln>
+            </p:spPr>
+            <p:style>
+              <a:lnRef idx="2">
+                <a:schemeClr val="accent1">
+                  <a:shade val="50000"/>
+                </a:schemeClr>
+              </a:lnRef>
+              <a:fillRef idx="1">
+                <a:schemeClr val="accent1"/>
+              </a:fillRef>
+              <a:effectRef idx="0">
+                <a:schemeClr val="accent1"/>
+              </a:effectRef>
+              <a:fontRef idx="minor">
+                <a:schemeClr val="lt1"/>
+              </a:fontRef>
+            </p:style>
+            <p:txBody>
+              <a:bodyPr rtlCol="0" anchor="ctr"/>
+              <a:lstStyle/>
+              <a:p>
+                <a:pPr algn="ctr"/>
+                <a:endParaRPr lang="en-US" sz="1400" dirty="0">
+                  <a:solidFill>
+                    <a:schemeClr val="tx1"/>
+                  </a:solidFill>
+                </a:endParaRPr>
+              </a:p>
+            </p:txBody>
+          </p:sp>
+          <p:sp>
+            <p:nvSpPr>
+              <p:cNvPr id="15" name="TextBox 14"/>
+              <p:cNvSpPr txBox="1"/>
+              <p:nvPr/>
+            </p:nvSpPr>
+            <p:spPr>
+              <a:xfrm>
+                <a:off x="2863516" y="8118939"/>
+                <a:ext cx="2137854" cy="338554"/>
+              </a:xfrm>
+              <a:prstGeom prst="rect">
+                <a:avLst/>
+              </a:prstGeom>
+              <a:solidFill>
+                <a:srgbClr val="FFC000"/>
+              </a:solidFill>
+            </p:spPr>
+            <p:txBody>
+              <a:bodyPr wrap="square" rtlCol="0">
+                <a:spAutoFit/>
+              </a:bodyPr>
+              <a:lstStyle/>
+              <a:p>
+                <a:r>
+                  <a:rPr lang="en-US" sz="1600" dirty="0" err="1" smtClean="0"/>
+                  <a:t>OptaPlanner</a:t>
+                </a:r>
+                <a:r>
+                  <a:rPr lang="en-US" sz="1600" dirty="0" smtClean="0"/>
+                  <a:t> Libraries</a:t>
+                </a:r>
+                <a:endParaRPr lang="en-US" sz="1600" dirty="0"/>
+              </a:p>
+            </p:txBody>
+          </p:sp>
+          <p:sp>
+            <p:nvSpPr>
+              <p:cNvPr id="16" name="Rectangle 15"/>
+              <p:cNvSpPr/>
+              <p:nvPr/>
+            </p:nvSpPr>
+            <p:spPr>
+              <a:xfrm>
+                <a:off x="3021496" y="8643069"/>
+                <a:ext cx="1979874" cy="246490"/>
+              </a:xfrm>
+              <a:prstGeom prst="rect">
+                <a:avLst/>
+              </a:prstGeom>
+              <a:solidFill>
+                <a:schemeClr val="accent6">
+                  <a:lumMod val="60000"/>
+                  <a:lumOff val="40000"/>
+                </a:schemeClr>
+              </a:solidFill>
+              <a:ln>
+                <a:noFill/>
+              </a:ln>
+            </p:spPr>
+            <p:style>
+              <a:lnRef idx="2">
+                <a:schemeClr val="accent1">
+                  <a:shade val="50000"/>
+                </a:schemeClr>
+              </a:lnRef>
+              <a:fillRef idx="1">
+                <a:schemeClr val="accent1"/>
+              </a:fillRef>
+              <a:effectRef idx="0">
+                <a:schemeClr val="accent1"/>
+              </a:effectRef>
+              <a:fontRef idx="minor">
+                <a:schemeClr val="lt1"/>
+              </a:fontRef>
+            </p:style>
+            <p:txBody>
+              <a:bodyPr rtlCol="0" anchor="ctr"/>
+              <a:lstStyle/>
+              <a:p>
+                <a:pPr algn="ctr"/>
+                <a:r>
+                  <a:rPr lang="en-US" sz="1600" dirty="0" smtClean="0">
+                    <a:solidFill>
+                      <a:schemeClr val="tx1"/>
+                    </a:solidFill>
+                  </a:rPr>
+                  <a:t>DROOLS Libraries</a:t>
+                </a:r>
+                <a:endParaRPr lang="en-US" sz="1600" dirty="0">
+                  <a:solidFill>
+                    <a:schemeClr val="tx1"/>
+                  </a:solidFill>
+                </a:endParaRPr>
+              </a:p>
+            </p:txBody>
+          </p:sp>
+          <p:sp>
+            <p:nvSpPr>
+              <p:cNvPr id="17" name="TextBox 16"/>
+              <p:cNvSpPr txBox="1"/>
+              <p:nvPr/>
+            </p:nvSpPr>
+            <p:spPr>
+              <a:xfrm>
+                <a:off x="1184744" y="8054672"/>
+                <a:ext cx="1415333" cy="830997"/>
+              </a:xfrm>
+              <a:prstGeom prst="rect">
+                <a:avLst/>
+              </a:prstGeom>
+              <a:solidFill>
+                <a:srgbClr val="9AAEF0"/>
+              </a:solidFill>
+            </p:spPr>
+            <p:txBody>
+              <a:bodyPr wrap="square" rtlCol="0">
+                <a:spAutoFit/>
+              </a:bodyPr>
+              <a:lstStyle/>
+              <a:p>
+                <a:r>
+                  <a:rPr lang="en-US" sz="1600" dirty="0" err="1" smtClean="0"/>
+                  <a:t>OptaPlanner</a:t>
+                </a:r>
+                <a:endParaRPr lang="en-US" sz="1600" dirty="0" smtClean="0"/>
+              </a:p>
+              <a:p>
+                <a:r>
+                  <a:rPr lang="en-US" sz="1600" dirty="0" smtClean="0"/>
+                  <a:t>Application</a:t>
+                </a:r>
+              </a:p>
+              <a:p>
+                <a:r>
+                  <a:rPr lang="en-US" sz="1600" dirty="0" smtClean="0"/>
+                  <a:t>Framework</a:t>
+                </a:r>
+                <a:endParaRPr lang="en-US" sz="1600" dirty="0"/>
+              </a:p>
+            </p:txBody>
+          </p:sp>
+        </p:grpSp>
+        <p:sp>
+          <p:nvSpPr>
+            <p:cNvPr id="10" name="Rectangle 9"/>
+            <p:cNvSpPr/>
+            <p:nvPr/>
+          </p:nvSpPr>
+          <p:spPr>
+            <a:xfrm>
+              <a:off x="5828306" y="6766560"/>
+              <a:ext cx="699715" cy="2289976"/>
+            </a:xfrm>
+            <a:prstGeom prst="rect">
+              <a:avLst/>
+            </a:prstGeom>
+            <a:solidFill>
+              <a:schemeClr val="accent1">
+                <a:lumMod val="20000"/>
+                <a:lumOff val="80000"/>
+              </a:schemeClr>
+            </a:solidFill>
+            <a:ln>
+              <a:noFill/>
+            </a:ln>
+          </p:spPr>
+          <p:style>
+            <a:lnRef idx="2">
+              <a:schemeClr val="accent1">
+                <a:shade val="50000"/>
+              </a:schemeClr>
+            </a:lnRef>
+            <a:fillRef idx="1">
+              <a:schemeClr val="accent1"/>
+            </a:fillRef>
+            <a:effectRef idx="0">
+              <a:schemeClr val="accent1"/>
+            </a:effectRef>
+            <a:fontRef idx="minor">
+              <a:schemeClr val="lt1"/>
+            </a:fontRef>
+          </p:style>
+          <p:txBody>
+            <a:bodyPr rtlCol="0" anchor="ctr"/>
+            <a:lstStyle/>
+            <a:p>
+              <a:pPr algn="ctr"/>
+              <a:endParaRPr lang="en-US"/>
+            </a:p>
+          </p:txBody>
+        </p:sp>
+        <p:sp>
+          <p:nvSpPr>
+            <p:cNvPr id="11" name="Can 10"/>
+            <p:cNvSpPr/>
+            <p:nvPr/>
+          </p:nvSpPr>
+          <p:spPr>
+            <a:xfrm>
+              <a:off x="5648321" y="6957770"/>
+              <a:ext cx="725727" cy="603794"/>
+            </a:xfrm>
+            <a:prstGeom prst="can">
+              <a:avLst/>
+            </a:prstGeom>
+            <a:solidFill>
+              <a:srgbClr val="7030A0"/>
+            </a:solidFill>
+            <a:ln>
+              <a:noFill/>
+            </a:ln>
+          </p:spPr>
+          <p:style>
+            <a:lnRef idx="2">
+              <a:schemeClr val="accent1">
+                <a:shade val="50000"/>
+              </a:schemeClr>
+            </a:lnRef>
+            <a:fillRef idx="1">
+              <a:schemeClr val="accent1"/>
+            </a:fillRef>
+            <a:effectRef idx="0">
+              <a:schemeClr val="accent1"/>
+            </a:effectRef>
+            <a:fontRef idx="minor">
+              <a:schemeClr val="lt1"/>
+            </a:fontRef>
+          </p:style>
+          <p:txBody>
+            <a:bodyPr rtlCol="0" anchor="ctr"/>
+            <a:lstStyle/>
+            <a:p>
+              <a:pPr algn="ctr"/>
+              <a:r>
+                <a:rPr lang="en-US" sz="1400" dirty="0" smtClean="0"/>
+                <a:t>Derby</a:t>
+              </a:r>
+            </a:p>
+            <a:p>
+              <a:pPr algn="ctr"/>
+              <a:r>
+                <a:rPr lang="en-US" sz="1400" dirty="0" smtClean="0"/>
+                <a:t>DB</a:t>
+              </a:r>
+              <a:endParaRPr lang="en-US" sz="1400" dirty="0"/>
+            </a:p>
+          </p:txBody>
+        </p:sp>
+        <p:sp>
+          <p:nvSpPr>
+            <p:cNvPr id="12" name="Left-Right Arrow 11"/>
+            <p:cNvSpPr/>
+            <p:nvPr/>
+          </p:nvSpPr>
+          <p:spPr>
+            <a:xfrm>
+              <a:off x="5013296" y="7044856"/>
+              <a:ext cx="635025" cy="246490"/>
+            </a:xfrm>
+            <a:prstGeom prst="leftRightArrow">
+              <a:avLst/>
+            </a:prstGeom>
+            <a:solidFill>
+              <a:schemeClr val="bg1"/>
+            </a:solidFill>
+          </p:spPr>
+          <p:style>
+            <a:lnRef idx="2">
+              <a:schemeClr val="accent1">
+                <a:shade val="50000"/>
+              </a:schemeClr>
+            </a:lnRef>
+            <a:fillRef idx="1">
+              <a:schemeClr val="accent1"/>
+            </a:fillRef>
+            <a:effectRef idx="0">
+              <a:schemeClr val="accent1"/>
+            </a:effectRef>
+            <a:fontRef idx="minor">
+              <a:schemeClr val="lt1"/>
+            </a:fontRef>
+          </p:style>
+          <p:txBody>
+            <a:bodyPr rtlCol="0" anchor="ctr"/>
+            <a:lstStyle/>
+            <a:p>
+              <a:pPr algn="ctr"/>
+              <a:endParaRPr lang="en-US"/>
+            </a:p>
+          </p:txBody>
+        </p:sp>
+      </p:grpSp>
     </p:spTree>
     <p:extLst>
       <p:ext uri="{BB962C8B-B14F-4D97-AF65-F5344CB8AC3E}">
-        <p14:creationId xmlns:p14="http://schemas.microsoft.com/office/powerpoint/2010/main" val="394851752"/>
+        <p14:creationId xmlns:p14="http://schemas.microsoft.com/office/powerpoint/2010/main" val="3012525"/>
       </p:ext>
     </p:extLst>
   </p:cSld>
@@ -11063,7 +14783,7 @@
       </p:grpSpPr>
       <p:sp>
         <p:nvSpPr>
-          <p:cNvPr id="8" name="Content Placeholder 2">
+          <p:cNvPr id="3" name="Content Placeholder 2">
             <a:extLst>
               <a:ext uri="{FF2B5EF4-FFF2-40B4-BE49-F238E27FC236}">
                 <a16:creationId xmlns:a16="http://schemas.microsoft.com/office/drawing/2014/main" id="{41102E4D-0674-49A1-9E3D-3CC6B87FB671}"/>
@@ -11079,13 +14799,13 @@
         </p:nvSpPr>
         <p:spPr>
           <a:xfrm>
-            <a:off x="352695" y="1381961"/>
-            <a:ext cx="6283904" cy="2688562"/>
+            <a:off x="365515" y="1517335"/>
+            <a:ext cx="5971192" cy="1223526"/>
           </a:xfrm>
         </p:spPr>
         <p:txBody>
           <a:bodyPr>
-            <a:normAutofit/>
+            <a:noAutofit/>
           </a:bodyPr>
           <a:lstStyle/>
           <a:p>
@@ -11093,76 +14813,192 @@
               <a:buNone/>
             </a:pPr>
             <a:r>
-              <a:rPr lang="en-US" sz="1400" dirty="0" err="1" smtClean="0"/>
-              <a:t>kkk</a:t>
-            </a:r>
-            <a:endParaRPr lang="en-US" sz="1400" dirty="0" smtClean="0"/>
+              <a:rPr lang="en-US" sz="1200" dirty="0" smtClean="0"/>
+              <a:t>The following figure shows the Class Diagram for the application. </a:t>
+            </a:r>
+            <a:r>
+              <a:rPr lang="en-US" sz="1200" dirty="0" smtClean="0"/>
+              <a:t>This class diagram shows that, using </a:t>
+            </a:r>
+            <a:r>
+              <a:rPr lang="en-US" sz="1200" dirty="0" err="1" smtClean="0"/>
+              <a:t>OptaPlanner</a:t>
+            </a:r>
+            <a:r>
+              <a:rPr lang="en-US" sz="1200" dirty="0" smtClean="0"/>
+              <a:t>, we are trying to match a group of patients to a group of practitioners based on Period and Practitioner. </a:t>
+            </a:r>
           </a:p>
           <a:p>
             <a:pPr marL="0" indent="0">
               <a:buNone/>
             </a:pPr>
-            <a:endParaRPr lang="en-US" sz="1400" dirty="0"/>
+            <a:r>
+              <a:rPr lang="en-MY" sz="1200" dirty="0"/>
+              <a:t>In the first attempt, we </a:t>
+            </a:r>
+            <a:r>
+              <a:rPr lang="en-MY" sz="1200" dirty="0" smtClean="0"/>
+              <a:t>named </a:t>
+            </a:r>
+            <a:r>
+              <a:rPr lang="en-MY" sz="1200" dirty="0"/>
+              <a:t>the planning solution as </a:t>
+            </a:r>
+            <a:r>
+              <a:rPr lang="en-MY" sz="1200" dirty="0" err="1"/>
+              <a:t>timeSolution</a:t>
+            </a:r>
+            <a:r>
+              <a:rPr lang="en-MY" sz="1200" dirty="0"/>
+              <a:t>, planning entity as </a:t>
+            </a:r>
+            <a:r>
+              <a:rPr lang="en-MY" sz="1200" dirty="0" err="1"/>
+              <a:t>PHQprocess</a:t>
+            </a:r>
+            <a:r>
+              <a:rPr lang="en-MY" sz="1200" dirty="0"/>
+              <a:t>. Hard Soft Score is chosen as the score type. </a:t>
+            </a:r>
           </a:p>
           <a:p>
             <a:pPr marL="0" indent="0">
               <a:buNone/>
             </a:pPr>
-            <a:endParaRPr lang="en-US" sz="1400" dirty="0"/>
+            <a:r>
+              <a:rPr lang="en-MY" sz="1200" dirty="0"/>
+              <a:t>In </a:t>
+            </a:r>
+            <a:r>
+              <a:rPr lang="en-MY" sz="1200" dirty="0" err="1"/>
+              <a:t>TimeSolution</a:t>
+            </a:r>
+            <a:r>
+              <a:rPr lang="en-MY" sz="1200" dirty="0"/>
+              <a:t>, </a:t>
+            </a:r>
+            <a:r>
+              <a:rPr lang="en-MY" sz="1200" dirty="0" smtClean="0"/>
+              <a:t>the list </a:t>
+            </a:r>
+            <a:r>
+              <a:rPr lang="en-MY" sz="1200" dirty="0"/>
+              <a:t>of practitioners and list of time slot </a:t>
+            </a:r>
+            <a:r>
+              <a:rPr lang="en-MY" sz="1200" dirty="0" smtClean="0"/>
+              <a:t>are </a:t>
+            </a:r>
+            <a:r>
+              <a:rPr lang="en-MY" sz="1200" dirty="0"/>
+              <a:t>linked to the practitioner, time slot in the PHQ process. The planning variable is defined to </a:t>
+            </a:r>
+            <a:r>
+              <a:rPr lang="en-MY" sz="1200" dirty="0" smtClean="0"/>
+              <a:t>be a </a:t>
+            </a:r>
+            <a:r>
+              <a:rPr lang="en-MY" sz="1200" dirty="0"/>
+              <a:t>many to one relation in between planning solution and entity.</a:t>
+            </a:r>
           </a:p>
           <a:p>
             <a:pPr marL="0" indent="0">
               <a:buNone/>
             </a:pPr>
-            <a:endParaRPr lang="en-US" sz="1400" dirty="0"/>
+            <a:r>
+              <a:rPr lang="en-MY" sz="1200" dirty="0" err="1" smtClean="0"/>
+              <a:t>Also,we</a:t>
+            </a:r>
+            <a:r>
+              <a:rPr lang="en-MY" sz="1200" dirty="0" smtClean="0"/>
+              <a:t> defined the </a:t>
+            </a:r>
+            <a:r>
+              <a:rPr lang="en-MY" sz="1200" dirty="0"/>
+              <a:t>process to include patients’ detail, namely, ID, name, PHQ Score, </a:t>
+            </a:r>
+            <a:r>
+              <a:rPr lang="en-MY" sz="1200" dirty="0" smtClean="0"/>
+              <a:t>preferred location</a:t>
+            </a:r>
+            <a:r>
+              <a:rPr lang="en-MY" sz="1200" dirty="0"/>
+              <a:t>, prefer day of session, gender and language.</a:t>
+            </a:r>
           </a:p>
           <a:p>
             <a:pPr marL="0" indent="0">
               <a:buNone/>
             </a:pPr>
-            <a:endParaRPr lang="en-US" sz="1400" dirty="0"/>
+            <a:endParaRPr lang="en-US" sz="1200" dirty="0" smtClean="0"/>
           </a:p>
           <a:p>
             <a:pPr marL="0" indent="0">
               <a:buNone/>
             </a:pPr>
-            <a:endParaRPr lang="en-US" sz="1400" dirty="0"/>
+            <a:endParaRPr lang="en-US" sz="1200" dirty="0"/>
           </a:p>
           <a:p>
             <a:pPr marL="0" indent="0">
               <a:buNone/>
             </a:pPr>
-            <a:endParaRPr lang="en-US" sz="1400" dirty="0"/>
+            <a:endParaRPr lang="en-US" sz="1200" dirty="0"/>
           </a:p>
           <a:p>
             <a:pPr marL="0" indent="0">
               <a:buNone/>
             </a:pPr>
-            <a:endParaRPr lang="en-US" sz="1400" dirty="0"/>
+            <a:endParaRPr lang="en-US" sz="1200" dirty="0"/>
           </a:p>
           <a:p>
             <a:pPr marL="0" indent="0">
               <a:buNone/>
             </a:pPr>
-            <a:endParaRPr lang="en-US" sz="1400" dirty="0"/>
+            <a:endParaRPr lang="en-US" sz="1200" dirty="0"/>
           </a:p>
           <a:p>
             <a:pPr marL="0" indent="0">
               <a:buNone/>
             </a:pPr>
-            <a:endParaRPr lang="en-US" sz="1400" dirty="0"/>
+            <a:endParaRPr lang="en-US" sz="1200" dirty="0"/>
           </a:p>
           <a:p>
             <a:pPr marL="0" indent="0">
               <a:buNone/>
             </a:pPr>
-            <a:endParaRPr lang="en-SG" sz="1400" dirty="0"/>
-          </a:p>
-        </p:txBody>
-      </p:sp>
-      <p:sp>
-        <p:nvSpPr>
-          <p:cNvPr id="5" name="TextBox 4"/>
+            <a:endParaRPr lang="en-US" sz="1200" dirty="0"/>
+          </a:p>
+          <a:p>
+            <a:pPr marL="0" indent="0">
+              <a:buNone/>
+            </a:pPr>
+            <a:endParaRPr lang="en-US" sz="1200" dirty="0"/>
+          </a:p>
+          <a:p>
+            <a:pPr marL="0" indent="0">
+              <a:buNone/>
+            </a:pPr>
+            <a:endParaRPr lang="en-US" sz="1200" dirty="0"/>
+          </a:p>
+          <a:p>
+            <a:pPr marL="0" indent="0">
+              <a:buNone/>
+            </a:pPr>
+            <a:endParaRPr lang="en-US" sz="1200" dirty="0"/>
+          </a:p>
+          <a:p>
+            <a:pPr marL="0" indent="0">
+              <a:buNone/>
+            </a:pPr>
+            <a:endParaRPr lang="en-SG" sz="1200" dirty="0"/>
+          </a:p>
+        </p:txBody>
+      </p:sp>
+      <p:sp>
+        <p:nvSpPr>
+          <p:cNvPr id="13" name="TextBox 12"/>
           <p:cNvSpPr txBox="1"/>
           <p:nvPr/>
         </p:nvSpPr>
@@ -11182,38 +15018,99 @@
           </a:bodyPr>
           <a:lstStyle/>
           <a:p>
-            <a:r>
-              <a:rPr lang="en-US" sz="2800" dirty="0">
-                <a:solidFill>
-                  <a:schemeClr val="tx2">
+            <a:pPr marL="0" marR="0" lvl="0" indent="0" algn="l" defTabSz="914400" rtl="0" eaLnBrk="1" fontAlgn="auto" latinLnBrk="0" hangingPunct="1">
+              <a:lnSpc>
+                <a:spcPct val="100000"/>
+              </a:lnSpc>
+              <a:spcBef>
+                <a:spcPts val="0"/>
+              </a:spcBef>
+              <a:spcAft>
+                <a:spcPts val="0"/>
+              </a:spcAft>
+              <a:buClrTx/>
+              <a:buSzTx/>
+              <a:buFontTx/>
+              <a:buNone/>
+              <a:tabLst/>
+              <a:defRPr/>
+            </a:pPr>
+            <a:r>
+              <a:rPr kumimoji="0" lang="en-US" sz="2800" b="0" i="0" u="none" strike="noStrike" kern="1200" cap="none" spc="0" normalizeH="0" baseline="0" noProof="0" dirty="0">
+                <a:ln>
+                  <a:noFill/>
+                </a:ln>
+                <a:solidFill>
+                  <a:srgbClr val="44546A">
                     <a:lumMod val="60000"/>
                     <a:lumOff val="40000"/>
-                  </a:schemeClr>
-                </a:solidFill>
+                  </a:srgbClr>
+                </a:solidFill>
+                <a:effectLst/>
+                <a:uLnTx/>
+                <a:uFillTx/>
+                <a:latin typeface="Calibri" panose="020F0502020204030204"/>
+                <a:ea typeface="+mn-ea"/>
+                <a:cs typeface="+mn-cs"/>
               </a:rPr>
               <a:t>Project Solution </a:t>
             </a:r>
           </a:p>
           <a:p>
-            <a:r>
-              <a:rPr lang="en-US" dirty="0" smtClean="0">
+            <a:pPr marL="0" marR="0" lvl="0" indent="0" algn="l" defTabSz="914400" rtl="0" eaLnBrk="1" fontAlgn="auto" latinLnBrk="0" hangingPunct="1">
+              <a:lnSpc>
+                <a:spcPct val="100000"/>
+              </a:lnSpc>
+              <a:spcBef>
+                <a:spcPts val="0"/>
+              </a:spcBef>
+              <a:spcAft>
+                <a:spcPts val="0"/>
+              </a:spcAft>
+              <a:buClrTx/>
+              <a:buSzTx/>
+              <a:buFontTx/>
+              <a:buNone/>
+              <a:tabLst/>
+              <a:defRPr/>
+            </a:pPr>
+            <a:r>
+              <a:rPr kumimoji="0" lang="en-US" sz="1800" b="0" i="0" u="none" strike="noStrike" kern="1200" cap="none" spc="0" normalizeH="0" baseline="0" noProof="0" dirty="0" smtClean="0">
+                <a:ln>
+                  <a:noFill/>
+                </a:ln>
                 <a:solidFill>
                   <a:srgbClr val="FF0000"/>
                 </a:solidFill>
+                <a:effectLst/>
+                <a:uLnTx/>
+                <a:uFillTx/>
+                <a:latin typeface="Calibri" panose="020F0502020204030204"/>
+                <a:ea typeface="+mn-ea"/>
+                <a:cs typeface="+mn-cs"/>
               </a:rPr>
               <a:t>	</a:t>
             </a:r>
-            <a:endParaRPr lang="en-US" dirty="0">
+            <a:endParaRPr kumimoji="0" lang="en-US" sz="1800" b="0" i="0" u="none" strike="noStrike" kern="1200" cap="none" spc="0" normalizeH="0" baseline="0" noProof="0" dirty="0">
+              <a:ln>
+                <a:noFill/>
+              </a:ln>
               <a:solidFill>
                 <a:srgbClr val="FF0000"/>
               </a:solidFill>
+              <a:effectLst/>
+              <a:uLnTx/>
+              <a:uFillTx/>
+              <a:latin typeface="Calibri" panose="020F0502020204030204"/>
+              <a:ea typeface="+mn-ea"/>
+              <a:cs typeface="+mn-cs"/>
             </a:endParaRPr>
           </a:p>
         </p:txBody>
       </p:sp>
       <p:sp>
         <p:nvSpPr>
-          <p:cNvPr id="2" name="Slide Number Placeholder 1"/>
+          <p:cNvPr id="4" name="Slide Number Placeholder 3"/>
           <p:cNvSpPr>
             <a:spLocks noGrp="1"/>
           </p:cNvSpPr>
@@ -11226,24 +15123,197 @@
           <a:bodyPr/>
           <a:lstStyle/>
           <a:p>
+            <a:pPr marL="0" marR="0" lvl="0" indent="0" algn="r" defTabSz="914400" rtl="0" eaLnBrk="1" fontAlgn="auto" latinLnBrk="0" hangingPunct="1">
+              <a:lnSpc>
+                <a:spcPct val="100000"/>
+              </a:lnSpc>
+              <a:spcBef>
+                <a:spcPts val="0"/>
+              </a:spcBef>
+              <a:spcAft>
+                <a:spcPts val="0"/>
+              </a:spcAft>
+              <a:buClrTx/>
+              <a:buSzTx/>
+              <a:buFontTx/>
+              <a:buNone/>
+              <a:tabLst/>
+              <a:defRPr/>
+            </a:pPr>
             <a:fld id="{D7EBF05A-3D21-489F-92E5-C2CA7463D2E0}" type="slidenum">
-              <a:rPr lang="en-SG" smtClean="0"/>
+              <a:rPr kumimoji="0" lang="en-SG" sz="900" b="0" i="0" u="none" strike="noStrike" kern="1200" cap="none" spc="0" normalizeH="0" baseline="0" noProof="0" smtClean="0">
+                <a:ln>
+                  <a:noFill/>
+                </a:ln>
+                <a:solidFill>
+                  <a:prstClr val="black">
+                    <a:tint val="75000"/>
+                  </a:prstClr>
+                </a:solidFill>
+                <a:effectLst/>
+                <a:uLnTx/>
+                <a:uFillTx/>
+                <a:latin typeface="Calibri" panose="020F0502020204030204"/>
+                <a:ea typeface="+mn-ea"/>
+                <a:cs typeface="+mn-cs"/>
+              </a:rPr>
+              <a:pPr marL="0" marR="0" lvl="0" indent="0" algn="r" defTabSz="914400" rtl="0" eaLnBrk="1" fontAlgn="auto" latinLnBrk="0" hangingPunct="1">
+                <a:lnSpc>
+                  <a:spcPct val="100000"/>
+                </a:lnSpc>
+                <a:spcBef>
+                  <a:spcPts val="0"/>
+                </a:spcBef>
+                <a:spcAft>
+                  <a:spcPts val="0"/>
+                </a:spcAft>
+                <a:buClrTx/>
+                <a:buSzTx/>
+                <a:buFontTx/>
+                <a:buNone/>
+                <a:tabLst/>
+                <a:defRPr/>
+              </a:pPr>
               <a:t>7</a:t>
             </a:fld>
-            <a:endParaRPr lang="en-SG"/>
-          </a:p>
-        </p:txBody>
-      </p:sp>
+            <a:endParaRPr kumimoji="0" lang="en-SG" sz="900" b="0" i="0" u="none" strike="noStrike" kern="1200" cap="none" spc="0" normalizeH="0" baseline="0" noProof="0">
+              <a:ln>
+                <a:noFill/>
+              </a:ln>
+              <a:solidFill>
+                <a:prstClr val="black">
+                  <a:tint val="75000"/>
+                </a:prstClr>
+              </a:solidFill>
+              <a:effectLst/>
+              <a:uLnTx/>
+              <a:uFillTx/>
+              <a:latin typeface="Calibri" panose="020F0502020204030204"/>
+              <a:ea typeface="+mn-ea"/>
+              <a:cs typeface="+mn-cs"/>
+            </a:endParaRPr>
+          </a:p>
+        </p:txBody>
+      </p:sp>
+      <p:sp>
+        <p:nvSpPr>
+          <p:cNvPr id="5" name="Rectangle 4"/>
+          <p:cNvSpPr/>
+          <p:nvPr/>
+        </p:nvSpPr>
+        <p:spPr>
+          <a:xfrm>
+            <a:off x="1821427" y="707981"/>
+            <a:ext cx="3338970" cy="461665"/>
+          </a:xfrm>
+          <a:prstGeom prst="rect">
+            <a:avLst/>
+          </a:prstGeom>
+        </p:spPr>
+        <p:txBody>
+          <a:bodyPr wrap="square">
+            <a:spAutoFit/>
+          </a:bodyPr>
+          <a:lstStyle/>
+          <a:p>
+            <a:pPr marL="0" marR="0" lvl="0" indent="0" algn="l" defTabSz="914400" rtl="0" eaLnBrk="1" fontAlgn="auto" latinLnBrk="0" hangingPunct="1">
+              <a:lnSpc>
+                <a:spcPct val="100000"/>
+              </a:lnSpc>
+              <a:spcBef>
+                <a:spcPts val="0"/>
+              </a:spcBef>
+              <a:spcAft>
+                <a:spcPts val="0"/>
+              </a:spcAft>
+              <a:buClrTx/>
+              <a:buSzTx/>
+              <a:buFontTx/>
+              <a:buNone/>
+              <a:tabLst/>
+              <a:defRPr/>
+            </a:pPr>
+            <a:r>
+              <a:rPr kumimoji="0" lang="en-US" sz="2400" b="1" i="0" u="none" strike="noStrike" kern="1200" cap="none" spc="0" normalizeH="0" baseline="0" noProof="0" dirty="0" smtClean="0">
+                <a:ln>
+                  <a:noFill/>
+                </a:ln>
+                <a:solidFill>
+                  <a:srgbClr val="FF0000"/>
+                </a:solidFill>
+                <a:effectLst/>
+                <a:uLnTx/>
+                <a:uFillTx/>
+                <a:latin typeface="Calibri" panose="020F0502020204030204"/>
+                <a:ea typeface="+mn-ea"/>
+                <a:cs typeface="+mn-cs"/>
+              </a:rPr>
+              <a:t>Design – Class Diagram</a:t>
+            </a:r>
+            <a:endParaRPr kumimoji="0" lang="en-US" sz="2400" b="1" i="0" u="none" strike="noStrike" kern="1200" cap="none" spc="0" normalizeH="0" baseline="0" noProof="0" dirty="0">
+              <a:ln>
+                <a:noFill/>
+              </a:ln>
+              <a:solidFill>
+                <a:srgbClr val="FF0000"/>
+              </a:solidFill>
+              <a:effectLst/>
+              <a:uLnTx/>
+              <a:uFillTx/>
+              <a:latin typeface="Calibri" panose="020F0502020204030204"/>
+              <a:ea typeface="+mn-ea"/>
+              <a:cs typeface="+mn-cs"/>
+            </a:endParaRPr>
+          </a:p>
+        </p:txBody>
+      </p:sp>
+      <p:pic>
+        <p:nvPicPr>
+          <p:cNvPr id="6" name="Picture 5"/>
+          <p:cNvPicPr>
+            <a:picLocks noChangeAspect="1"/>
+          </p:cNvPicPr>
+          <p:nvPr/>
+        </p:nvPicPr>
+        <p:blipFill>
+          <a:blip r:embed="rId2">
+            <a:extLst>
+              <a:ext uri="{28A0092B-C50C-407E-A947-70E740481C1C}">
+                <a14:useLocalDpi xmlns:a14="http://schemas.microsoft.com/office/drawing/2010/main" val="0"/>
+              </a:ext>
+            </a:extLst>
+          </a:blip>
+          <a:stretch>
+            <a:fillRect/>
+          </a:stretch>
+        </p:blipFill>
+        <p:spPr>
+          <a:xfrm>
+            <a:off x="494052" y="4300832"/>
+            <a:ext cx="6155564" cy="2751818"/>
+          </a:xfrm>
+          <a:prstGeom prst="rect">
+            <a:avLst/>
+          </a:prstGeom>
+        </p:spPr>
+      </p:pic>
     </p:spTree>
     <p:extLst>
       <p:ext uri="{BB962C8B-B14F-4D97-AF65-F5344CB8AC3E}">
-        <p14:creationId xmlns:p14="http://schemas.microsoft.com/office/powerpoint/2010/main" val="3599973030"/>
+        <p14:creationId xmlns:p14="http://schemas.microsoft.com/office/powerpoint/2010/main" val="2167791094"/>
       </p:ext>
     </p:extLst>
   </p:cSld>
   <p:clrMapOvr>
     <a:masterClrMapping/>
   </p:clrMapOvr>
+  <p:timing>
+    <p:tnLst>
+      <p:par>
+        <p:cTn id="1" dur="indefinite" restart="never" nodeType="tmRoot"/>
+      </p:par>
+    </p:tnLst>
+  </p:timing>
 </p:sld>
 </file>
 
@@ -11296,10 +15366,10 @@
               <a:buNone/>
             </a:pPr>
             <a:r>
-              <a:rPr lang="en-US" sz="1600" dirty="0" smtClean="0"/>
-              <a:t>YYY</a:t>
-            </a:r>
-            <a:endParaRPr lang="en-US" sz="1600" dirty="0"/>
+              <a:rPr lang="en-US" sz="1200" dirty="0" smtClean="0"/>
+              <a:t>The following screens show the setup in KIE Workbench based on the original design.</a:t>
+            </a:r>
+            <a:endParaRPr lang="en-US" sz="1200" dirty="0"/>
           </a:p>
           <a:p>
             <a:pPr marL="0" indent="0">
@@ -11318,7 +15388,7 @@
         <p:spPr>
           <a:xfrm>
             <a:off x="349993" y="245361"/>
-            <a:ext cx="5211908" cy="954107"/>
+            <a:ext cx="5211908" cy="861774"/>
           </a:xfrm>
           <a:prstGeom prst="rect">
             <a:avLst/>
@@ -11340,8 +15410,16 @@
                   </a:schemeClr>
                 </a:solidFill>
               </a:rPr>
-              <a:t>Solution Design</a:t>
-            </a:r>
+              <a:t>Project Implementation</a:t>
+            </a:r>
+            <a:endParaRPr lang="en-US" sz="3200" dirty="0" smtClean="0">
+              <a:solidFill>
+                <a:schemeClr val="tx2">
+                  <a:lumMod val="60000"/>
+                  <a:lumOff val="40000"/>
+                </a:schemeClr>
+              </a:solidFill>
+            </a:endParaRPr>
           </a:p>
           <a:p>
             <a:r>
@@ -11358,15 +15436,7 @@
                   <a:srgbClr val="FF0000"/>
                 </a:solidFill>
               </a:rPr>
-              <a:t>Tool adopted  </a:t>
-            </a:r>
-            <a:r>
-              <a:rPr lang="en-US" sz="2400" b="1" dirty="0" err="1" smtClean="0">
-                <a:solidFill>
-                  <a:srgbClr val="FF0000"/>
-                </a:solidFill>
-              </a:rPr>
-              <a:t>OptaPlanner</a:t>
+              <a:t> 	KIE Workbench Setup</a:t>
             </a:r>
             <a:endParaRPr lang="en-US" sz="2400" b="1" dirty="0">
               <a:solidFill>
@@ -11399,10 +15469,68 @@
           </a:p>
         </p:txBody>
       </p:sp>
+      <p:pic>
+        <p:nvPicPr>
+          <p:cNvPr id="6" name="Picture 5">
+            <a:extLst>
+              <a:ext uri="{FF2B5EF4-FFF2-40B4-BE49-F238E27FC236}">
+                <a16:creationId xmlns:a16="http://schemas.microsoft.com/office/drawing/2014/main" id="{CC89F10D-C13F-4DFF-9EFA-DFB46102C8D0}"/>
+              </a:ext>
+            </a:extLst>
+          </p:cNvPr>
+          <p:cNvPicPr>
+            <a:picLocks noChangeAspect="1"/>
+          </p:cNvPicPr>
+          <p:nvPr/>
+        </p:nvPicPr>
+        <p:blipFill rotWithShape="1">
+          <a:blip r:embed="rId2"/>
+          <a:srcRect l="3750" t="2972" r="15067" b="4919"/>
+          <a:stretch/>
+        </p:blipFill>
+        <p:spPr>
+          <a:xfrm>
+            <a:off x="636186" y="2297426"/>
+            <a:ext cx="5821763" cy="3096220"/>
+          </a:xfrm>
+          <a:prstGeom prst="rect">
+            <a:avLst/>
+          </a:prstGeom>
+        </p:spPr>
+      </p:pic>
+      <p:pic>
+        <p:nvPicPr>
+          <p:cNvPr id="7" name="Picture 6">
+            <a:extLst>
+              <a:ext uri="{FF2B5EF4-FFF2-40B4-BE49-F238E27FC236}">
+                <a16:creationId xmlns:a16="http://schemas.microsoft.com/office/drawing/2014/main" id="{8F2FCBAC-047A-4332-91E2-CD4DCBB61B03}"/>
+              </a:ext>
+            </a:extLst>
+          </p:cNvPr>
+          <p:cNvPicPr>
+            <a:picLocks noChangeAspect="1"/>
+          </p:cNvPicPr>
+          <p:nvPr/>
+        </p:nvPicPr>
+        <p:blipFill rotWithShape="1">
+          <a:blip r:embed="rId3"/>
+          <a:srcRect l="3549" t="-1917" b="49215"/>
+          <a:stretch/>
+        </p:blipFill>
+        <p:spPr>
+          <a:xfrm>
+            <a:off x="636186" y="6501327"/>
+            <a:ext cx="5860356" cy="1501010"/>
+          </a:xfrm>
+          <a:prstGeom prst="rect">
+            <a:avLst/>
+          </a:prstGeom>
+        </p:spPr>
+      </p:pic>
     </p:spTree>
     <p:extLst>
       <p:ext uri="{BB962C8B-B14F-4D97-AF65-F5344CB8AC3E}">
-        <p14:creationId xmlns:p14="http://schemas.microsoft.com/office/powerpoint/2010/main" val="2939566435"/>
+        <p14:creationId xmlns:p14="http://schemas.microsoft.com/office/powerpoint/2010/main" val="2136863809"/>
       </p:ext>
     </p:extLst>
   </p:cSld>
@@ -11434,7 +15562,7 @@
           <p:cNvPr id="3" name="Content Placeholder 2">
             <a:extLst>
               <a:ext uri="{FF2B5EF4-FFF2-40B4-BE49-F238E27FC236}">
-                <a16:creationId xmlns:a16="http://schemas.microsoft.com/office/drawing/2014/main" id="{41102E4D-0674-49A1-9E3D-3CC6B87FB671}"/>
+                <a16:creationId xmlns:a16="http://schemas.microsoft.com/office/drawing/2014/main" id="{88270A78-43F7-48BF-BFC5-689869C250AD}"/>
               </a:ext>
             </a:extLst>
           </p:cNvPr>
@@ -11447,8 +15575,8 @@
         </p:nvSpPr>
         <p:spPr>
           <a:xfrm>
-            <a:off x="444500" y="1466701"/>
-            <a:ext cx="5842000" cy="1953965"/>
+            <a:off x="507257" y="1485900"/>
+            <a:ext cx="5950692" cy="2728686"/>
           </a:xfrm>
         </p:spPr>
         <p:txBody>
@@ -11460,84 +15588,20 @@
             <a:pPr marL="0" indent="0">
               <a:buNone/>
             </a:pPr>
-            <a:r>
-              <a:rPr lang="en-US" sz="1600" dirty="0" smtClean="0"/>
-              <a:t>UUU</a:t>
-            </a:r>
             <a:endParaRPr lang="en-US" sz="1600" dirty="0"/>
           </a:p>
-          <a:p>
-            <a:pPr marL="0" indent="0">
-              <a:buNone/>
-            </a:pPr>
-            <a:endParaRPr lang="en-US" sz="1600" dirty="0"/>
-          </a:p>
-          <a:p>
-            <a:pPr marL="0" indent="0">
-              <a:buNone/>
-            </a:pPr>
-            <a:endParaRPr lang="en-US" sz="1600" dirty="0"/>
-          </a:p>
-          <a:p>
-            <a:pPr marL="0" indent="0">
-              <a:buNone/>
-            </a:pPr>
-            <a:endParaRPr lang="en-US" sz="1600" dirty="0"/>
-          </a:p>
-          <a:p>
-            <a:pPr marL="0" indent="0">
-              <a:buNone/>
-            </a:pPr>
-            <a:endParaRPr lang="en-US" sz="1600" dirty="0"/>
-          </a:p>
-          <a:p>
-            <a:pPr marL="0" indent="0">
-              <a:buNone/>
-            </a:pPr>
-            <a:endParaRPr lang="en-US" sz="1600" dirty="0"/>
-          </a:p>
-          <a:p>
-            <a:pPr marL="0" indent="0">
-              <a:buNone/>
-            </a:pPr>
-            <a:endParaRPr lang="en-US" sz="1600" dirty="0"/>
-          </a:p>
-          <a:p>
-            <a:pPr marL="0" indent="0">
-              <a:buNone/>
-            </a:pPr>
-            <a:endParaRPr lang="en-US" sz="1600" dirty="0"/>
-          </a:p>
-          <a:p>
-            <a:pPr marL="0" indent="0">
-              <a:buNone/>
-            </a:pPr>
-            <a:endParaRPr lang="en-US" sz="1600" dirty="0"/>
-          </a:p>
-          <a:p>
-            <a:pPr marL="0" indent="0">
-              <a:buNone/>
-            </a:pPr>
-            <a:endParaRPr lang="en-US" sz="1600" dirty="0"/>
-          </a:p>
-          <a:p>
-            <a:pPr marL="0" indent="0">
-              <a:buNone/>
-            </a:pPr>
-            <a:endParaRPr lang="en-SG" sz="1600" dirty="0"/>
-          </a:p>
-        </p:txBody>
-      </p:sp>
-      <p:sp>
-        <p:nvSpPr>
-          <p:cNvPr id="8" name="TextBox 7"/>
+        </p:txBody>
+      </p:sp>
+      <p:sp>
+        <p:nvSpPr>
+          <p:cNvPr id="5" name="TextBox 4"/>
           <p:cNvSpPr txBox="1"/>
           <p:nvPr/>
         </p:nvSpPr>
         <p:spPr>
           <a:xfrm>
-            <a:off x="199795" y="337508"/>
-            <a:ext cx="6186163" cy="584775"/>
+            <a:off x="349993" y="245361"/>
+            <a:ext cx="5211908" cy="861774"/>
           </a:xfrm>
           <a:prstGeom prst="rect">
             <a:avLst/>
@@ -11559,9 +15623,9 @@
                   </a:schemeClr>
                 </a:solidFill>
               </a:rPr>
-              <a:t>Solution Design</a:t>
-            </a:r>
-            <a:endParaRPr lang="en-US" sz="3200" dirty="0">
+              <a:t>Project Implementation</a:t>
+            </a:r>
+            <a:endParaRPr lang="en-US" sz="3200" dirty="0" smtClean="0">
               <a:solidFill>
                 <a:schemeClr val="tx2">
                   <a:lumMod val="60000"/>
@@ -11570,6 +15634,29 @@
               </a:solidFill>
             </a:endParaRPr>
           </a:p>
+          <a:p>
+            <a:r>
+              <a:rPr lang="en-US" dirty="0" smtClean="0">
+                <a:solidFill>
+                  <a:srgbClr val="FF0000"/>
+                </a:solidFill>
+              </a:rPr>
+              <a:t>	</a:t>
+            </a:r>
+            <a:r>
+              <a:rPr lang="en-US" dirty="0" smtClean="0">
+                <a:solidFill>
+                  <a:srgbClr val="FF0000"/>
+                </a:solidFill>
+              </a:rPr>
+              <a:t> 	KIE Workbench Setup</a:t>
+            </a:r>
+            <a:endParaRPr lang="en-US" sz="2400" b="1" dirty="0">
+              <a:solidFill>
+                <a:srgbClr val="FF0000"/>
+              </a:solidFill>
+            </a:endParaRPr>
+          </a:p>
         </p:txBody>
       </p:sp>
       <p:sp>
@@ -11595,10 +15682,68 @@
           </a:p>
         </p:txBody>
       </p:sp>
+      <p:pic>
+        <p:nvPicPr>
+          <p:cNvPr id="8" name="Picture 7">
+            <a:extLst>
+              <a:ext uri="{FF2B5EF4-FFF2-40B4-BE49-F238E27FC236}">
+                <a16:creationId xmlns:a16="http://schemas.microsoft.com/office/drawing/2014/main" id="{C988CC43-6AEC-4AF1-B2DB-7CC155C266AC}"/>
+              </a:ext>
+            </a:extLst>
+          </p:cNvPr>
+          <p:cNvPicPr>
+            <a:picLocks noChangeAspect="1"/>
+          </p:cNvPicPr>
+          <p:nvPr/>
+        </p:nvPicPr>
+        <p:blipFill rotWithShape="1">
+          <a:blip r:embed="rId2"/>
+          <a:srcRect l="3446" b="50000"/>
+          <a:stretch/>
+        </p:blipFill>
+        <p:spPr>
+          <a:xfrm>
+            <a:off x="636186" y="2439894"/>
+            <a:ext cx="5989285" cy="1453837"/>
+          </a:xfrm>
+          <a:prstGeom prst="rect">
+            <a:avLst/>
+          </a:prstGeom>
+        </p:spPr>
+      </p:pic>
+      <p:pic>
+        <p:nvPicPr>
+          <p:cNvPr id="9" name="Picture 8">
+            <a:extLst>
+              <a:ext uri="{FF2B5EF4-FFF2-40B4-BE49-F238E27FC236}">
+                <a16:creationId xmlns:a16="http://schemas.microsoft.com/office/drawing/2014/main" id="{8B75A3BA-04BC-42B8-95AC-2EB7679E54F4}"/>
+              </a:ext>
+            </a:extLst>
+          </p:cNvPr>
+          <p:cNvPicPr>
+            <a:picLocks noChangeAspect="1"/>
+          </p:cNvPicPr>
+          <p:nvPr/>
+        </p:nvPicPr>
+        <p:blipFill rotWithShape="1">
+          <a:blip r:embed="rId3"/>
+          <a:srcRect l="3446" b="50000"/>
+          <a:stretch/>
+        </p:blipFill>
+        <p:spPr>
+          <a:xfrm>
+            <a:off x="654980" y="5676984"/>
+            <a:ext cx="5989285" cy="1489743"/>
+          </a:xfrm>
+          <a:prstGeom prst="rect">
+            <a:avLst/>
+          </a:prstGeom>
+        </p:spPr>
+      </p:pic>
     </p:spTree>
     <p:extLst>
       <p:ext uri="{BB962C8B-B14F-4D97-AF65-F5344CB8AC3E}">
-        <p14:creationId xmlns:p14="http://schemas.microsoft.com/office/powerpoint/2010/main" val="318687978"/>
+        <p14:creationId xmlns:p14="http://schemas.microsoft.com/office/powerpoint/2010/main" val="3108303801"/>
       </p:ext>
     </p:extLst>
   </p:cSld>
